--- a/context/GCfoodweb_p3.pptx
+++ b/context/GCfoodweb_p3.pptx
@@ -14,7 +14,14 @@
     <p:sldId id="266" r:id="rId8"/>
     <p:sldId id="261" r:id="rId9"/>
     <p:sldId id="265" r:id="rId10"/>
-    <p:sldId id="259" r:id="rId11"/>
+    <p:sldId id="267" r:id="rId11"/>
+    <p:sldId id="268" r:id="rId12"/>
+    <p:sldId id="259" r:id="rId13"/>
+    <p:sldId id="269" r:id="rId14"/>
+    <p:sldId id="270" r:id="rId15"/>
+    <p:sldId id="271" r:id="rId16"/>
+    <p:sldId id="272" r:id="rId17"/>
+    <p:sldId id="273" r:id="rId18"/>
   </p:sldIdLst>
   <p:sldSz cx="12192000" cy="6858000"/>
   <p:notesSz cx="6858000" cy="9144000"/>
@@ -114,6 +121,35 @@
     </a:lvl9pPr>
   </p:defaultTextStyle>
   <p:extLst>
+    <p:ext uri="{521415D9-36F7-43E2-AB2F-B90AF26B5E84}">
+      <p14:sectionLst xmlns:p14="http://schemas.microsoft.com/office/powerpoint/2010/main">
+        <p14:section name="預設章節" id="{AEFC67EF-5B31-4141-B10F-3F1D01815135}">
+          <p14:sldIdLst>
+            <p14:sldId id="257"/>
+            <p14:sldId id="258"/>
+            <p14:sldId id="262"/>
+            <p14:sldId id="264"/>
+            <p14:sldId id="263"/>
+            <p14:sldId id="260"/>
+            <p14:sldId id="266"/>
+            <p14:sldId id="261"/>
+            <p14:sldId id="265"/>
+            <p14:sldId id="267"/>
+            <p14:sldId id="268"/>
+            <p14:sldId id="259"/>
+          </p14:sldIdLst>
+        </p14:section>
+        <p14:section name="AMI" id="{FE8F9A97-1941-437C-B397-604926C627F3}">
+          <p14:sldIdLst>
+            <p14:sldId id="269"/>
+            <p14:sldId id="270"/>
+            <p14:sldId id="271"/>
+            <p14:sldId id="272"/>
+            <p14:sldId id="273"/>
+          </p14:sldIdLst>
+        </p14:section>
+      </p14:sectionLst>
+    </p:ext>
     <p:ext uri="{EFAFB233-063F-42B5-8137-9DF3F51BA10A}">
       <p15:sldGuideLst xmlns:p15="http://schemas.microsoft.com/office/powerpoint/2012/main"/>
     </p:ext>
@@ -252,7 +288,7 @@
           <a:p>
             <a:fld id="{CE134960-004D-483C-9939-42819B08A455}" type="datetimeFigureOut">
               <a:rPr lang="zh-TW" altLang="en-US" smtClean="0"/>
-              <a:t>2022/3/9</a:t>
+              <a:t>2022/3/10</a:t>
             </a:fld>
             <a:endParaRPr lang="zh-TW" altLang="en-US"/>
           </a:p>
@@ -422,7 +458,7 @@
           <a:p>
             <a:fld id="{CE134960-004D-483C-9939-42819B08A455}" type="datetimeFigureOut">
               <a:rPr lang="zh-TW" altLang="en-US" smtClean="0"/>
-              <a:t>2022/3/9</a:t>
+              <a:t>2022/3/10</a:t>
             </a:fld>
             <a:endParaRPr lang="zh-TW" altLang="en-US"/>
           </a:p>
@@ -602,7 +638,7 @@
           <a:p>
             <a:fld id="{CE134960-004D-483C-9939-42819B08A455}" type="datetimeFigureOut">
               <a:rPr lang="zh-TW" altLang="en-US" smtClean="0"/>
-              <a:t>2022/3/9</a:t>
+              <a:t>2022/3/10</a:t>
             </a:fld>
             <a:endParaRPr lang="zh-TW" altLang="en-US"/>
           </a:p>
@@ -772,7 +808,7 @@
           <a:p>
             <a:fld id="{CE134960-004D-483C-9939-42819B08A455}" type="datetimeFigureOut">
               <a:rPr lang="zh-TW" altLang="en-US" smtClean="0"/>
-              <a:t>2022/3/9</a:t>
+              <a:t>2022/3/10</a:t>
             </a:fld>
             <a:endParaRPr lang="zh-TW" altLang="en-US"/>
           </a:p>
@@ -1018,7 +1054,7 @@
           <a:p>
             <a:fld id="{CE134960-004D-483C-9939-42819B08A455}" type="datetimeFigureOut">
               <a:rPr lang="zh-TW" altLang="en-US" smtClean="0"/>
-              <a:t>2022/3/9</a:t>
+              <a:t>2022/3/10</a:t>
             </a:fld>
             <a:endParaRPr lang="zh-TW" altLang="en-US"/>
           </a:p>
@@ -1250,7 +1286,7 @@
           <a:p>
             <a:fld id="{CE134960-004D-483C-9939-42819B08A455}" type="datetimeFigureOut">
               <a:rPr lang="zh-TW" altLang="en-US" smtClean="0"/>
-              <a:t>2022/3/9</a:t>
+              <a:t>2022/3/10</a:t>
             </a:fld>
             <a:endParaRPr lang="zh-TW" altLang="en-US"/>
           </a:p>
@@ -1617,7 +1653,7 @@
           <a:p>
             <a:fld id="{CE134960-004D-483C-9939-42819B08A455}" type="datetimeFigureOut">
               <a:rPr lang="zh-TW" altLang="en-US" smtClean="0"/>
-              <a:t>2022/3/9</a:t>
+              <a:t>2022/3/10</a:t>
             </a:fld>
             <a:endParaRPr lang="zh-TW" altLang="en-US"/>
           </a:p>
@@ -1735,7 +1771,7 @@
           <a:p>
             <a:fld id="{CE134960-004D-483C-9939-42819B08A455}" type="datetimeFigureOut">
               <a:rPr lang="zh-TW" altLang="en-US" smtClean="0"/>
-              <a:t>2022/3/9</a:t>
+              <a:t>2022/3/10</a:t>
             </a:fld>
             <a:endParaRPr lang="zh-TW" altLang="en-US"/>
           </a:p>
@@ -1830,7 +1866,7 @@
           <a:p>
             <a:fld id="{CE134960-004D-483C-9939-42819B08A455}" type="datetimeFigureOut">
               <a:rPr lang="zh-TW" altLang="en-US" smtClean="0"/>
-              <a:t>2022/3/9</a:t>
+              <a:t>2022/3/10</a:t>
             </a:fld>
             <a:endParaRPr lang="zh-TW" altLang="en-US"/>
           </a:p>
@@ -2107,7 +2143,7 @@
           <a:p>
             <a:fld id="{CE134960-004D-483C-9939-42819B08A455}" type="datetimeFigureOut">
               <a:rPr lang="zh-TW" altLang="en-US" smtClean="0"/>
-              <a:t>2022/3/9</a:t>
+              <a:t>2022/3/10</a:t>
             </a:fld>
             <a:endParaRPr lang="zh-TW" altLang="en-US"/>
           </a:p>
@@ -2360,7 +2396,7 @@
           <a:p>
             <a:fld id="{CE134960-004D-483C-9939-42819B08A455}" type="datetimeFigureOut">
               <a:rPr lang="zh-TW" altLang="en-US" smtClean="0"/>
-              <a:t>2022/3/9</a:t>
+              <a:t>2022/3/10</a:t>
             </a:fld>
             <a:endParaRPr lang="zh-TW" altLang="en-US"/>
           </a:p>
@@ -2573,7 +2609,7 @@
           <a:p>
             <a:fld id="{CE134960-004D-483C-9939-42819B08A455}" type="datetimeFigureOut">
               <a:rPr lang="zh-TW" altLang="en-US" smtClean="0"/>
-              <a:t>2022/3/9</a:t>
+              <a:t>2022/3/10</a:t>
             </a:fld>
             <a:endParaRPr lang="zh-TW" altLang="en-US"/>
           </a:p>
@@ -3065,23 +3101,522 @@
       </p:grpSpPr>
       <p:sp>
         <p:nvSpPr>
-          <p:cNvPr id="2" name="標題 1"/>
-          <p:cNvSpPr>
-            <a:spLocks noGrp="1"/>
-          </p:cNvSpPr>
-          <p:nvPr>
-            <p:ph type="title"/>
-          </p:nvPr>
+          <p:cNvPr id="2" name="矩形 1"/>
+          <p:cNvSpPr/>
+          <p:nvPr/>
         </p:nvSpPr>
-        <p:spPr/>
+        <p:spPr>
+          <a:xfrm>
+            <a:off x="510139" y="2413338"/>
+            <a:ext cx="8633861" cy="369332"/>
+          </a:xfrm>
+          <a:prstGeom prst="rect">
+            <a:avLst/>
+          </a:prstGeom>
+        </p:spPr>
         <p:txBody>
-          <a:bodyPr/>
+          <a:bodyPr wrap="square">
+            <a:spAutoFit/>
+          </a:bodyPr>
           <a:lstStyle/>
           <a:p>
+            <a:endParaRPr lang="zh-TW" altLang="en-US" dirty="0"/>
+          </a:p>
+        </p:txBody>
+      </p:sp>
+      <p:sp>
+        <p:nvSpPr>
+          <p:cNvPr id="6" name="矩形 5"/>
+          <p:cNvSpPr/>
+          <p:nvPr/>
+        </p:nvSpPr>
+        <p:spPr>
+          <a:xfrm>
+            <a:off x="189372" y="281947"/>
+            <a:ext cx="4709887" cy="523220"/>
+          </a:xfrm>
+          <a:prstGeom prst="rect">
+            <a:avLst/>
+          </a:prstGeom>
+        </p:spPr>
+        <p:txBody>
+          <a:bodyPr wrap="square">
+            <a:spAutoFit/>
+          </a:bodyPr>
+          <a:lstStyle/>
+          <a:p>
+            <a:r>
+              <a:rPr lang="en-US" altLang="zh-TW" sz="2800" dirty="0" smtClean="0"/>
+              <a:t>Indices used in LIM studies:</a:t>
+            </a:r>
+            <a:endParaRPr lang="en-US" altLang="zh-TW" sz="2800" dirty="0"/>
+          </a:p>
+        </p:txBody>
+      </p:sp>
+      <p:sp>
+        <p:nvSpPr>
+          <p:cNvPr id="4" name="矩形 3"/>
+          <p:cNvSpPr/>
+          <p:nvPr/>
+        </p:nvSpPr>
+        <p:spPr>
+          <a:xfrm>
+            <a:off x="189372" y="3613666"/>
+            <a:ext cx="2301464" cy="369332"/>
+          </a:xfrm>
+          <a:prstGeom prst="rect">
+            <a:avLst/>
+          </a:prstGeom>
+        </p:spPr>
+        <p:txBody>
+          <a:bodyPr wrap="none">
+            <a:spAutoFit/>
+          </a:bodyPr>
+          <a:lstStyle/>
+          <a:p>
+            <a:r>
+              <a:rPr lang="en-US" altLang="zh-TW" b="1" dirty="0" err="1" smtClean="0"/>
+              <a:t>Stratmann</a:t>
+            </a:r>
+            <a:r>
+              <a:rPr lang="en-US" altLang="zh-TW" b="1" dirty="0" smtClean="0"/>
+              <a:t> et al., 2018</a:t>
+            </a:r>
+            <a:endParaRPr lang="zh-TW" altLang="en-US" b="1" dirty="0"/>
+          </a:p>
+        </p:txBody>
+      </p:sp>
+      <p:sp>
+        <p:nvSpPr>
+          <p:cNvPr id="7" name="矩形 6"/>
+          <p:cNvSpPr/>
+          <p:nvPr/>
+        </p:nvSpPr>
+        <p:spPr>
+          <a:xfrm>
+            <a:off x="189372" y="4093007"/>
+            <a:ext cx="11078645" cy="1477328"/>
+          </a:xfrm>
+          <a:prstGeom prst="rect">
+            <a:avLst/>
+          </a:prstGeom>
+        </p:spPr>
+        <p:txBody>
+          <a:bodyPr wrap="square">
+            <a:spAutoFit/>
+          </a:bodyPr>
+          <a:lstStyle/>
+          <a:p>
+            <a:r>
+              <a:rPr lang="en-US" altLang="zh-TW" dirty="0">
+                <a:solidFill>
+                  <a:srgbClr val="2E2E2E"/>
+                </a:solidFill>
+              </a:rPr>
+              <a:t>The network index </a:t>
+            </a:r>
+            <a:r>
+              <a:rPr lang="en-US" altLang="zh-TW" dirty="0" smtClean="0">
+                <a:solidFill>
+                  <a:srgbClr val="2E2E2E"/>
+                </a:solidFill>
+              </a:rPr>
+              <a:t>T.. fraction </a:t>
+            </a:r>
+            <a:r>
+              <a:rPr lang="en-US" altLang="zh-TW" dirty="0">
+                <a:solidFill>
+                  <a:srgbClr val="2E2E2E"/>
+                </a:solidFill>
+              </a:rPr>
+              <a:t>was </a:t>
+            </a:r>
+            <a:r>
+              <a:rPr lang="en-US" altLang="zh-TW" dirty="0" smtClean="0">
+                <a:solidFill>
+                  <a:srgbClr val="2E2E2E"/>
+                </a:solidFill>
+              </a:rPr>
+              <a:t>compared: </a:t>
+            </a:r>
+          </a:p>
+          <a:p>
+            <a:pPr marL="285750" indent="-285750">
+              <a:buFont typeface="Arial" panose="020B0604020202020204" pitchFamily="34" charset="0"/>
+              <a:buChar char="•"/>
+            </a:pPr>
+            <a:r>
+              <a:rPr lang="en-US" altLang="zh-TW" dirty="0" smtClean="0">
+                <a:solidFill>
+                  <a:srgbClr val="2E2E2E"/>
+                </a:solidFill>
+              </a:rPr>
+              <a:t>T..(side A)/T..(side B) </a:t>
+            </a:r>
+          </a:p>
+          <a:p>
+            <a:r>
+              <a:rPr lang="en-US" altLang="zh-TW" dirty="0" smtClean="0">
+                <a:solidFill>
+                  <a:srgbClr val="2E2E2E"/>
+                </a:solidFill>
+              </a:rPr>
+              <a:t>When </a:t>
+            </a:r>
+            <a:r>
+              <a:rPr lang="en-US" altLang="zh-TW" dirty="0">
+                <a:solidFill>
+                  <a:srgbClr val="2E2E2E"/>
+                </a:solidFill>
+              </a:rPr>
+              <a:t>this fraction is &gt; </a:t>
+            </a:r>
+            <a:r>
+              <a:rPr lang="en-US" altLang="zh-TW" dirty="0" smtClean="0">
+                <a:solidFill>
+                  <a:srgbClr val="2E2E2E"/>
+                </a:solidFill>
+              </a:rPr>
+              <a:t>0.95, the </a:t>
+            </a:r>
+            <a:r>
+              <a:rPr lang="en-US" altLang="zh-TW" dirty="0">
+                <a:solidFill>
+                  <a:srgbClr val="2E2E2E"/>
+                </a:solidFill>
+              </a:rPr>
+              <a:t>difference in “total system throughput” between the </a:t>
+            </a:r>
+            <a:r>
+              <a:rPr lang="en-US" altLang="zh-TW" dirty="0" smtClean="0">
+                <a:solidFill>
+                  <a:srgbClr val="2E2E2E"/>
+                </a:solidFill>
+              </a:rPr>
+              <a:t>two food </a:t>
+            </a:r>
+            <a:r>
+              <a:rPr lang="en-US" altLang="zh-TW" dirty="0">
+                <a:solidFill>
+                  <a:srgbClr val="2E2E2E"/>
+                </a:solidFill>
+              </a:rPr>
+              <a:t>webs from the same sampling event is considered significantly different (van </a:t>
+            </a:r>
+            <a:r>
+              <a:rPr lang="en-US" altLang="zh-TW" dirty="0" err="1">
+                <a:solidFill>
+                  <a:srgbClr val="2E2E2E"/>
+                </a:solidFill>
+              </a:rPr>
+              <a:t>Oevelen</a:t>
+            </a:r>
+            <a:r>
+              <a:rPr lang="en-US" altLang="zh-TW" dirty="0">
+                <a:solidFill>
+                  <a:srgbClr val="2E2E2E"/>
+                </a:solidFill>
+              </a:rPr>
+              <a:t> et al., 2011), indicating </a:t>
+            </a:r>
+            <a:r>
+              <a:rPr lang="en-US" altLang="zh-TW" dirty="0" smtClean="0">
+                <a:solidFill>
+                  <a:srgbClr val="2E2E2E"/>
+                </a:solidFill>
+              </a:rPr>
+              <a:t>that carbon </a:t>
+            </a:r>
+            <a:r>
+              <a:rPr lang="en-US" altLang="zh-TW" dirty="0">
+                <a:solidFill>
+                  <a:srgbClr val="2E2E2E"/>
+                </a:solidFill>
+              </a:rPr>
+              <a:t>flows in the food web from that specific </a:t>
+            </a:r>
+            <a:r>
+              <a:rPr lang="en-US" altLang="zh-TW" dirty="0" smtClean="0">
+                <a:solidFill>
+                  <a:srgbClr val="2E2E2E"/>
+                </a:solidFill>
+              </a:rPr>
+              <a:t>sampling event </a:t>
+            </a:r>
+            <a:r>
+              <a:rPr lang="en-US" altLang="zh-TW" dirty="0">
+                <a:solidFill>
+                  <a:srgbClr val="2E2E2E"/>
+                </a:solidFill>
+              </a:rPr>
+              <a:t>have not recovered from the experimental disturbance.</a:t>
+            </a:r>
+            <a:endParaRPr lang="en-US" altLang="zh-TW" dirty="0">
+              <a:solidFill>
+                <a:srgbClr val="2E2E2E"/>
+              </a:solidFill>
+            </a:endParaRPr>
+          </a:p>
+        </p:txBody>
+      </p:sp>
+      <p:sp>
+        <p:nvSpPr>
+          <p:cNvPr id="8" name="矩形 7"/>
+          <p:cNvSpPr/>
+          <p:nvPr/>
+        </p:nvSpPr>
+        <p:spPr>
+          <a:xfrm>
+            <a:off x="189372" y="1067920"/>
+            <a:ext cx="2126672" cy="369332"/>
+          </a:xfrm>
+          <a:prstGeom prst="rect">
+            <a:avLst/>
+          </a:prstGeom>
+        </p:spPr>
+        <p:txBody>
+          <a:bodyPr wrap="none">
+            <a:spAutoFit/>
+          </a:bodyPr>
+          <a:lstStyle/>
+          <a:p>
+            <a:r>
+              <a:rPr lang="en-US" altLang="zh-TW" b="1" dirty="0" smtClean="0"/>
+              <a:t>De </a:t>
+            </a:r>
+            <a:r>
+              <a:rPr lang="en-US" altLang="zh-TW" b="1" dirty="0" err="1" smtClean="0"/>
+              <a:t>Smet</a:t>
+            </a:r>
+            <a:r>
+              <a:rPr lang="en-US" altLang="zh-TW" b="1" dirty="0" smtClean="0"/>
+              <a:t> et al., 2016</a:t>
+            </a:r>
+            <a:endParaRPr lang="zh-TW" altLang="en-US" b="1" dirty="0"/>
+          </a:p>
+        </p:txBody>
+      </p:sp>
+      <p:sp>
+        <p:nvSpPr>
+          <p:cNvPr id="10" name="矩形 9"/>
+          <p:cNvSpPr/>
+          <p:nvPr/>
+        </p:nvSpPr>
+        <p:spPr>
+          <a:xfrm>
+            <a:off x="189372" y="1443842"/>
+            <a:ext cx="11822519" cy="1754326"/>
+          </a:xfrm>
+          <a:prstGeom prst="rect">
+            <a:avLst/>
+          </a:prstGeom>
+        </p:spPr>
+        <p:txBody>
+          <a:bodyPr wrap="square">
+            <a:spAutoFit/>
+          </a:bodyPr>
+          <a:lstStyle/>
+          <a:p>
+            <a:pPr marL="285750" indent="-285750">
+              <a:buFont typeface="Arial" panose="020B0604020202020204" pitchFamily="34" charset="0"/>
+              <a:buChar char="•"/>
+            </a:pPr>
             <a:r>
               <a:rPr lang="en-US" altLang="zh-TW" dirty="0" smtClean="0"/>
-              <a:t>After calculating the network indices</a:t>
-            </a:r>
+              <a:t>Total </a:t>
+            </a:r>
+            <a:r>
+              <a:rPr lang="en-US" altLang="zh-TW" dirty="0"/>
+              <a:t>system </a:t>
+            </a:r>
+            <a:r>
+              <a:rPr lang="en-US" altLang="zh-TW" dirty="0" smtClean="0"/>
+              <a:t>throughput(T..): </a:t>
+            </a:r>
+            <a:r>
+              <a:rPr lang="en-US" altLang="zh-TW" dirty="0"/>
+              <a:t>the sum of all flow magnitudes in a </a:t>
+            </a:r>
+            <a:r>
+              <a:rPr lang="en-US" altLang="zh-TW" dirty="0" smtClean="0"/>
+              <a:t>network</a:t>
+            </a:r>
+          </a:p>
+          <a:p>
+            <a:pPr marL="285750" indent="-285750">
+              <a:buFont typeface="Arial" panose="020B0604020202020204" pitchFamily="34" charset="0"/>
+              <a:buChar char="•"/>
+            </a:pPr>
+            <a:r>
+              <a:rPr lang="en-US" altLang="zh-TW" dirty="0" smtClean="0"/>
+              <a:t>Total </a:t>
+            </a:r>
+            <a:r>
+              <a:rPr lang="en-US" altLang="zh-TW" dirty="0"/>
+              <a:t>number of links (</a:t>
+            </a:r>
+            <a:r>
+              <a:rPr lang="en-US" altLang="zh-TW" dirty="0" err="1"/>
+              <a:t>Ltot</a:t>
+            </a:r>
+            <a:r>
+              <a:rPr lang="en-US" altLang="zh-TW" dirty="0" smtClean="0"/>
+              <a:t>)</a:t>
+            </a:r>
+          </a:p>
+          <a:p>
+            <a:pPr marL="285750" indent="-285750">
+              <a:buFont typeface="Arial" panose="020B0604020202020204" pitchFamily="34" charset="0"/>
+              <a:buChar char="•"/>
+            </a:pPr>
+            <a:r>
+              <a:rPr lang="en-US" altLang="zh-TW" dirty="0" smtClean="0"/>
+              <a:t>The </a:t>
+            </a:r>
+            <a:r>
+              <a:rPr lang="en-US" altLang="zh-TW" dirty="0"/>
+              <a:t>average link </a:t>
+            </a:r>
+            <a:r>
+              <a:rPr lang="en-US" altLang="zh-TW" dirty="0" smtClean="0"/>
+              <a:t>weight</a:t>
+            </a:r>
+            <a:r>
+              <a:rPr lang="en-US" altLang="zh-TW" dirty="0">
+                <a:solidFill>
+                  <a:srgbClr val="111111"/>
+                </a:solidFill>
+              </a:rPr>
+              <a:t> (</a:t>
+            </a:r>
+            <a:r>
+              <a:rPr lang="en-US" altLang="zh-TW" dirty="0" err="1">
+                <a:solidFill>
+                  <a:srgbClr val="111111"/>
+                </a:solidFill>
+              </a:rPr>
+              <a:t>Tij</a:t>
+            </a:r>
+            <a:r>
+              <a:rPr lang="en-US" altLang="zh-TW" dirty="0">
+                <a:solidFill>
+                  <a:srgbClr val="111111"/>
+                </a:solidFill>
+              </a:rPr>
+              <a:t>)</a:t>
+            </a:r>
+            <a:endParaRPr lang="en-US" altLang="zh-TW" dirty="0" smtClean="0"/>
+          </a:p>
+          <a:p>
+            <a:pPr marL="285750" indent="-285750">
+              <a:buFont typeface="Arial" panose="020B0604020202020204" pitchFamily="34" charset="0"/>
+              <a:buChar char="•"/>
+            </a:pPr>
+            <a:r>
+              <a:rPr lang="en-US" altLang="zh-TW" dirty="0" smtClean="0"/>
+              <a:t>The</a:t>
+            </a:r>
+            <a:r>
+              <a:rPr lang="zh-TW" altLang="en-US" dirty="0" smtClean="0"/>
+              <a:t> </a:t>
+            </a:r>
+            <a:r>
+              <a:rPr lang="en-US" altLang="zh-TW" dirty="0" err="1" smtClean="0"/>
+              <a:t>connectance</a:t>
+            </a:r>
+            <a:r>
+              <a:rPr lang="en-US" altLang="zh-TW" dirty="0" smtClean="0"/>
+              <a:t> </a:t>
+            </a:r>
+            <a:r>
+              <a:rPr lang="en-US" altLang="zh-TW" dirty="0"/>
+              <a:t>(C</a:t>
+            </a:r>
+            <a:r>
+              <a:rPr lang="en-US" altLang="zh-TW" dirty="0" smtClean="0"/>
+              <a:t>)</a:t>
+            </a:r>
+          </a:p>
+          <a:p>
+            <a:pPr marL="285750" indent="-285750">
+              <a:buFont typeface="Arial" panose="020B0604020202020204" pitchFamily="34" charset="0"/>
+              <a:buChar char="•"/>
+            </a:pPr>
+            <a:r>
+              <a:rPr lang="en-US" altLang="zh-TW" dirty="0" smtClean="0"/>
+              <a:t>The </a:t>
+            </a:r>
+            <a:r>
+              <a:rPr lang="en-US" altLang="zh-TW" dirty="0"/>
+              <a:t>average mutual information index (</a:t>
+            </a:r>
+            <a:r>
+              <a:rPr lang="en-US" altLang="zh-TW" dirty="0" smtClean="0"/>
+              <a:t>AMI): </a:t>
+            </a:r>
+            <a:r>
+              <a:rPr lang="en-US" altLang="zh-TW" dirty="0"/>
+              <a:t>the average amount of constraint placed upon an arbitrary flow anywhere in the </a:t>
+            </a:r>
+            <a:r>
+              <a:rPr lang="en-US" altLang="zh-TW" dirty="0" smtClean="0"/>
+              <a:t>network. </a:t>
+            </a:r>
+            <a:endParaRPr lang="zh-TW" altLang="en-US" dirty="0"/>
+          </a:p>
+        </p:txBody>
+      </p:sp>
+    </p:spTree>
+    <p:extLst>
+      <p:ext uri="{BB962C8B-B14F-4D97-AF65-F5344CB8AC3E}">
+        <p14:creationId xmlns:p14="http://schemas.microsoft.com/office/powerpoint/2010/main" val="535623413"/>
+      </p:ext>
+    </p:extLst>
+  </p:cSld>
+  <p:clrMapOvr>
+    <a:masterClrMapping/>
+  </p:clrMapOvr>
+</p:sld>
+</file>
+
+<file path=ppt/slides/slide11.xml><?xml version="1.0" encoding="utf-8"?>
+<p:sld xmlns:a="http://schemas.openxmlformats.org/drawingml/2006/main" xmlns:r="http://schemas.openxmlformats.org/officeDocument/2006/relationships" xmlns:p="http://schemas.openxmlformats.org/presentationml/2006/main">
+  <p:cSld>
+    <p:spTree>
+      <p:nvGrpSpPr>
+        <p:cNvPr id="1" name=""/>
+        <p:cNvGrpSpPr/>
+        <p:nvPr/>
+      </p:nvGrpSpPr>
+      <p:grpSpPr>
+        <a:xfrm>
+          <a:off x="0" y="0"/>
+          <a:ext cx="0" cy="0"/>
+          <a:chOff x="0" y="0"/>
+          <a:chExt cx="0" cy="0"/>
+        </a:xfrm>
+      </p:grpSpPr>
+      <p:sp>
+        <p:nvSpPr>
+          <p:cNvPr id="2" name="矩形 1"/>
+          <p:cNvSpPr/>
+          <p:nvPr/>
+        </p:nvSpPr>
+        <p:spPr>
+          <a:xfrm>
+            <a:off x="510139" y="2413338"/>
+            <a:ext cx="8633861" cy="369332"/>
+          </a:xfrm>
+          <a:prstGeom prst="rect">
+            <a:avLst/>
+          </a:prstGeom>
+        </p:spPr>
+        <p:txBody>
+          <a:bodyPr wrap="square">
+            <a:spAutoFit/>
+          </a:bodyPr>
+          <a:lstStyle/>
+          <a:p>
             <a:endParaRPr lang="zh-TW" altLang="en-US" dirty="0"/>
           </a:p>
         </p:txBody>
@@ -3094,8 +3629,8 @@
         </p:nvSpPr>
         <p:spPr>
           <a:xfrm>
-            <a:off x="838200" y="1556601"/>
-            <a:ext cx="8968530" cy="923330"/>
+            <a:off x="189372" y="1559452"/>
+            <a:ext cx="11688795" cy="4801314"/>
           </a:xfrm>
           <a:prstGeom prst="rect">
             <a:avLst/>
@@ -3107,6 +3642,678 @@
           </a:bodyPr>
           <a:lstStyle/>
           <a:p>
+            <a:r>
+              <a:rPr lang="en-US" altLang="zh-TW" dirty="0">
+                <a:solidFill>
+                  <a:srgbClr val="2E2E2E"/>
+                </a:solidFill>
+              </a:rPr>
+              <a:t>The topological size and </a:t>
+            </a:r>
+            <a:r>
+              <a:rPr lang="en-US" altLang="zh-TW" dirty="0" smtClean="0">
+                <a:solidFill>
+                  <a:srgbClr val="2E2E2E"/>
+                </a:solidFill>
+              </a:rPr>
+              <a:t>complexity:</a:t>
+            </a:r>
+          </a:p>
+          <a:p>
+            <a:pPr marL="285750" indent="-285750">
+              <a:buFont typeface="Arial" panose="020B0604020202020204" pitchFamily="34" charset="0"/>
+              <a:buChar char="•"/>
+            </a:pPr>
+            <a:r>
+              <a:rPr lang="en-US" altLang="zh-TW" dirty="0" smtClean="0">
+                <a:solidFill>
+                  <a:srgbClr val="2E2E2E"/>
+                </a:solidFill>
+              </a:rPr>
+              <a:t>The </a:t>
+            </a:r>
+            <a:r>
+              <a:rPr lang="en-US" altLang="zh-TW" dirty="0">
+                <a:solidFill>
+                  <a:srgbClr val="2E2E2E"/>
+                </a:solidFill>
+              </a:rPr>
+              <a:t>number of links (</a:t>
+            </a:r>
+            <a:r>
+              <a:rPr lang="en-US" altLang="zh-TW" i="1" dirty="0">
+                <a:solidFill>
+                  <a:srgbClr val="2E2E2E"/>
+                </a:solidFill>
+              </a:rPr>
+              <a:t>L</a:t>
+            </a:r>
+            <a:r>
+              <a:rPr lang="en-US" altLang="zh-TW" dirty="0">
+                <a:solidFill>
+                  <a:srgbClr val="2E2E2E"/>
+                </a:solidFill>
+              </a:rPr>
+              <a:t>), </a:t>
+            </a:r>
+            <a:endParaRPr lang="en-US" altLang="zh-TW" dirty="0" smtClean="0">
+              <a:solidFill>
+                <a:srgbClr val="2E2E2E"/>
+              </a:solidFill>
+            </a:endParaRPr>
+          </a:p>
+          <a:p>
+            <a:pPr marL="285750" indent="-285750">
+              <a:buFont typeface="Arial" panose="020B0604020202020204" pitchFamily="34" charset="0"/>
+              <a:buChar char="•"/>
+            </a:pPr>
+            <a:r>
+              <a:rPr lang="en-US" altLang="zh-TW" dirty="0" smtClean="0">
+                <a:solidFill>
+                  <a:srgbClr val="2E2E2E"/>
+                </a:solidFill>
+              </a:rPr>
+              <a:t>linkage </a:t>
+            </a:r>
+            <a:r>
+              <a:rPr lang="en-US" altLang="zh-TW" dirty="0">
+                <a:solidFill>
+                  <a:srgbClr val="2E2E2E"/>
+                </a:solidFill>
+              </a:rPr>
+              <a:t>density (</a:t>
+            </a:r>
+            <a:r>
+              <a:rPr lang="en-US" altLang="zh-TW" i="1" dirty="0">
+                <a:solidFill>
+                  <a:srgbClr val="2E2E2E"/>
+                </a:solidFill>
+              </a:rPr>
+              <a:t>LD</a:t>
+            </a:r>
+            <a:r>
+              <a:rPr lang="en-US" altLang="zh-TW" dirty="0" smtClean="0">
+                <a:solidFill>
+                  <a:srgbClr val="2E2E2E"/>
+                </a:solidFill>
+              </a:rPr>
+              <a:t>): the </a:t>
+            </a:r>
+            <a:r>
+              <a:rPr lang="en-US" altLang="zh-TW" dirty="0">
+                <a:solidFill>
+                  <a:srgbClr val="2E2E2E"/>
+                </a:solidFill>
+              </a:rPr>
+              <a:t>average number of links per </a:t>
+            </a:r>
+            <a:r>
+              <a:rPr lang="en-US" altLang="zh-TW" dirty="0" smtClean="0">
+                <a:solidFill>
+                  <a:srgbClr val="2E2E2E"/>
+                </a:solidFill>
+              </a:rPr>
+              <a:t>compartments</a:t>
+            </a:r>
+          </a:p>
+          <a:p>
+            <a:pPr marL="285750" indent="-285750">
+              <a:buFont typeface="Arial" panose="020B0604020202020204" pitchFamily="34" charset="0"/>
+              <a:buChar char="•"/>
+            </a:pPr>
+            <a:r>
+              <a:rPr lang="en-US" altLang="zh-TW" dirty="0" err="1" smtClean="0">
+                <a:solidFill>
+                  <a:srgbClr val="2E2E2E"/>
+                </a:solidFill>
+              </a:rPr>
+              <a:t>connectance</a:t>
+            </a:r>
+            <a:r>
+              <a:rPr lang="en-US" altLang="zh-TW" dirty="0" smtClean="0">
+                <a:solidFill>
+                  <a:srgbClr val="2E2E2E"/>
+                </a:solidFill>
+              </a:rPr>
+              <a:t> </a:t>
+            </a:r>
+            <a:r>
+              <a:rPr lang="en-US" altLang="zh-TW" dirty="0">
+                <a:solidFill>
+                  <a:srgbClr val="2E2E2E"/>
+                </a:solidFill>
+              </a:rPr>
+              <a:t>(</a:t>
+            </a:r>
+            <a:r>
+              <a:rPr lang="en-US" altLang="zh-TW" i="1" dirty="0">
+                <a:solidFill>
+                  <a:srgbClr val="2E2E2E"/>
+                </a:solidFill>
+              </a:rPr>
+              <a:t>C</a:t>
+            </a:r>
+            <a:r>
+              <a:rPr lang="en-US" altLang="zh-TW" dirty="0" smtClean="0">
+                <a:solidFill>
+                  <a:srgbClr val="2E2E2E"/>
+                </a:solidFill>
+              </a:rPr>
+              <a:t>): the </a:t>
+            </a:r>
+            <a:r>
+              <a:rPr lang="en-US" altLang="zh-TW" dirty="0">
+                <a:solidFill>
+                  <a:srgbClr val="2E2E2E"/>
+                </a:solidFill>
+              </a:rPr>
+              <a:t>proportion of </a:t>
+            </a:r>
+            <a:r>
+              <a:rPr lang="en-US" altLang="zh-TW" dirty="0" err="1">
+                <a:solidFill>
+                  <a:srgbClr val="2E2E2E"/>
+                </a:solidFill>
+              </a:rPr>
+              <a:t>realised</a:t>
+            </a:r>
+            <a:r>
+              <a:rPr lang="en-US" altLang="zh-TW" dirty="0">
+                <a:solidFill>
+                  <a:srgbClr val="2E2E2E"/>
+                </a:solidFill>
+              </a:rPr>
+              <a:t> links (</a:t>
+            </a:r>
+            <a:r>
+              <a:rPr lang="en-US" altLang="zh-TW" dirty="0">
+                <a:solidFill>
+                  <a:srgbClr val="0C7DBB"/>
+                </a:solidFill>
+                <a:hlinkClick r:id="rId2"/>
+              </a:rPr>
+              <a:t>Gardner and Ashby, 1970</a:t>
+            </a:r>
+            <a:r>
+              <a:rPr lang="en-US" altLang="zh-TW" dirty="0">
+                <a:solidFill>
+                  <a:srgbClr val="2E2E2E"/>
+                </a:solidFill>
+              </a:rPr>
+              <a:t>). </a:t>
+            </a:r>
+            <a:endParaRPr lang="en-US" altLang="zh-TW" dirty="0" smtClean="0">
+              <a:solidFill>
+                <a:srgbClr val="2E2E2E"/>
+              </a:solidFill>
+            </a:endParaRPr>
+          </a:p>
+          <a:p>
+            <a:endParaRPr lang="en-US" altLang="zh-TW" dirty="0">
+              <a:solidFill>
+                <a:srgbClr val="2E2E2E"/>
+              </a:solidFill>
+            </a:endParaRPr>
+          </a:p>
+          <a:p>
+            <a:pPr marL="285750" indent="-285750">
+              <a:buFont typeface="Arial" panose="020B0604020202020204" pitchFamily="34" charset="0"/>
+              <a:buChar char="•"/>
+            </a:pPr>
+            <a:r>
+              <a:rPr lang="en-US" altLang="zh-TW" dirty="0" smtClean="0">
+                <a:solidFill>
+                  <a:srgbClr val="2E2E2E"/>
+                </a:solidFill>
+              </a:rPr>
+              <a:t>Trophic </a:t>
+            </a:r>
+            <a:r>
+              <a:rPr lang="en-US" altLang="zh-TW" dirty="0">
+                <a:solidFill>
+                  <a:srgbClr val="2E2E2E"/>
+                </a:solidFill>
+              </a:rPr>
+              <a:t>level (</a:t>
+            </a:r>
+            <a:r>
+              <a:rPr lang="en-US" altLang="zh-TW" i="1" dirty="0">
+                <a:solidFill>
+                  <a:srgbClr val="2E2E2E"/>
+                </a:solidFill>
+              </a:rPr>
+              <a:t>TL</a:t>
+            </a:r>
+            <a:r>
+              <a:rPr lang="en-US" altLang="zh-TW" dirty="0" smtClean="0">
+                <a:solidFill>
+                  <a:srgbClr val="2E2E2E"/>
+                </a:solidFill>
+              </a:rPr>
+              <a:t>): </a:t>
+            </a:r>
+            <a:r>
+              <a:rPr lang="en-US" altLang="zh-TW" dirty="0">
+                <a:solidFill>
+                  <a:srgbClr val="2E2E2E"/>
+                </a:solidFill>
+              </a:rPr>
+              <a:t>signifies the position of a trophic compartment in the food chain and is related to resource availability and transfer efficiency (</a:t>
+            </a:r>
+            <a:r>
+              <a:rPr lang="en-US" altLang="zh-TW" dirty="0">
+                <a:solidFill>
+                  <a:srgbClr val="0C7DBB"/>
+                </a:solidFill>
+                <a:hlinkClick r:id="rId3"/>
+              </a:rPr>
+              <a:t>Post, 2002</a:t>
+            </a:r>
+            <a:r>
+              <a:rPr lang="en-US" altLang="zh-TW" dirty="0" smtClean="0">
+                <a:solidFill>
+                  <a:srgbClr val="2E2E2E"/>
+                </a:solidFill>
+              </a:rPr>
+              <a:t>).</a:t>
+            </a:r>
+          </a:p>
+          <a:p>
+            <a:endParaRPr lang="en-US" altLang="zh-TW" dirty="0">
+              <a:solidFill>
+                <a:srgbClr val="2E2E2E"/>
+              </a:solidFill>
+            </a:endParaRPr>
+          </a:p>
+          <a:p>
+            <a:r>
+              <a:rPr lang="en-US" altLang="zh-TW" dirty="0" smtClean="0">
+                <a:solidFill>
+                  <a:srgbClr val="2E2E2E"/>
+                </a:solidFill>
+              </a:rPr>
+              <a:t>C cycling:</a:t>
+            </a:r>
+          </a:p>
+          <a:p>
+            <a:pPr marL="285750" indent="-285750">
+              <a:buFont typeface="Arial" panose="020B0604020202020204" pitchFamily="34" charset="0"/>
+              <a:buChar char="•"/>
+            </a:pPr>
+            <a:r>
+              <a:rPr lang="en-US" altLang="zh-TW" dirty="0" smtClean="0">
+                <a:solidFill>
+                  <a:srgbClr val="2E2E2E"/>
+                </a:solidFill>
+              </a:rPr>
+              <a:t>Total </a:t>
+            </a:r>
+            <a:r>
+              <a:rPr lang="en-US" altLang="zh-TW" dirty="0">
+                <a:solidFill>
+                  <a:srgbClr val="2E2E2E"/>
+                </a:solidFill>
+              </a:rPr>
+              <a:t>system throughput (</a:t>
+            </a:r>
+            <a:r>
+              <a:rPr lang="en-US" altLang="zh-TW" i="1" dirty="0">
+                <a:solidFill>
+                  <a:srgbClr val="2E2E2E"/>
+                </a:solidFill>
+              </a:rPr>
+              <a:t>T</a:t>
+            </a:r>
+            <a:r>
+              <a:rPr lang="en-US" altLang="zh-TW" i="1" dirty="0" smtClean="0">
+                <a:solidFill>
+                  <a:srgbClr val="2E2E2E"/>
+                </a:solidFill>
+              </a:rPr>
+              <a:t>..</a:t>
+            </a:r>
+            <a:r>
+              <a:rPr lang="en-US" altLang="zh-TW" dirty="0" smtClean="0">
+                <a:solidFill>
+                  <a:srgbClr val="2E2E2E"/>
+                </a:solidFill>
+              </a:rPr>
+              <a:t>):</a:t>
+            </a:r>
+            <a:r>
+              <a:rPr lang="zh-TW" altLang="en-US" dirty="0" smtClean="0">
+                <a:solidFill>
+                  <a:srgbClr val="2E2E2E"/>
+                </a:solidFill>
+              </a:rPr>
+              <a:t> </a:t>
+            </a:r>
+            <a:r>
+              <a:rPr lang="en-US" altLang="zh-TW" dirty="0" smtClean="0">
+                <a:solidFill>
+                  <a:srgbClr val="2E2E2E"/>
+                </a:solidFill>
+              </a:rPr>
+              <a:t>the </a:t>
+            </a:r>
+            <a:r>
+              <a:rPr lang="en-US" altLang="zh-TW" dirty="0">
+                <a:solidFill>
+                  <a:srgbClr val="2E2E2E"/>
+                </a:solidFill>
+              </a:rPr>
+              <a:t>sum of all C flows in the food web, reflecting the ‘ecological’ size of the system (</a:t>
+            </a:r>
+            <a:r>
+              <a:rPr lang="en-US" altLang="zh-TW" dirty="0">
+                <a:solidFill>
+                  <a:srgbClr val="0C7DBB"/>
+                </a:solidFill>
+                <a:hlinkClick r:id="rId4"/>
+              </a:rPr>
+              <a:t>Latham, 2006</a:t>
+            </a:r>
+            <a:r>
+              <a:rPr lang="en-US" altLang="zh-TW" dirty="0" smtClean="0">
+                <a:solidFill>
+                  <a:srgbClr val="2E2E2E"/>
+                </a:solidFill>
+              </a:rPr>
+              <a:t>) </a:t>
+            </a:r>
+          </a:p>
+          <a:p>
+            <a:pPr marL="285750" indent="-285750">
+              <a:buFont typeface="Arial" panose="020B0604020202020204" pitchFamily="34" charset="0"/>
+              <a:buChar char="•"/>
+            </a:pPr>
+            <a:r>
+              <a:rPr lang="en-US" altLang="zh-TW" dirty="0" smtClean="0">
+                <a:solidFill>
+                  <a:srgbClr val="2E2E2E"/>
+                </a:solidFill>
+              </a:rPr>
+              <a:t>Finn’s </a:t>
+            </a:r>
+            <a:r>
+              <a:rPr lang="en-US" altLang="zh-TW" dirty="0">
+                <a:solidFill>
+                  <a:srgbClr val="2E2E2E"/>
+                </a:solidFill>
+              </a:rPr>
+              <a:t>Cycling Index (</a:t>
+            </a:r>
+            <a:r>
+              <a:rPr lang="en-US" altLang="zh-TW" i="1" dirty="0">
+                <a:solidFill>
+                  <a:srgbClr val="2E2E2E"/>
+                </a:solidFill>
+              </a:rPr>
+              <a:t>FCI</a:t>
+            </a:r>
+            <a:r>
+              <a:rPr lang="en-US" altLang="zh-TW" dirty="0" smtClean="0">
+                <a:solidFill>
+                  <a:srgbClr val="2E2E2E"/>
+                </a:solidFill>
+              </a:rPr>
+              <a:t>):</a:t>
+            </a:r>
+            <a:r>
+              <a:rPr lang="zh-TW" altLang="en-US" dirty="0" smtClean="0">
+                <a:solidFill>
+                  <a:srgbClr val="2E2E2E"/>
+                </a:solidFill>
+              </a:rPr>
+              <a:t> </a:t>
+            </a:r>
+            <a:r>
+              <a:rPr lang="en-US" altLang="zh-TW" dirty="0" smtClean="0">
+                <a:solidFill>
+                  <a:srgbClr val="2E2E2E"/>
+                </a:solidFill>
+              </a:rPr>
+              <a:t>the </a:t>
+            </a:r>
+            <a:r>
+              <a:rPr lang="en-US" altLang="zh-TW" dirty="0">
+                <a:solidFill>
+                  <a:srgbClr val="2E2E2E"/>
+                </a:solidFill>
+              </a:rPr>
+              <a:t>proportion of C cycling due to recycling processes, reflecting structural differences and the efficiency of C usage in a system (</a:t>
+            </a:r>
+            <a:r>
+              <a:rPr lang="en-US" altLang="zh-TW" dirty="0">
+                <a:solidFill>
+                  <a:srgbClr val="0C7DBB"/>
+                </a:solidFill>
+                <a:hlinkClick r:id="rId5"/>
+              </a:rPr>
+              <a:t>Finn, 1976</a:t>
+            </a:r>
+            <a:r>
+              <a:rPr lang="en-US" altLang="zh-TW" dirty="0">
+                <a:solidFill>
+                  <a:srgbClr val="2E2E2E"/>
+                </a:solidFill>
+              </a:rPr>
+              <a:t>). </a:t>
+            </a:r>
+            <a:endParaRPr lang="en-US" altLang="zh-TW" dirty="0" smtClean="0">
+              <a:solidFill>
+                <a:srgbClr val="2E2E2E"/>
+              </a:solidFill>
+            </a:endParaRPr>
+          </a:p>
+          <a:p>
+            <a:endParaRPr lang="en-US" altLang="zh-TW" dirty="0">
+              <a:solidFill>
+                <a:srgbClr val="2E2E2E"/>
+              </a:solidFill>
+            </a:endParaRPr>
+          </a:p>
+          <a:p>
+            <a:r>
+              <a:rPr lang="en-US" altLang="zh-TW" dirty="0" smtClean="0">
+                <a:solidFill>
+                  <a:srgbClr val="2E2E2E"/>
+                </a:solidFill>
+              </a:rPr>
+              <a:t>Network </a:t>
+            </a:r>
+            <a:r>
+              <a:rPr lang="en-US" altLang="zh-TW" dirty="0">
+                <a:solidFill>
+                  <a:srgbClr val="2E2E2E"/>
+                </a:solidFill>
+              </a:rPr>
+              <a:t>indices are robust to a fair extent of variation in input data and network structure (</a:t>
+            </a:r>
+            <a:r>
+              <a:rPr lang="en-US" altLang="zh-TW" dirty="0" err="1">
+                <a:solidFill>
+                  <a:srgbClr val="0C7DBB"/>
+                </a:solidFill>
+                <a:hlinkClick r:id="rId6"/>
+              </a:rPr>
+              <a:t>Kones</a:t>
+            </a:r>
+            <a:r>
+              <a:rPr lang="en-US" altLang="zh-TW" dirty="0">
+                <a:solidFill>
+                  <a:srgbClr val="0C7DBB"/>
+                </a:solidFill>
+                <a:hlinkClick r:id="rId6"/>
+              </a:rPr>
+              <a:t> et al., 2009</a:t>
+            </a:r>
+            <a:r>
+              <a:rPr lang="en-US" altLang="zh-TW" dirty="0">
+                <a:solidFill>
+                  <a:srgbClr val="2E2E2E"/>
+                </a:solidFill>
+              </a:rPr>
+              <a:t>, </a:t>
+            </a:r>
+            <a:r>
+              <a:rPr lang="en-US" altLang="zh-TW" dirty="0">
+                <a:solidFill>
+                  <a:srgbClr val="0C7DBB"/>
+                </a:solidFill>
+                <a:hlinkClick r:id="rId7"/>
+              </a:rPr>
+              <a:t>Heymans et al., 2014</a:t>
+            </a:r>
+            <a:r>
+              <a:rPr lang="en-US" altLang="zh-TW" dirty="0">
+                <a:solidFill>
+                  <a:srgbClr val="2E2E2E"/>
+                </a:solidFill>
+              </a:rPr>
+              <a:t>). This underlines their suitability for </a:t>
+            </a:r>
+            <a:r>
+              <a:rPr lang="en-US" altLang="zh-TW" dirty="0" err="1">
+                <a:solidFill>
+                  <a:srgbClr val="2E2E2E"/>
+                </a:solidFill>
+              </a:rPr>
+              <a:t>analysing</a:t>
+            </a:r>
+            <a:r>
+              <a:rPr lang="en-US" altLang="zh-TW" dirty="0">
+                <a:solidFill>
+                  <a:srgbClr val="2E2E2E"/>
+                </a:solidFill>
+              </a:rPr>
+              <a:t> models that cannot be fully parameterized with empirical data, like the food-web model from the remote DISCOL experimental area where direct measurements are limited.</a:t>
+            </a:r>
+            <a:endParaRPr lang="zh-TW" altLang="en-US" dirty="0"/>
+          </a:p>
+        </p:txBody>
+      </p:sp>
+      <p:sp>
+        <p:nvSpPr>
+          <p:cNvPr id="6" name="矩形 5"/>
+          <p:cNvSpPr/>
+          <p:nvPr/>
+        </p:nvSpPr>
+        <p:spPr>
+          <a:xfrm>
+            <a:off x="189372" y="281947"/>
+            <a:ext cx="4709887" cy="523220"/>
+          </a:xfrm>
+          <a:prstGeom prst="rect">
+            <a:avLst/>
+          </a:prstGeom>
+        </p:spPr>
+        <p:txBody>
+          <a:bodyPr wrap="square">
+            <a:spAutoFit/>
+          </a:bodyPr>
+          <a:lstStyle/>
+          <a:p>
+            <a:r>
+              <a:rPr lang="en-US" altLang="zh-TW" sz="2800" dirty="0" smtClean="0"/>
+              <a:t>Indices used in LIM studies:</a:t>
+            </a:r>
+            <a:endParaRPr lang="en-US" altLang="zh-TW" sz="2800" dirty="0"/>
+          </a:p>
+        </p:txBody>
+      </p:sp>
+      <p:sp>
+        <p:nvSpPr>
+          <p:cNvPr id="4" name="矩形 3"/>
+          <p:cNvSpPr/>
+          <p:nvPr/>
+        </p:nvSpPr>
+        <p:spPr>
+          <a:xfrm>
+            <a:off x="189372" y="915176"/>
+            <a:ext cx="2155462" cy="369332"/>
+          </a:xfrm>
+          <a:prstGeom prst="rect">
+            <a:avLst/>
+          </a:prstGeom>
+        </p:spPr>
+        <p:txBody>
+          <a:bodyPr wrap="none">
+            <a:spAutoFit/>
+          </a:bodyPr>
+          <a:lstStyle/>
+          <a:p>
+            <a:r>
+              <a:rPr lang="en-US" altLang="zh-TW" b="1" dirty="0"/>
+              <a:t>De </a:t>
+            </a:r>
+            <a:r>
+              <a:rPr lang="en-US" altLang="zh-TW" b="1" dirty="0" err="1" smtClean="0"/>
+              <a:t>Jonge</a:t>
+            </a:r>
+            <a:r>
+              <a:rPr lang="en-US" altLang="zh-TW" b="1" dirty="0"/>
+              <a:t> </a:t>
+            </a:r>
+            <a:r>
+              <a:rPr lang="en-US" altLang="zh-TW" b="1" dirty="0" smtClean="0"/>
+              <a:t>et al., 2020</a:t>
+            </a:r>
+            <a:endParaRPr lang="en-US" altLang="zh-TW" b="1" dirty="0"/>
+          </a:p>
+        </p:txBody>
+      </p:sp>
+    </p:spTree>
+    <p:extLst>
+      <p:ext uri="{BB962C8B-B14F-4D97-AF65-F5344CB8AC3E}">
+        <p14:creationId xmlns:p14="http://schemas.microsoft.com/office/powerpoint/2010/main" val="3597048450"/>
+      </p:ext>
+    </p:extLst>
+  </p:cSld>
+  <p:clrMapOvr>
+    <a:masterClrMapping/>
+  </p:clrMapOvr>
+</p:sld>
+</file>
+
+<file path=ppt/slides/slide12.xml><?xml version="1.0" encoding="utf-8"?>
+<p:sld xmlns:a="http://schemas.openxmlformats.org/drawingml/2006/main" xmlns:r="http://schemas.openxmlformats.org/officeDocument/2006/relationships" xmlns:p="http://schemas.openxmlformats.org/presentationml/2006/main">
+  <p:cSld>
+    <p:spTree>
+      <p:nvGrpSpPr>
+        <p:cNvPr id="1" name=""/>
+        <p:cNvGrpSpPr/>
+        <p:nvPr/>
+      </p:nvGrpSpPr>
+      <p:grpSpPr>
+        <a:xfrm>
+          <a:off x="0" y="0"/>
+          <a:ext cx="0" cy="0"/>
+          <a:chOff x="0" y="0"/>
+          <a:chExt cx="0" cy="0"/>
+        </a:xfrm>
+      </p:grpSpPr>
+      <p:sp>
+        <p:nvSpPr>
+          <p:cNvPr id="5" name="矩形 4"/>
+          <p:cNvSpPr/>
+          <p:nvPr/>
+        </p:nvSpPr>
+        <p:spPr>
+          <a:xfrm>
+            <a:off x="237572" y="805167"/>
+            <a:ext cx="5498196" cy="1754326"/>
+          </a:xfrm>
+          <a:prstGeom prst="rect">
+            <a:avLst/>
+          </a:prstGeom>
+        </p:spPr>
+        <p:txBody>
+          <a:bodyPr wrap="square">
+            <a:spAutoFit/>
+          </a:bodyPr>
+          <a:lstStyle/>
+          <a:p>
             <a:pPr marL="285750" indent="-285750">
               <a:buFont typeface="Arial" panose="020B0604020202020204" pitchFamily="34" charset="0"/>
               <a:buChar char="•"/>
@@ -3160,10 +4367,3267 @@
           </a:p>
         </p:txBody>
       </p:sp>
+      <p:sp>
+        <p:nvSpPr>
+          <p:cNvPr id="4" name="矩形 3"/>
+          <p:cNvSpPr/>
+          <p:nvPr/>
+        </p:nvSpPr>
+        <p:spPr>
+          <a:xfrm>
+            <a:off x="189372" y="281947"/>
+            <a:ext cx="7425086" cy="523220"/>
+          </a:xfrm>
+          <a:prstGeom prst="rect">
+            <a:avLst/>
+          </a:prstGeom>
+        </p:spPr>
+        <p:txBody>
+          <a:bodyPr wrap="square">
+            <a:spAutoFit/>
+          </a:bodyPr>
+          <a:lstStyle/>
+          <a:p>
+            <a:r>
+              <a:rPr lang="en-US" altLang="zh-TW" sz="2800" dirty="0"/>
+              <a:t>After calculating the network indices</a:t>
+            </a:r>
+            <a:endParaRPr lang="en-US" altLang="zh-TW" sz="2800" dirty="0"/>
+          </a:p>
+        </p:txBody>
+      </p:sp>
+      <p:sp>
+        <p:nvSpPr>
+          <p:cNvPr id="8" name="矩形 7"/>
+          <p:cNvSpPr/>
+          <p:nvPr/>
+        </p:nvSpPr>
+        <p:spPr>
+          <a:xfrm>
+            <a:off x="8029914" y="5411772"/>
+            <a:ext cx="4375557" cy="923330"/>
+          </a:xfrm>
+          <a:prstGeom prst="rect">
+            <a:avLst/>
+          </a:prstGeom>
+        </p:spPr>
+        <p:txBody>
+          <a:bodyPr wrap="none">
+            <a:spAutoFit/>
+          </a:bodyPr>
+          <a:lstStyle/>
+          <a:p>
+            <a:r>
+              <a:rPr lang="en-US" altLang="zh-TW" dirty="0">
+                <a:solidFill>
+                  <a:srgbClr val="111111"/>
+                </a:solidFill>
+              </a:rPr>
+              <a:t>Number of links (</a:t>
+            </a:r>
+            <a:r>
+              <a:rPr lang="en-US" altLang="zh-TW" dirty="0" err="1">
+                <a:solidFill>
+                  <a:srgbClr val="111111"/>
+                </a:solidFill>
+              </a:rPr>
+              <a:t>Ltot</a:t>
+            </a:r>
+            <a:r>
+              <a:rPr lang="en-US" altLang="zh-TW" dirty="0" smtClean="0">
+                <a:solidFill>
+                  <a:srgbClr val="111111"/>
+                </a:solidFill>
+              </a:rPr>
+              <a:t>): GC1=GS1=16</a:t>
+            </a:r>
+          </a:p>
+          <a:p>
+            <a:r>
+              <a:rPr lang="en-US" altLang="zh-TW" dirty="0" err="1">
+                <a:solidFill>
+                  <a:srgbClr val="111111"/>
+                </a:solidFill>
+              </a:rPr>
+              <a:t>Connectance</a:t>
+            </a:r>
+            <a:r>
+              <a:rPr lang="en-US" altLang="zh-TW" dirty="0">
+                <a:solidFill>
+                  <a:srgbClr val="111111"/>
+                </a:solidFill>
+              </a:rPr>
+              <a:t> (C</a:t>
+            </a:r>
+            <a:r>
+              <a:rPr lang="en-US" altLang="zh-TW" dirty="0" smtClean="0">
+                <a:solidFill>
+                  <a:srgbClr val="111111"/>
+                </a:solidFill>
+              </a:rPr>
+              <a:t>)</a:t>
+            </a:r>
+            <a:r>
+              <a:rPr lang="en-US" altLang="zh-TW" dirty="0" smtClean="0"/>
+              <a:t>: </a:t>
+            </a:r>
+            <a:r>
+              <a:rPr lang="en-US" altLang="zh-TW" dirty="0" smtClean="0">
+                <a:solidFill>
+                  <a:srgbClr val="111111"/>
+                </a:solidFill>
+              </a:rPr>
+              <a:t>GC1=GS1=0.75</a:t>
+            </a:r>
+          </a:p>
+          <a:p>
+            <a:pPr marL="742950" lvl="1" indent="-285750">
+              <a:buFont typeface="Arial" panose="020B0604020202020204" pitchFamily="34" charset="0"/>
+              <a:buChar char="•"/>
+            </a:pPr>
+            <a:r>
+              <a:rPr lang="en-US" altLang="zh-TW" dirty="0" smtClean="0">
+                <a:solidFill>
+                  <a:srgbClr val="111111"/>
+                </a:solidFill>
+              </a:rPr>
+              <a:t>Same value based on same structure</a:t>
+            </a:r>
+            <a:endParaRPr lang="en-US" altLang="zh-TW" dirty="0"/>
+          </a:p>
+        </p:txBody>
+      </p:sp>
+      <p:grpSp>
+        <p:nvGrpSpPr>
+          <p:cNvPr id="21" name="群組 20"/>
+          <p:cNvGrpSpPr/>
+          <p:nvPr/>
+        </p:nvGrpSpPr>
+        <p:grpSpPr>
+          <a:xfrm>
+            <a:off x="5823052" y="962872"/>
+            <a:ext cx="5865316" cy="5817116"/>
+            <a:chOff x="5783968" y="612950"/>
+            <a:chExt cx="5865316" cy="5817116"/>
+          </a:xfrm>
+        </p:grpSpPr>
+        <p:sp>
+          <p:nvSpPr>
+            <p:cNvPr id="16" name="矩形 15"/>
+            <p:cNvSpPr/>
+            <p:nvPr/>
+          </p:nvSpPr>
+          <p:spPr>
+            <a:xfrm>
+              <a:off x="6004022" y="624245"/>
+              <a:ext cx="1881754" cy="1820619"/>
+            </a:xfrm>
+            <a:prstGeom prst="rect">
+              <a:avLst/>
+            </a:prstGeom>
+            <a:solidFill>
+              <a:schemeClr val="accent6">
+                <a:alpha val="20000"/>
+              </a:schemeClr>
+            </a:solidFill>
+            <a:ln>
+              <a:noFill/>
+            </a:ln>
+          </p:spPr>
+          <p:style>
+            <a:lnRef idx="2">
+              <a:schemeClr val="accent1">
+                <a:shade val="50000"/>
+              </a:schemeClr>
+            </a:lnRef>
+            <a:fillRef idx="1">
+              <a:schemeClr val="accent1"/>
+            </a:fillRef>
+            <a:effectRef idx="0">
+              <a:schemeClr val="accent1"/>
+            </a:effectRef>
+            <a:fontRef idx="minor">
+              <a:schemeClr val="lt1"/>
+            </a:fontRef>
+          </p:style>
+          <p:txBody>
+            <a:bodyPr rtlCol="0" anchor="ctr"/>
+            <a:lstStyle/>
+            <a:p>
+              <a:pPr algn="ctr"/>
+              <a:endParaRPr lang="zh-TW" altLang="en-US"/>
+            </a:p>
+          </p:txBody>
+        </p:sp>
+        <p:sp>
+          <p:nvSpPr>
+            <p:cNvPr id="14" name="矩形 13"/>
+            <p:cNvSpPr/>
+            <p:nvPr/>
+          </p:nvSpPr>
+          <p:spPr>
+            <a:xfrm>
+              <a:off x="7885776" y="615458"/>
+              <a:ext cx="3763508" cy="1820619"/>
+            </a:xfrm>
+            <a:prstGeom prst="rect">
+              <a:avLst/>
+            </a:prstGeom>
+            <a:solidFill>
+              <a:schemeClr val="accent2">
+                <a:alpha val="20000"/>
+              </a:schemeClr>
+            </a:solidFill>
+            <a:ln>
+              <a:noFill/>
+            </a:ln>
+          </p:spPr>
+          <p:style>
+            <a:lnRef idx="2">
+              <a:schemeClr val="accent1">
+                <a:shade val="50000"/>
+              </a:schemeClr>
+            </a:lnRef>
+            <a:fillRef idx="1">
+              <a:schemeClr val="accent1"/>
+            </a:fillRef>
+            <a:effectRef idx="0">
+              <a:schemeClr val="accent1"/>
+            </a:effectRef>
+            <a:fontRef idx="minor">
+              <a:schemeClr val="lt1"/>
+            </a:fontRef>
+          </p:style>
+          <p:txBody>
+            <a:bodyPr rtlCol="0" anchor="ctr"/>
+            <a:lstStyle/>
+            <a:p>
+              <a:pPr algn="ctr"/>
+              <a:endParaRPr lang="zh-TW" altLang="en-US"/>
+            </a:p>
+          </p:txBody>
+        </p:sp>
+        <p:sp>
+          <p:nvSpPr>
+            <p:cNvPr id="11" name="矩形 10"/>
+            <p:cNvSpPr/>
+            <p:nvPr/>
+          </p:nvSpPr>
+          <p:spPr>
+            <a:xfrm>
+              <a:off x="6002884" y="2436078"/>
+              <a:ext cx="5646400" cy="1900012"/>
+            </a:xfrm>
+            <a:prstGeom prst="rect">
+              <a:avLst/>
+            </a:prstGeom>
+            <a:solidFill>
+              <a:schemeClr val="accent1">
+                <a:alpha val="20000"/>
+              </a:schemeClr>
+            </a:solidFill>
+            <a:ln>
+              <a:noFill/>
+            </a:ln>
+          </p:spPr>
+          <p:style>
+            <a:lnRef idx="2">
+              <a:schemeClr val="accent1">
+                <a:shade val="50000"/>
+              </a:schemeClr>
+            </a:lnRef>
+            <a:fillRef idx="1">
+              <a:schemeClr val="accent1"/>
+            </a:fillRef>
+            <a:effectRef idx="0">
+              <a:schemeClr val="accent1"/>
+            </a:effectRef>
+            <a:fontRef idx="minor">
+              <a:schemeClr val="lt1"/>
+            </a:fontRef>
+          </p:style>
+          <p:txBody>
+            <a:bodyPr rtlCol="0" anchor="ctr"/>
+            <a:lstStyle/>
+            <a:p>
+              <a:pPr algn="ctr"/>
+              <a:endParaRPr lang="zh-TW" altLang="en-US"/>
+            </a:p>
+          </p:txBody>
+        </p:sp>
+        <p:sp>
+          <p:nvSpPr>
+            <p:cNvPr id="15" name="矩形 14"/>
+            <p:cNvSpPr/>
+            <p:nvPr/>
+          </p:nvSpPr>
+          <p:spPr>
+            <a:xfrm>
+              <a:off x="6004022" y="4344877"/>
+              <a:ext cx="1881754" cy="1929741"/>
+            </a:xfrm>
+            <a:prstGeom prst="rect">
+              <a:avLst/>
+            </a:prstGeom>
+            <a:solidFill>
+              <a:schemeClr val="accent2">
+                <a:alpha val="20000"/>
+              </a:schemeClr>
+            </a:solidFill>
+            <a:ln>
+              <a:noFill/>
+            </a:ln>
+          </p:spPr>
+          <p:style>
+            <a:lnRef idx="2">
+              <a:schemeClr val="accent1">
+                <a:shade val="50000"/>
+              </a:schemeClr>
+            </a:lnRef>
+            <a:fillRef idx="1">
+              <a:schemeClr val="accent1"/>
+            </a:fillRef>
+            <a:effectRef idx="0">
+              <a:schemeClr val="accent1"/>
+            </a:effectRef>
+            <a:fontRef idx="minor">
+              <a:schemeClr val="lt1"/>
+            </a:fontRef>
+          </p:style>
+          <p:txBody>
+            <a:bodyPr rtlCol="0" anchor="ctr"/>
+            <a:lstStyle/>
+            <a:p>
+              <a:pPr algn="ctr"/>
+              <a:endParaRPr lang="zh-TW" altLang="en-US"/>
+            </a:p>
+          </p:txBody>
+        </p:sp>
+        <p:pic>
+          <p:nvPicPr>
+            <p:cNvPr id="3" name="圖片 2"/>
+            <p:cNvPicPr>
+              <a:picLocks noChangeAspect="1"/>
+            </p:cNvPicPr>
+            <p:nvPr/>
+          </p:nvPicPr>
+          <p:blipFill>
+            <a:blip r:embed="rId2" cstate="print">
+              <a:clrChange>
+                <a:clrFrom>
+                  <a:srgbClr val="FFFFFF"/>
+                </a:clrFrom>
+                <a:clrTo>
+                  <a:srgbClr val="FFFFFF">
+                    <a:alpha val="0"/>
+                  </a:srgbClr>
+                </a:clrTo>
+              </a:clrChange>
+              <a:extLst>
+                <a:ext uri="{28A0092B-C50C-407E-A947-70E740481C1C}">
+                  <a14:useLocalDpi xmlns:a14="http://schemas.microsoft.com/office/drawing/2010/main" val="0"/>
+                </a:ext>
+              </a:extLst>
+            </a:blip>
+            <a:stretch>
+              <a:fillRect/>
+            </a:stretch>
+          </p:blipFill>
+          <p:spPr>
+            <a:xfrm>
+              <a:off x="5783968" y="612950"/>
+              <a:ext cx="5817116" cy="5817116"/>
+            </a:xfrm>
+            <a:prstGeom prst="rect">
+              <a:avLst/>
+            </a:prstGeom>
+          </p:spPr>
+        </p:pic>
+      </p:grpSp>
+      <p:grpSp>
+        <p:nvGrpSpPr>
+          <p:cNvPr id="19" name="群組 18"/>
+          <p:cNvGrpSpPr/>
+          <p:nvPr/>
+        </p:nvGrpSpPr>
+        <p:grpSpPr>
+          <a:xfrm>
+            <a:off x="237572" y="2736747"/>
+            <a:ext cx="5402258" cy="3693319"/>
+            <a:chOff x="1490472" y="3364992"/>
+            <a:chExt cx="5402258" cy="3693319"/>
+          </a:xfrm>
+        </p:grpSpPr>
+        <p:sp>
+          <p:nvSpPr>
+            <p:cNvPr id="9" name="文字方塊 8"/>
+            <p:cNvSpPr txBox="1"/>
+            <p:nvPr/>
+          </p:nvSpPr>
+          <p:spPr>
+            <a:xfrm>
+              <a:off x="1490472" y="3364992"/>
+              <a:ext cx="5402258" cy="3693319"/>
+            </a:xfrm>
+            <a:prstGeom prst="rect">
+              <a:avLst/>
+            </a:prstGeom>
+            <a:noFill/>
+          </p:spPr>
+          <p:txBody>
+            <a:bodyPr wrap="square" rtlCol="0">
+              <a:spAutoFit/>
+            </a:bodyPr>
+            <a:lstStyle/>
+            <a:p>
+              <a:r>
+                <a:rPr lang="en-US" altLang="zh-TW" dirty="0" smtClean="0"/>
+                <a:t>General indices: </a:t>
+              </a:r>
+              <a:r>
+                <a:rPr lang="en-US" altLang="zh-TW" dirty="0"/>
+                <a:t>GC1 &gt; GS1</a:t>
+              </a:r>
+            </a:p>
+            <a:p>
+              <a:pPr marL="285750" indent="-285750">
+                <a:buFont typeface="Arial" panose="020B0604020202020204" pitchFamily="34" charset="0"/>
+                <a:buChar char="•"/>
+              </a:pPr>
+              <a:r>
+                <a:rPr lang="en-US" altLang="zh-TW" dirty="0"/>
+                <a:t>The more material/energy flowing through the system, the larger the value of TST and T</a:t>
+              </a:r>
+              <a:r>
+                <a:rPr lang="en-US" altLang="zh-TW" dirty="0" smtClean="0"/>
+                <a:t>··</a:t>
+              </a:r>
+            </a:p>
+            <a:p>
+              <a:pPr marL="285750" indent="-285750">
+                <a:buFont typeface="Arial" panose="020B0604020202020204" pitchFamily="34" charset="0"/>
+                <a:buChar char="•"/>
+              </a:pPr>
+              <a:endParaRPr lang="en-US" altLang="zh-TW" dirty="0" smtClean="0"/>
+            </a:p>
+            <a:p>
+              <a:r>
+                <a:rPr lang="en-US" altLang="zh-TW" dirty="0" smtClean="0"/>
+                <a:t>Pathway analysis: GC1 &gt; GS1</a:t>
+              </a:r>
+            </a:p>
+            <a:p>
+              <a:pPr marL="285750" indent="-285750">
+                <a:buFont typeface="Arial" panose="020B0604020202020204" pitchFamily="34" charset="0"/>
+                <a:buChar char="•"/>
+              </a:pPr>
+              <a:r>
+                <a:rPr lang="en-US" altLang="zh-TW" dirty="0" smtClean="0">
+                  <a:solidFill>
+                    <a:srgbClr val="111111"/>
+                  </a:solidFill>
+                </a:rPr>
+                <a:t>The </a:t>
+              </a:r>
+              <a:r>
+                <a:rPr lang="en-US" altLang="zh-TW" dirty="0">
+                  <a:solidFill>
+                    <a:srgbClr val="111111"/>
+                  </a:solidFill>
+                </a:rPr>
+                <a:t>fraction of total carbon cycling generated by recycling processes. More </a:t>
+              </a:r>
+              <a:r>
+                <a:rPr lang="en-US" altLang="zh-TW" dirty="0" smtClean="0">
+                  <a:solidFill>
+                    <a:srgbClr val="111111"/>
+                  </a:solidFill>
+                </a:rPr>
+                <a:t>cycling= </a:t>
+              </a:r>
+              <a:r>
+                <a:rPr lang="en-US" altLang="zh-TW" dirty="0">
+                  <a:solidFill>
+                    <a:srgbClr val="111111"/>
+                  </a:solidFill>
+                </a:rPr>
+                <a:t>input matter/energy is distributed efficiently in the </a:t>
+              </a:r>
+              <a:r>
+                <a:rPr lang="en-US" altLang="zh-TW" dirty="0" smtClean="0">
+                  <a:solidFill>
+                    <a:srgbClr val="111111"/>
+                  </a:solidFill>
+                </a:rPr>
+                <a:t>system</a:t>
+              </a:r>
+            </a:p>
+            <a:p>
+              <a:r>
+                <a:rPr lang="en-US" altLang="zh-TW" dirty="0" smtClean="0">
+                  <a:solidFill>
+                    <a:srgbClr val="111111"/>
+                  </a:solidFill>
+                </a:rPr>
+                <a:t> </a:t>
+              </a:r>
+              <a:endParaRPr lang="en-US" altLang="zh-TW" dirty="0" smtClean="0"/>
+            </a:p>
+            <a:p>
+              <a:r>
+                <a:rPr lang="en-US" altLang="zh-TW" dirty="0" smtClean="0"/>
+                <a:t>Network uncertainty: GC1 &lt; GS1</a:t>
+              </a:r>
+            </a:p>
+            <a:p>
+              <a:pPr marL="285750" indent="-285750">
+                <a:buFont typeface="Arial" panose="020B0604020202020204" pitchFamily="34" charset="0"/>
+                <a:buChar char="•"/>
+              </a:pPr>
+              <a:r>
+                <a:rPr lang="en-US" altLang="zh-TW" dirty="0" smtClean="0"/>
+                <a:t>lower</a:t>
+              </a:r>
+              <a:r>
+                <a:rPr lang="en-US" altLang="zh-TW" dirty="0"/>
+                <a:t> </a:t>
+              </a:r>
+              <a:r>
+                <a:rPr lang="en-US" altLang="zh-TW" dirty="0" smtClean="0"/>
+                <a:t>= more stable (Rutledge </a:t>
+              </a:r>
+              <a:r>
+                <a:rPr lang="en-US" altLang="zh-TW" dirty="0"/>
+                <a:t>et al. </a:t>
+              </a:r>
+              <a:r>
+                <a:rPr lang="en-US" altLang="zh-TW" dirty="0" smtClean="0"/>
+                <a:t>1976</a:t>
+              </a:r>
+              <a:r>
+                <a:rPr lang="en-US" altLang="zh-TW" dirty="0"/>
+                <a:t>) </a:t>
+              </a:r>
+            </a:p>
+            <a:p>
+              <a:pPr marL="285750" indent="-285750">
+                <a:buFont typeface="Arial" panose="020B0604020202020204" pitchFamily="34" charset="0"/>
+                <a:buChar char="•"/>
+              </a:pPr>
+              <a:r>
+                <a:rPr lang="en-US" altLang="zh-TW" dirty="0" smtClean="0"/>
+                <a:t>Higher= well-development</a:t>
+              </a:r>
+              <a:r>
+                <a:rPr lang="en-US" altLang="zh-TW" dirty="0"/>
+                <a:t> (</a:t>
+              </a:r>
+              <a:r>
+                <a:rPr lang="en-US" altLang="zh-TW" dirty="0" err="1" smtClean="0"/>
+                <a:t>Ulanowicz</a:t>
+              </a:r>
+              <a:r>
+                <a:rPr lang="en-US" altLang="zh-TW" dirty="0" smtClean="0"/>
+                <a:t> 1980; 1986; </a:t>
+              </a:r>
+              <a:r>
+                <a:rPr lang="en-US" altLang="zh-TW" dirty="0"/>
+                <a:t>1997) </a:t>
+              </a:r>
+              <a:endParaRPr lang="zh-TW" altLang="en-US" dirty="0"/>
+            </a:p>
+          </p:txBody>
+        </p:sp>
+        <p:sp>
+          <p:nvSpPr>
+            <p:cNvPr id="10" name="矩形 9"/>
+            <p:cNvSpPr/>
+            <p:nvPr/>
+          </p:nvSpPr>
+          <p:spPr>
+            <a:xfrm>
+              <a:off x="1577756" y="3443132"/>
+              <a:ext cx="1540348" cy="251044"/>
+            </a:xfrm>
+            <a:prstGeom prst="rect">
+              <a:avLst/>
+            </a:prstGeom>
+            <a:solidFill>
+              <a:schemeClr val="accent1">
+                <a:alpha val="20000"/>
+              </a:schemeClr>
+            </a:solidFill>
+            <a:ln>
+              <a:noFill/>
+            </a:ln>
+          </p:spPr>
+          <p:style>
+            <a:lnRef idx="2">
+              <a:schemeClr val="accent1">
+                <a:shade val="50000"/>
+              </a:schemeClr>
+            </a:lnRef>
+            <a:fillRef idx="1">
+              <a:schemeClr val="accent1"/>
+            </a:fillRef>
+            <a:effectRef idx="0">
+              <a:schemeClr val="accent1"/>
+            </a:effectRef>
+            <a:fontRef idx="minor">
+              <a:schemeClr val="lt1"/>
+            </a:fontRef>
+          </p:style>
+          <p:txBody>
+            <a:bodyPr rtlCol="0" anchor="ctr"/>
+            <a:lstStyle/>
+            <a:p>
+              <a:pPr algn="ctr"/>
+              <a:endParaRPr lang="zh-TW" altLang="en-US"/>
+            </a:p>
+          </p:txBody>
+        </p:sp>
+        <p:sp>
+          <p:nvSpPr>
+            <p:cNvPr id="12" name="矩形 11"/>
+            <p:cNvSpPr/>
+            <p:nvPr/>
+          </p:nvSpPr>
+          <p:spPr>
+            <a:xfrm>
+              <a:off x="1577756" y="4499675"/>
+              <a:ext cx="1613500" cy="251044"/>
+            </a:xfrm>
+            <a:prstGeom prst="rect">
+              <a:avLst/>
+            </a:prstGeom>
+            <a:solidFill>
+              <a:schemeClr val="accent2">
+                <a:alpha val="20000"/>
+              </a:schemeClr>
+            </a:solidFill>
+            <a:ln>
+              <a:noFill/>
+            </a:ln>
+          </p:spPr>
+          <p:style>
+            <a:lnRef idx="2">
+              <a:schemeClr val="accent1">
+                <a:shade val="50000"/>
+              </a:schemeClr>
+            </a:lnRef>
+            <a:fillRef idx="1">
+              <a:schemeClr val="accent1"/>
+            </a:fillRef>
+            <a:effectRef idx="0">
+              <a:schemeClr val="accent1"/>
+            </a:effectRef>
+            <a:fontRef idx="minor">
+              <a:schemeClr val="lt1"/>
+            </a:fontRef>
+          </p:style>
+          <p:txBody>
+            <a:bodyPr rtlCol="0" anchor="ctr"/>
+            <a:lstStyle/>
+            <a:p>
+              <a:pPr algn="ctr"/>
+              <a:endParaRPr lang="zh-TW" altLang="en-US"/>
+            </a:p>
+          </p:txBody>
+        </p:sp>
+        <p:sp>
+          <p:nvSpPr>
+            <p:cNvPr id="18" name="矩形 17"/>
+            <p:cNvSpPr/>
+            <p:nvPr/>
+          </p:nvSpPr>
+          <p:spPr>
+            <a:xfrm>
+              <a:off x="1557194" y="5845516"/>
+              <a:ext cx="2039112" cy="329184"/>
+            </a:xfrm>
+            <a:prstGeom prst="rect">
+              <a:avLst/>
+            </a:prstGeom>
+            <a:solidFill>
+              <a:schemeClr val="accent6">
+                <a:alpha val="20000"/>
+              </a:schemeClr>
+            </a:solidFill>
+            <a:ln>
+              <a:noFill/>
+            </a:ln>
+          </p:spPr>
+          <p:style>
+            <a:lnRef idx="2">
+              <a:schemeClr val="accent1">
+                <a:shade val="50000"/>
+              </a:schemeClr>
+            </a:lnRef>
+            <a:fillRef idx="1">
+              <a:schemeClr val="accent1"/>
+            </a:fillRef>
+            <a:effectRef idx="0">
+              <a:schemeClr val="accent1"/>
+            </a:effectRef>
+            <a:fontRef idx="minor">
+              <a:schemeClr val="lt1"/>
+            </a:fontRef>
+          </p:style>
+          <p:txBody>
+            <a:bodyPr rtlCol="0" anchor="ctr"/>
+            <a:lstStyle/>
+            <a:p>
+              <a:pPr algn="ctr"/>
+              <a:endParaRPr lang="zh-TW" altLang="en-US"/>
+            </a:p>
+          </p:txBody>
+        </p:sp>
+      </p:grpSp>
     </p:spTree>
     <p:extLst>
       <p:ext uri="{BB962C8B-B14F-4D97-AF65-F5344CB8AC3E}">
         <p14:creationId xmlns:p14="http://schemas.microsoft.com/office/powerpoint/2010/main" val="1580837221"/>
+      </p:ext>
+    </p:extLst>
+  </p:cSld>
+  <p:clrMapOvr>
+    <a:masterClrMapping/>
+  </p:clrMapOvr>
+</p:sld>
+</file>
+
+<file path=ppt/slides/slide13.xml><?xml version="1.0" encoding="utf-8"?>
+<p:sld xmlns:a="http://schemas.openxmlformats.org/drawingml/2006/main" xmlns:r="http://schemas.openxmlformats.org/officeDocument/2006/relationships" xmlns:p="http://schemas.openxmlformats.org/presentationml/2006/main">
+  <p:cSld>
+    <p:spTree>
+      <p:nvGrpSpPr>
+        <p:cNvPr id="1" name=""/>
+        <p:cNvGrpSpPr/>
+        <p:nvPr/>
+      </p:nvGrpSpPr>
+      <p:grpSpPr>
+        <a:xfrm>
+          <a:off x="0" y="0"/>
+          <a:ext cx="0" cy="0"/>
+          <a:chOff x="0" y="0"/>
+          <a:chExt cx="0" cy="0"/>
+        </a:xfrm>
+      </p:grpSpPr>
+      <p:sp>
+        <p:nvSpPr>
+          <p:cNvPr id="6" name="矩形 5"/>
+          <p:cNvSpPr/>
+          <p:nvPr/>
+        </p:nvSpPr>
+        <p:spPr>
+          <a:xfrm>
+            <a:off x="259755" y="367625"/>
+            <a:ext cx="5683222" cy="523220"/>
+          </a:xfrm>
+          <a:prstGeom prst="rect">
+            <a:avLst/>
+          </a:prstGeom>
+        </p:spPr>
+        <p:txBody>
+          <a:bodyPr wrap="none">
+            <a:spAutoFit/>
+          </a:bodyPr>
+          <a:lstStyle/>
+          <a:p>
+            <a:r>
+              <a:rPr lang="en-US" altLang="zh-TW" sz="2800" dirty="0" smtClean="0"/>
+              <a:t>Foundation </a:t>
+            </a:r>
+            <a:r>
+              <a:rPr lang="en-US" altLang="zh-TW" sz="2800" dirty="0"/>
+              <a:t>in communication theory</a:t>
+            </a:r>
+            <a:endParaRPr lang="zh-TW" altLang="en-US" sz="2800" dirty="0"/>
+          </a:p>
+        </p:txBody>
+      </p:sp>
+      <p:sp>
+        <p:nvSpPr>
+          <p:cNvPr id="7" name="矩形 6"/>
+          <p:cNvSpPr/>
+          <p:nvPr/>
+        </p:nvSpPr>
+        <p:spPr>
+          <a:xfrm>
+            <a:off x="323640" y="1152698"/>
+            <a:ext cx="11593578" cy="4247317"/>
+          </a:xfrm>
+          <a:prstGeom prst="rect">
+            <a:avLst/>
+          </a:prstGeom>
+        </p:spPr>
+        <p:txBody>
+          <a:bodyPr wrap="square">
+            <a:spAutoFit/>
+          </a:bodyPr>
+          <a:lstStyle/>
+          <a:p>
+            <a:pPr marL="285750" indent="-285750">
+              <a:buFont typeface="Arial" panose="020B0604020202020204" pitchFamily="34" charset="0"/>
+              <a:buChar char="•"/>
+            </a:pPr>
+            <a:r>
+              <a:rPr lang="en-US" altLang="zh-TW" dirty="0" smtClean="0"/>
+              <a:t>Developed </a:t>
+            </a:r>
+            <a:r>
+              <a:rPr lang="en-US" altLang="zh-TW" dirty="0"/>
+              <a:t>from the study of electrical </a:t>
+            </a:r>
+            <a:r>
+              <a:rPr lang="en-US" altLang="zh-TW" dirty="0" smtClean="0"/>
+              <a:t>communication: the telegraph, Morse </a:t>
+            </a:r>
+            <a:r>
+              <a:rPr lang="en-US" altLang="zh-TW" dirty="0"/>
+              <a:t>Code </a:t>
+            </a:r>
+            <a:r>
+              <a:rPr lang="en-US" altLang="zh-TW" dirty="0" smtClean="0"/>
+              <a:t>fame. </a:t>
+            </a:r>
+          </a:p>
+          <a:p>
+            <a:pPr marL="285750" indent="-285750">
+              <a:buFont typeface="Arial" panose="020B0604020202020204" pitchFamily="34" charset="0"/>
+              <a:buChar char="•"/>
+            </a:pPr>
+            <a:r>
+              <a:rPr lang="en-US" altLang="zh-TW" dirty="0" smtClean="0"/>
+              <a:t>The </a:t>
+            </a:r>
+            <a:r>
+              <a:rPr lang="en-US" altLang="zh-TW" dirty="0"/>
+              <a:t>principal foundations of communication </a:t>
+            </a:r>
+            <a:r>
+              <a:rPr lang="en-US" altLang="zh-TW" dirty="0" smtClean="0"/>
+              <a:t>theory</a:t>
+            </a:r>
+          </a:p>
+          <a:p>
+            <a:pPr marL="742950" lvl="1" indent="-285750">
+              <a:buFont typeface="Arial" panose="020B0604020202020204" pitchFamily="34" charset="0"/>
+              <a:buChar char="•"/>
+            </a:pPr>
+            <a:r>
+              <a:rPr lang="en-US" altLang="zh-TW" dirty="0" smtClean="0"/>
+              <a:t>A </a:t>
+            </a:r>
+            <a:r>
+              <a:rPr lang="en-US" altLang="zh-TW" dirty="0"/>
+              <a:t>Mathematical Theory of </a:t>
+            </a:r>
+            <a:r>
+              <a:rPr lang="en-US" altLang="zh-TW" dirty="0" smtClean="0"/>
+              <a:t>Communication (Shannon, 1948). </a:t>
+            </a:r>
+          </a:p>
+          <a:p>
+            <a:pPr marL="742950" lvl="1" indent="-285750">
+              <a:buFont typeface="Arial" panose="020B0604020202020204" pitchFamily="34" charset="0"/>
+              <a:buChar char="•"/>
+            </a:pPr>
+            <a:r>
+              <a:rPr lang="en-US" altLang="zh-TW" dirty="0" smtClean="0"/>
+              <a:t>Concerned </a:t>
+            </a:r>
+            <a:r>
+              <a:rPr lang="en-US" altLang="zh-TW" dirty="0"/>
+              <a:t>with the coding and efficient transmission of information over noisy channels, including telegraph, telephone, television, and radio (Pierce, 1980</a:t>
+            </a:r>
+            <a:r>
+              <a:rPr lang="en-US" altLang="zh-TW" dirty="0" smtClean="0"/>
+              <a:t>).</a:t>
+            </a:r>
+          </a:p>
+          <a:p>
+            <a:pPr marL="742950" lvl="1" indent="-285750">
+              <a:buFont typeface="Arial" panose="020B0604020202020204" pitchFamily="34" charset="0"/>
+              <a:buChar char="•"/>
+            </a:pPr>
+            <a:r>
+              <a:rPr lang="en-US" altLang="zh-TW" dirty="0" smtClean="0"/>
+              <a:t>Information: a </a:t>
+            </a:r>
+            <a:r>
+              <a:rPr lang="en-US" altLang="zh-TW" dirty="0"/>
+              <a:t>measurable quantity expressing the degree of uncertainty about what message will be produced by a message source. </a:t>
+            </a:r>
+            <a:endParaRPr lang="en-US" altLang="zh-TW" dirty="0" smtClean="0"/>
+          </a:p>
+          <a:p>
+            <a:pPr marL="1200150" lvl="2" indent="-285750">
+              <a:buFont typeface="Arial" panose="020B0604020202020204" pitchFamily="34" charset="0"/>
+              <a:buChar char="•"/>
+            </a:pPr>
+            <a:r>
+              <a:rPr lang="en-US" altLang="zh-TW" dirty="0" smtClean="0"/>
+              <a:t>The </a:t>
+            </a:r>
+            <a:r>
+              <a:rPr lang="en-US" altLang="zh-TW" dirty="0"/>
+              <a:t>more that is known about a message source, the less information and the less uncertainty there is in what message will be produced. </a:t>
+            </a:r>
+            <a:endParaRPr lang="en-US" altLang="zh-TW" dirty="0" smtClean="0"/>
+          </a:p>
+          <a:p>
+            <a:pPr marL="1200150" lvl="2" indent="-285750">
+              <a:buFont typeface="Arial" panose="020B0604020202020204" pitchFamily="34" charset="0"/>
+              <a:buChar char="•"/>
+            </a:pPr>
+            <a:r>
+              <a:rPr lang="en-US" altLang="zh-TW" dirty="0" smtClean="0"/>
+              <a:t>Entropy= the uncertainty</a:t>
+            </a:r>
+          </a:p>
+          <a:p>
+            <a:pPr marL="1200150" lvl="2" indent="-285750">
+              <a:buFont typeface="Arial" panose="020B0604020202020204" pitchFamily="34" charset="0"/>
+              <a:buChar char="•"/>
+            </a:pPr>
+            <a:r>
+              <a:rPr lang="en-US" altLang="zh-TW" dirty="0" smtClean="0"/>
+              <a:t>Information=</a:t>
+            </a:r>
+            <a:r>
+              <a:rPr lang="en-US" altLang="zh-TW" dirty="0"/>
+              <a:t> the freedom of choice of the source to produce messages. </a:t>
+            </a:r>
+            <a:endParaRPr lang="en-US" altLang="zh-TW" dirty="0" smtClean="0"/>
+          </a:p>
+          <a:p>
+            <a:pPr marL="1657350" lvl="3" indent="-285750">
+              <a:buFont typeface="Arial" panose="020B0604020202020204" pitchFamily="34" charset="0"/>
+              <a:buChar char="•"/>
+            </a:pPr>
+            <a:r>
+              <a:rPr lang="en-US" altLang="zh-TW" dirty="0" smtClean="0"/>
+              <a:t>The </a:t>
+            </a:r>
+            <a:r>
+              <a:rPr lang="en-US" altLang="zh-TW" dirty="0"/>
+              <a:t>more uncertain you are about what message the source will produce, the more information content a message from that source will contain</a:t>
+            </a:r>
+            <a:r>
+              <a:rPr lang="en-US" altLang="zh-TW" dirty="0" smtClean="0"/>
+              <a:t>.</a:t>
+            </a:r>
+          </a:p>
+          <a:p>
+            <a:pPr marL="1657350" lvl="3" indent="-285750">
+              <a:buFont typeface="Arial" panose="020B0604020202020204" pitchFamily="34" charset="0"/>
+              <a:buChar char="•"/>
+            </a:pPr>
+            <a:r>
+              <a:rPr lang="en-US" altLang="zh-TW" dirty="0" smtClean="0"/>
+              <a:t>The </a:t>
+            </a:r>
+            <a:r>
+              <a:rPr lang="en-US" altLang="zh-TW" dirty="0"/>
+              <a:t>capacity to discover what signal a source will </a:t>
+            </a:r>
+            <a:r>
+              <a:rPr lang="en-US" altLang="zh-TW" dirty="0" smtClean="0"/>
+              <a:t>produce</a:t>
+            </a:r>
+            <a:endParaRPr lang="zh-TW" altLang="en-US" dirty="0"/>
+          </a:p>
+          <a:p>
+            <a:pPr marL="1200150" lvl="2" indent="-285750">
+              <a:buFont typeface="Arial" panose="020B0604020202020204" pitchFamily="34" charset="0"/>
+              <a:buChar char="•"/>
+            </a:pPr>
+            <a:endParaRPr lang="zh-TW" altLang="en-US" dirty="0"/>
+          </a:p>
+        </p:txBody>
+      </p:sp>
+    </p:spTree>
+    <p:extLst>
+      <p:ext uri="{BB962C8B-B14F-4D97-AF65-F5344CB8AC3E}">
+        <p14:creationId xmlns:p14="http://schemas.microsoft.com/office/powerpoint/2010/main" val="3013510605"/>
+      </p:ext>
+    </p:extLst>
+  </p:cSld>
+  <p:clrMapOvr>
+    <a:masterClrMapping/>
+  </p:clrMapOvr>
+</p:sld>
+</file>
+
+<file path=ppt/slides/slide14.xml><?xml version="1.0" encoding="utf-8"?>
+<p:sld xmlns:a="http://schemas.openxmlformats.org/drawingml/2006/main" xmlns:r="http://schemas.openxmlformats.org/officeDocument/2006/relationships" xmlns:p="http://schemas.openxmlformats.org/presentationml/2006/main">
+  <p:cSld>
+    <p:spTree>
+      <p:nvGrpSpPr>
+        <p:cNvPr id="1" name=""/>
+        <p:cNvGrpSpPr/>
+        <p:nvPr/>
+      </p:nvGrpSpPr>
+      <p:grpSpPr>
+        <a:xfrm>
+          <a:off x="0" y="0"/>
+          <a:ext cx="0" cy="0"/>
+          <a:chOff x="0" y="0"/>
+          <a:chExt cx="0" cy="0"/>
+        </a:xfrm>
+      </p:grpSpPr>
+      <p:sp>
+        <p:nvSpPr>
+          <p:cNvPr id="3" name="矩形 2"/>
+          <p:cNvSpPr/>
+          <p:nvPr/>
+        </p:nvSpPr>
+        <p:spPr>
+          <a:xfrm>
+            <a:off x="383428" y="1245042"/>
+            <a:ext cx="11591396" cy="2308324"/>
+          </a:xfrm>
+          <a:prstGeom prst="rect">
+            <a:avLst/>
+          </a:prstGeom>
+        </p:spPr>
+        <p:txBody>
+          <a:bodyPr wrap="square">
+            <a:spAutoFit/>
+          </a:bodyPr>
+          <a:lstStyle/>
+          <a:p>
+            <a:r>
+              <a:rPr lang="en-US" altLang="zh-TW" dirty="0" smtClean="0"/>
+              <a:t>The </a:t>
+            </a:r>
+            <a:r>
+              <a:rPr lang="en-US" altLang="zh-TW" dirty="0"/>
+              <a:t>uncertainty, or </a:t>
+            </a:r>
+            <a:r>
+              <a:rPr lang="en-US" altLang="zh-TW" dirty="0" smtClean="0"/>
+              <a:t>information</a:t>
+            </a:r>
+            <a:r>
+              <a:rPr lang="zh-TW" altLang="en-US" dirty="0" smtClean="0"/>
+              <a:t> </a:t>
+            </a:r>
+            <a:r>
+              <a:rPr lang="en-US" altLang="zh-TW" dirty="0" smtClean="0"/>
+              <a:t>measure</a:t>
+            </a:r>
+          </a:p>
+          <a:p>
+            <a:pPr marL="285750" indent="-285750">
+              <a:buFont typeface="Arial" panose="020B0604020202020204" pitchFamily="34" charset="0"/>
+              <a:buChar char="•"/>
+            </a:pPr>
+            <a:r>
+              <a:rPr lang="en-US" altLang="zh-TW" dirty="0" smtClean="0"/>
+              <a:t>a </a:t>
+            </a:r>
+            <a:r>
+              <a:rPr lang="en-US" altLang="zh-TW" dirty="0"/>
+              <a:t>statistical measure of the uncertainty of the message source. </a:t>
+            </a:r>
+            <a:endParaRPr lang="en-US" altLang="zh-TW" dirty="0" smtClean="0"/>
+          </a:p>
+          <a:p>
+            <a:pPr marL="285750" indent="-285750">
+              <a:buFont typeface="Arial" panose="020B0604020202020204" pitchFamily="34" charset="0"/>
+              <a:buChar char="•"/>
+            </a:pPr>
+            <a:r>
+              <a:rPr lang="en-US" altLang="zh-TW" dirty="0" smtClean="0"/>
+              <a:t>H </a:t>
+            </a:r>
+            <a:r>
+              <a:rPr lang="en-US" altLang="zh-TW" dirty="0"/>
+              <a:t>is related to the number of binary decisions that must be made to account for all of the possible messages that may be produced</a:t>
+            </a:r>
+            <a:r>
+              <a:rPr lang="en-US" altLang="zh-TW" dirty="0" smtClean="0"/>
+              <a:t>.</a:t>
+            </a:r>
+            <a:r>
+              <a:rPr lang="en-US" altLang="zh-TW" dirty="0"/>
+              <a:t> [Network analysis interpretation using a base of logs equal to 2, which is consistent with the concept of binary decisions.] </a:t>
+            </a:r>
+            <a:endParaRPr lang="en-US" altLang="zh-TW" dirty="0" smtClean="0"/>
+          </a:p>
+          <a:p>
+            <a:pPr marL="285750" indent="-285750">
+              <a:buFont typeface="Arial" panose="020B0604020202020204" pitchFamily="34" charset="0"/>
+              <a:buChar char="•"/>
+            </a:pPr>
+            <a:r>
+              <a:rPr lang="en-US" altLang="zh-TW" dirty="0" smtClean="0"/>
+              <a:t>Pi: probability </a:t>
+            </a:r>
+            <a:r>
+              <a:rPr lang="en-US" altLang="zh-TW" dirty="0"/>
+              <a:t>of flow over the </a:t>
+            </a:r>
+            <a:r>
+              <a:rPr lang="en-US" altLang="zh-TW" dirty="0" err="1"/>
+              <a:t>ith</a:t>
+            </a:r>
+            <a:r>
+              <a:rPr lang="en-US" altLang="zh-TW" dirty="0"/>
+              <a:t> </a:t>
+            </a:r>
+            <a:r>
+              <a:rPr lang="en-US" altLang="zh-TW" dirty="0" smtClean="0"/>
+              <a:t>link</a:t>
+            </a:r>
+          </a:p>
+          <a:p>
+            <a:pPr marL="285750" indent="-285750">
+              <a:buFont typeface="Arial" panose="020B0604020202020204" pitchFamily="34" charset="0"/>
+              <a:buChar char="•"/>
+            </a:pPr>
+            <a:r>
+              <a:rPr lang="en-US" altLang="zh-TW" dirty="0"/>
+              <a:t>Based on the frequency of signals in sequences that a message source produces, we are able to describe the source with this general measure of uncertainty</a:t>
+            </a:r>
+            <a:endParaRPr lang="zh-TW" altLang="en-US" dirty="0"/>
+          </a:p>
+        </p:txBody>
+      </p:sp>
+      <p:sp>
+        <p:nvSpPr>
+          <p:cNvPr id="4" name="矩形 3"/>
+          <p:cNvSpPr/>
+          <p:nvPr/>
+        </p:nvSpPr>
+        <p:spPr>
+          <a:xfrm>
+            <a:off x="259755" y="367625"/>
+            <a:ext cx="5683222" cy="523220"/>
+          </a:xfrm>
+          <a:prstGeom prst="rect">
+            <a:avLst/>
+          </a:prstGeom>
+        </p:spPr>
+        <p:txBody>
+          <a:bodyPr wrap="none">
+            <a:spAutoFit/>
+          </a:bodyPr>
+          <a:lstStyle/>
+          <a:p>
+            <a:r>
+              <a:rPr lang="en-US" altLang="zh-TW" sz="2800" dirty="0" smtClean="0"/>
+              <a:t>Foundation </a:t>
+            </a:r>
+            <a:r>
+              <a:rPr lang="en-US" altLang="zh-TW" sz="2800" dirty="0"/>
+              <a:t>in communication theory</a:t>
+            </a:r>
+            <a:endParaRPr lang="zh-TW" altLang="en-US" sz="2800" dirty="0"/>
+          </a:p>
+        </p:txBody>
+      </p:sp>
+      <p:pic>
+        <p:nvPicPr>
+          <p:cNvPr id="5" name="圖片 4"/>
+          <p:cNvPicPr>
+            <a:picLocks noChangeAspect="1"/>
+          </p:cNvPicPr>
+          <p:nvPr/>
+        </p:nvPicPr>
+        <p:blipFill>
+          <a:blip r:embed="rId2"/>
+          <a:stretch>
+            <a:fillRect/>
+          </a:stretch>
+        </p:blipFill>
+        <p:spPr>
+          <a:xfrm>
+            <a:off x="6750714" y="1152871"/>
+            <a:ext cx="2447925" cy="628650"/>
+          </a:xfrm>
+          <a:prstGeom prst="rect">
+            <a:avLst/>
+          </a:prstGeom>
+        </p:spPr>
+      </p:pic>
+    </p:spTree>
+    <p:extLst>
+      <p:ext uri="{BB962C8B-B14F-4D97-AF65-F5344CB8AC3E}">
+        <p14:creationId xmlns:p14="http://schemas.microsoft.com/office/powerpoint/2010/main" val="3173659523"/>
+      </p:ext>
+    </p:extLst>
+  </p:cSld>
+  <p:clrMapOvr>
+    <a:masterClrMapping/>
+  </p:clrMapOvr>
+</p:sld>
+</file>
+
+<file path=ppt/slides/slide15.xml><?xml version="1.0" encoding="utf-8"?>
+<p:sld xmlns:a="http://schemas.openxmlformats.org/drawingml/2006/main" xmlns:r="http://schemas.openxmlformats.org/officeDocument/2006/relationships" xmlns:p="http://schemas.openxmlformats.org/presentationml/2006/main">
+  <p:cSld>
+    <p:spTree>
+      <p:nvGrpSpPr>
+        <p:cNvPr id="1" name=""/>
+        <p:cNvGrpSpPr/>
+        <p:nvPr/>
+      </p:nvGrpSpPr>
+      <p:grpSpPr>
+        <a:xfrm>
+          <a:off x="0" y="0"/>
+          <a:ext cx="0" cy="0"/>
+          <a:chOff x="0" y="0"/>
+          <a:chExt cx="0" cy="0"/>
+        </a:xfrm>
+      </p:grpSpPr>
+      <p:pic>
+        <p:nvPicPr>
+          <p:cNvPr id="2" name="圖片 1"/>
+          <p:cNvPicPr>
+            <a:picLocks noChangeAspect="1"/>
+          </p:cNvPicPr>
+          <p:nvPr/>
+        </p:nvPicPr>
+        <p:blipFill>
+          <a:blip r:embed="rId2"/>
+          <a:stretch>
+            <a:fillRect/>
+          </a:stretch>
+        </p:blipFill>
+        <p:spPr>
+          <a:xfrm>
+            <a:off x="6331094" y="1239895"/>
+            <a:ext cx="5514975" cy="4029075"/>
+          </a:xfrm>
+          <a:prstGeom prst="rect">
+            <a:avLst/>
+          </a:prstGeom>
+        </p:spPr>
+      </p:pic>
+      <mc:AlternateContent xmlns:mc="http://schemas.openxmlformats.org/markup-compatibility/2006">
+        <mc:Choice xmlns:a14="http://schemas.microsoft.com/office/drawing/2010/main" Requires="a14">
+          <p:sp>
+            <p:nvSpPr>
+              <p:cNvPr id="4" name="矩形 3"/>
+              <p:cNvSpPr/>
+              <p:nvPr/>
+            </p:nvSpPr>
+            <p:spPr>
+              <a:xfrm>
+                <a:off x="259755" y="1239895"/>
+                <a:ext cx="6096000" cy="1477328"/>
+              </a:xfrm>
+              <a:prstGeom prst="rect">
+                <a:avLst/>
+              </a:prstGeom>
+            </p:spPr>
+            <p:txBody>
+              <a:bodyPr>
+                <a:spAutoFit/>
+              </a:bodyPr>
+              <a:lstStyle/>
+              <a:p>
+                <a:pPr marL="285750" indent="-285750">
+                  <a:buFont typeface="Arial" panose="020B0604020202020204" pitchFamily="34" charset="0"/>
+                  <a:buChar char="•"/>
+                </a:pPr>
+                <a:r>
+                  <a:rPr lang="en-US" altLang="zh-TW" dirty="0" smtClean="0"/>
+                  <a:t>A </a:t>
+                </a:r>
+                <a:r>
+                  <a:rPr lang="en-US" altLang="zh-TW" dirty="0"/>
+                  <a:t>mathematical description of a network based on a system seen at time t (State a) and time </a:t>
+                </a:r>
+                <a:r>
+                  <a:rPr lang="en-US" altLang="zh-TW" dirty="0" err="1"/>
+                  <a:t>t+t</a:t>
+                </a:r>
+                <a:r>
+                  <a:rPr lang="en-US" altLang="zh-TW" dirty="0"/>
+                  <a:t> (State b). </a:t>
+                </a:r>
+                <a:endParaRPr lang="en-US" altLang="zh-TW" dirty="0" smtClean="0"/>
+              </a:p>
+              <a:p>
+                <a:r>
+                  <a:rPr lang="zh-TW" altLang="en-US" dirty="0" smtClean="0"/>
+                  <a:t>！ </a:t>
+                </a:r>
+                <a:r>
+                  <a:rPr lang="en-US" altLang="zh-TW" dirty="0" smtClean="0"/>
+                  <a:t>The states</a:t>
+                </a:r>
+                <a14:m>
+                  <m:oMath xmlns:m="http://schemas.openxmlformats.org/officeDocument/2006/math">
+                    <m:r>
+                      <a:rPr lang="en-US" altLang="zh-TW" i="1" smtClean="0">
+                        <a:latin typeface="Cambria Math" panose="02040503050406030204" pitchFamily="18" charset="0"/>
+                        <a:ea typeface="Cambria Math" panose="02040503050406030204" pitchFamily="18" charset="0"/>
+                      </a:rPr>
+                      <m:t>≠</m:t>
+                    </m:r>
+                  </m:oMath>
+                </a14:m>
+                <a:r>
+                  <a:rPr lang="en-US" altLang="zh-TW" dirty="0" smtClean="0"/>
+                  <a:t> change </a:t>
+                </a:r>
+                <a:r>
+                  <a:rPr lang="en-US" altLang="zh-TW" dirty="0"/>
+                  <a:t>in the system; they are merely an output perspective (State a) and an input perspective (State b) on the internal t</a:t>
+                </a:r>
+                <a:r>
+                  <a:rPr lang="en-US" altLang="zh-TW" dirty="0" smtClean="0"/>
+                  <a:t>.</a:t>
+                </a:r>
+                <a:endParaRPr lang="zh-TW" altLang="en-US" dirty="0"/>
+              </a:p>
+            </p:txBody>
+          </p:sp>
+        </mc:Choice>
+        <mc:Fallback>
+          <p:sp>
+            <p:nvSpPr>
+              <p:cNvPr id="4" name="矩形 3"/>
+              <p:cNvSpPr>
+                <a:spLocks noRot="1" noChangeAspect="1" noMove="1" noResize="1" noEditPoints="1" noAdjustHandles="1" noChangeArrowheads="1" noChangeShapeType="1" noTextEdit="1"/>
+              </p:cNvSpPr>
+              <p:nvPr/>
+            </p:nvSpPr>
+            <p:spPr>
+              <a:xfrm>
+                <a:off x="259755" y="1239895"/>
+                <a:ext cx="6096000" cy="1477328"/>
+              </a:xfrm>
+              <a:prstGeom prst="rect">
+                <a:avLst/>
+              </a:prstGeom>
+              <a:blipFill>
+                <a:blip r:embed="rId3"/>
+                <a:stretch>
+                  <a:fillRect l="-900" t="-2058" r="-300" b="-5350"/>
+                </a:stretch>
+              </a:blipFill>
+            </p:spPr>
+            <p:txBody>
+              <a:bodyPr/>
+              <a:lstStyle/>
+              <a:p>
+                <a:r>
+                  <a:rPr lang="zh-TW" altLang="en-US">
+                    <a:noFill/>
+                  </a:rPr>
+                  <a:t> </a:t>
+                </a:r>
+              </a:p>
+            </p:txBody>
+          </p:sp>
+        </mc:Fallback>
+      </mc:AlternateContent>
+      <p:sp>
+        <p:nvSpPr>
+          <p:cNvPr id="5" name="矩形 4"/>
+          <p:cNvSpPr/>
+          <p:nvPr/>
+        </p:nvSpPr>
+        <p:spPr>
+          <a:xfrm>
+            <a:off x="259755" y="367625"/>
+            <a:ext cx="5770362" cy="523220"/>
+          </a:xfrm>
+          <a:prstGeom prst="rect">
+            <a:avLst/>
+          </a:prstGeom>
+        </p:spPr>
+        <p:txBody>
+          <a:bodyPr wrap="none">
+            <a:spAutoFit/>
+          </a:bodyPr>
+          <a:lstStyle/>
+          <a:p>
+            <a:r>
+              <a:rPr lang="en-US" altLang="zh-TW" sz="2800" dirty="0"/>
+              <a:t>The average mutual </a:t>
+            </a:r>
+            <a:r>
+              <a:rPr lang="en-US" altLang="zh-TW" sz="2800" dirty="0" smtClean="0"/>
+              <a:t>information</a:t>
+            </a:r>
+            <a:r>
+              <a:rPr lang="zh-TW" altLang="en-US" sz="2800" dirty="0" smtClean="0"/>
+              <a:t> </a:t>
+            </a:r>
+            <a:r>
+              <a:rPr lang="en-US" altLang="zh-TW" sz="2800" dirty="0" smtClean="0"/>
+              <a:t>(AMI)</a:t>
+            </a:r>
+            <a:endParaRPr lang="zh-TW" altLang="en-US" sz="2800" dirty="0"/>
+          </a:p>
+        </p:txBody>
+      </p:sp>
+      <p:sp>
+        <p:nvSpPr>
+          <p:cNvPr id="6" name="文字方塊 5"/>
+          <p:cNvSpPr txBox="1"/>
+          <p:nvPr/>
+        </p:nvSpPr>
+        <p:spPr>
+          <a:xfrm>
+            <a:off x="7381702" y="1795549"/>
+            <a:ext cx="679994" cy="369332"/>
+          </a:xfrm>
+          <a:prstGeom prst="rect">
+            <a:avLst/>
+          </a:prstGeom>
+          <a:noFill/>
+        </p:spPr>
+        <p:txBody>
+          <a:bodyPr wrap="none" rtlCol="0">
+            <a:spAutoFit/>
+          </a:bodyPr>
+          <a:lstStyle/>
+          <a:p>
+            <a:r>
+              <a:rPr lang="en-US" altLang="zh-TW" dirty="0" smtClean="0">
+                <a:solidFill>
+                  <a:srgbClr val="FF0000"/>
+                </a:solidFill>
+              </a:rPr>
+              <a:t>input</a:t>
+            </a:r>
+            <a:endParaRPr lang="zh-TW" altLang="en-US" dirty="0">
+              <a:solidFill>
+                <a:srgbClr val="FF0000"/>
+              </a:solidFill>
+            </a:endParaRPr>
+          </a:p>
+        </p:txBody>
+      </p:sp>
+      <p:sp>
+        <p:nvSpPr>
+          <p:cNvPr id="7" name="文字方塊 6"/>
+          <p:cNvSpPr txBox="1"/>
+          <p:nvPr/>
+        </p:nvSpPr>
+        <p:spPr>
+          <a:xfrm>
+            <a:off x="10202487" y="4102217"/>
+            <a:ext cx="1516762" cy="369332"/>
+          </a:xfrm>
+          <a:prstGeom prst="rect">
+            <a:avLst/>
+          </a:prstGeom>
+          <a:noFill/>
+        </p:spPr>
+        <p:txBody>
+          <a:bodyPr wrap="none" rtlCol="0">
+            <a:spAutoFit/>
+          </a:bodyPr>
+          <a:lstStyle/>
+          <a:p>
+            <a:r>
+              <a:rPr lang="en-US" altLang="zh-TW" dirty="0" smtClean="0">
+                <a:solidFill>
+                  <a:srgbClr val="FF0000"/>
+                </a:solidFill>
+              </a:rPr>
+              <a:t>Usable output</a:t>
+            </a:r>
+            <a:endParaRPr lang="zh-TW" altLang="en-US" dirty="0">
+              <a:solidFill>
+                <a:srgbClr val="FF0000"/>
+              </a:solidFill>
+            </a:endParaRPr>
+          </a:p>
+        </p:txBody>
+      </p:sp>
+      <p:sp>
+        <p:nvSpPr>
+          <p:cNvPr id="8" name="文字方塊 7"/>
+          <p:cNvSpPr txBox="1"/>
+          <p:nvPr/>
+        </p:nvSpPr>
+        <p:spPr>
+          <a:xfrm>
+            <a:off x="10202487" y="4685593"/>
+            <a:ext cx="1760418" cy="369332"/>
+          </a:xfrm>
+          <a:prstGeom prst="rect">
+            <a:avLst/>
+          </a:prstGeom>
+          <a:noFill/>
+        </p:spPr>
+        <p:txBody>
+          <a:bodyPr wrap="none" rtlCol="0">
+            <a:spAutoFit/>
+          </a:bodyPr>
+          <a:lstStyle/>
+          <a:p>
+            <a:r>
+              <a:rPr lang="en-US" altLang="zh-TW" dirty="0" smtClean="0">
+                <a:solidFill>
+                  <a:srgbClr val="FF0000"/>
+                </a:solidFill>
+              </a:rPr>
+              <a:t>Unusable output</a:t>
+            </a:r>
+            <a:endParaRPr lang="zh-TW" altLang="en-US" dirty="0">
+              <a:solidFill>
+                <a:srgbClr val="FF0000"/>
+              </a:solidFill>
+            </a:endParaRPr>
+          </a:p>
+        </p:txBody>
+      </p:sp>
+      <p:sp>
+        <p:nvSpPr>
+          <p:cNvPr id="10" name="矩形 9"/>
+          <p:cNvSpPr/>
+          <p:nvPr/>
+        </p:nvSpPr>
+        <p:spPr>
+          <a:xfrm>
+            <a:off x="259755" y="3069766"/>
+            <a:ext cx="2274341" cy="369332"/>
+          </a:xfrm>
+          <a:prstGeom prst="rect">
+            <a:avLst/>
+          </a:prstGeom>
+        </p:spPr>
+        <p:txBody>
+          <a:bodyPr wrap="none">
+            <a:spAutoFit/>
+          </a:bodyPr>
+          <a:lstStyle/>
+          <a:p>
+            <a:pPr marL="285750" indent="-285750">
+              <a:buFont typeface="Arial" panose="020B0604020202020204" pitchFamily="34" charset="0"/>
+              <a:buChar char="•"/>
+            </a:pPr>
+            <a:r>
+              <a:rPr lang="en-US" altLang="zh-TW" dirty="0"/>
+              <a:t>Formula Derivation</a:t>
+            </a:r>
+            <a:endParaRPr lang="zh-TW" altLang="en-US" dirty="0"/>
+          </a:p>
+        </p:txBody>
+      </p:sp>
+      <p:pic>
+        <p:nvPicPr>
+          <p:cNvPr id="11" name="圖片 10"/>
+          <p:cNvPicPr>
+            <a:picLocks noChangeAspect="1"/>
+          </p:cNvPicPr>
+          <p:nvPr/>
+        </p:nvPicPr>
+        <p:blipFill rotWithShape="1">
+          <a:blip r:embed="rId4"/>
+          <a:srcRect b="71794"/>
+          <a:stretch/>
+        </p:blipFill>
+        <p:spPr>
+          <a:xfrm>
+            <a:off x="294605" y="3565900"/>
+            <a:ext cx="1102320" cy="1119693"/>
+          </a:xfrm>
+          <a:prstGeom prst="rect">
+            <a:avLst/>
+          </a:prstGeom>
+        </p:spPr>
+      </p:pic>
+      <p:sp>
+        <p:nvSpPr>
+          <p:cNvPr id="13" name="矩形 12"/>
+          <p:cNvSpPr/>
+          <p:nvPr/>
+        </p:nvSpPr>
+        <p:spPr>
+          <a:xfrm>
+            <a:off x="1296155" y="3699633"/>
+            <a:ext cx="4515082" cy="369332"/>
+          </a:xfrm>
+          <a:prstGeom prst="rect">
+            <a:avLst/>
+          </a:prstGeom>
+        </p:spPr>
+        <p:txBody>
+          <a:bodyPr wrap="none">
+            <a:spAutoFit/>
+          </a:bodyPr>
+          <a:lstStyle/>
+          <a:p>
+            <a:r>
+              <a:rPr lang="en-US" altLang="zh-TW" dirty="0" smtClean="0"/>
+              <a:t>: The </a:t>
+            </a:r>
+            <a:r>
+              <a:rPr lang="en-US" altLang="zh-TW" dirty="0"/>
+              <a:t>total flow out of compartment </a:t>
+            </a:r>
+            <a:r>
+              <a:rPr lang="en-US" altLang="zh-TW" dirty="0" err="1"/>
+              <a:t>i</a:t>
+            </a:r>
+            <a:r>
+              <a:rPr lang="en-US" altLang="zh-TW" dirty="0"/>
+              <a:t> at time t</a:t>
+            </a:r>
+            <a:endParaRPr lang="zh-TW" altLang="en-US" dirty="0"/>
+          </a:p>
+        </p:txBody>
+      </p:sp>
+      <mc:AlternateContent xmlns:mc="http://schemas.openxmlformats.org/markup-compatibility/2006">
+        <mc:Choice xmlns:a14="http://schemas.microsoft.com/office/drawing/2010/main" Requires="a14">
+          <p:sp>
+            <p:nvSpPr>
+              <p:cNvPr id="14" name="矩形 13"/>
+              <p:cNvSpPr/>
+              <p:nvPr/>
+            </p:nvSpPr>
+            <p:spPr>
+              <a:xfrm>
+                <a:off x="1297758" y="4316261"/>
+                <a:ext cx="5575116" cy="369332"/>
+              </a:xfrm>
+              <a:prstGeom prst="rect">
+                <a:avLst/>
+              </a:prstGeom>
+            </p:spPr>
+            <p:txBody>
+              <a:bodyPr wrap="none">
+                <a:spAutoFit/>
+              </a:bodyPr>
+              <a:lstStyle/>
+              <a:p>
+                <a:r>
+                  <a:rPr lang="en-US" altLang="zh-TW" dirty="0" smtClean="0"/>
+                  <a:t>: The </a:t>
+                </a:r>
+                <a:r>
+                  <a:rPr lang="en-US" altLang="zh-TW" dirty="0"/>
+                  <a:t>total flow into compartment j at time t</a:t>
+                </a:r>
+                <a:r>
+                  <a:rPr lang="en-US" altLang="zh-TW" dirty="0" smtClean="0"/>
+                  <a:t>+</a:t>
+                </a:r>
+                <a14:m>
+                  <m:oMath xmlns:m="http://schemas.openxmlformats.org/officeDocument/2006/math">
+                    <m:r>
+                      <a:rPr lang="en-US" altLang="zh-TW" i="1" smtClean="0">
+                        <a:latin typeface="Cambria Math" panose="02040503050406030204" pitchFamily="18" charset="0"/>
+                        <a:ea typeface="Cambria Math" panose="02040503050406030204" pitchFamily="18" charset="0"/>
+                      </a:rPr>
+                      <m:t>∆</m:t>
+                    </m:r>
+                  </m:oMath>
+                </a14:m>
+                <a:r>
+                  <a:rPr lang="en-US" altLang="zh-TW" dirty="0" smtClean="0"/>
+                  <a:t>t; (‘)=input</a:t>
+                </a:r>
+                <a:endParaRPr lang="zh-TW" altLang="en-US" dirty="0"/>
+              </a:p>
+            </p:txBody>
+          </p:sp>
+        </mc:Choice>
+        <mc:Fallback>
+          <p:sp>
+            <p:nvSpPr>
+              <p:cNvPr id="14" name="矩形 13"/>
+              <p:cNvSpPr>
+                <a:spLocks noRot="1" noChangeAspect="1" noMove="1" noResize="1" noEditPoints="1" noAdjustHandles="1" noChangeArrowheads="1" noChangeShapeType="1" noTextEdit="1"/>
+              </p:cNvSpPr>
+              <p:nvPr/>
+            </p:nvSpPr>
+            <p:spPr>
+              <a:xfrm>
+                <a:off x="1297758" y="4316261"/>
+                <a:ext cx="5575116" cy="369332"/>
+              </a:xfrm>
+              <a:prstGeom prst="rect">
+                <a:avLst/>
+              </a:prstGeom>
+              <a:blipFill>
+                <a:blip r:embed="rId5"/>
+                <a:stretch>
+                  <a:fillRect l="-985" t="-8197" r="-219" b="-24590"/>
+                </a:stretch>
+              </a:blipFill>
+            </p:spPr>
+            <p:txBody>
+              <a:bodyPr/>
+              <a:lstStyle/>
+              <a:p>
+                <a:r>
+                  <a:rPr lang="zh-TW" altLang="en-US">
+                    <a:noFill/>
+                  </a:rPr>
+                  <a:t> </a:t>
+                </a:r>
+              </a:p>
+            </p:txBody>
+          </p:sp>
+        </mc:Fallback>
+      </mc:AlternateContent>
+      <p:pic>
+        <p:nvPicPr>
+          <p:cNvPr id="15" name="圖片 14"/>
+          <p:cNvPicPr>
+            <a:picLocks noChangeAspect="1"/>
+          </p:cNvPicPr>
+          <p:nvPr/>
+        </p:nvPicPr>
+        <p:blipFill>
+          <a:blip r:embed="rId6"/>
+          <a:stretch>
+            <a:fillRect/>
+          </a:stretch>
+        </p:blipFill>
+        <p:spPr>
+          <a:xfrm>
+            <a:off x="253625" y="4812395"/>
+            <a:ext cx="1184280" cy="1239363"/>
+          </a:xfrm>
+          <a:prstGeom prst="rect">
+            <a:avLst/>
+          </a:prstGeom>
+        </p:spPr>
+      </p:pic>
+      <p:sp>
+        <p:nvSpPr>
+          <p:cNvPr id="17" name="矩形 16"/>
+          <p:cNvSpPr/>
+          <p:nvPr/>
+        </p:nvSpPr>
+        <p:spPr>
+          <a:xfrm>
+            <a:off x="1296155" y="5038136"/>
+            <a:ext cx="8399485" cy="369332"/>
+          </a:xfrm>
+          <a:prstGeom prst="rect">
+            <a:avLst/>
+          </a:prstGeom>
+        </p:spPr>
+        <p:txBody>
+          <a:bodyPr wrap="square">
+            <a:spAutoFit/>
+          </a:bodyPr>
+          <a:lstStyle/>
+          <a:p>
+            <a:r>
+              <a:rPr lang="en-US" altLang="zh-TW" dirty="0" smtClean="0"/>
+              <a:t>: The </a:t>
+            </a:r>
+            <a:r>
+              <a:rPr lang="en-US" altLang="zh-TW" dirty="0"/>
+              <a:t>probability that any given quantum of flow in the network will leave </a:t>
+            </a:r>
+            <a:r>
+              <a:rPr lang="en-US" altLang="zh-TW" dirty="0" err="1"/>
+              <a:t>i</a:t>
+            </a:r>
+            <a:r>
+              <a:rPr lang="en-US" altLang="zh-TW" dirty="0"/>
+              <a:t> at time t</a:t>
+            </a:r>
+            <a:endParaRPr lang="zh-TW" altLang="en-US" dirty="0"/>
+          </a:p>
+        </p:txBody>
+      </p:sp>
+      <mc:AlternateContent xmlns:mc="http://schemas.openxmlformats.org/markup-compatibility/2006">
+        <mc:Choice xmlns:a14="http://schemas.microsoft.com/office/drawing/2010/main" Requires="a14">
+          <p:sp>
+            <p:nvSpPr>
+              <p:cNvPr id="18" name="矩形 17"/>
+              <p:cNvSpPr/>
+              <p:nvPr/>
+            </p:nvSpPr>
+            <p:spPr>
+              <a:xfrm>
+                <a:off x="1296155" y="5633209"/>
+                <a:ext cx="6284221" cy="369332"/>
+              </a:xfrm>
+              <a:prstGeom prst="rect">
+                <a:avLst/>
+              </a:prstGeom>
+            </p:spPr>
+            <p:txBody>
+              <a:bodyPr wrap="none">
+                <a:spAutoFit/>
+              </a:bodyPr>
+              <a:lstStyle/>
+              <a:p>
+                <a:r>
+                  <a:rPr lang="en-US" altLang="zh-TW" dirty="0" smtClean="0"/>
+                  <a:t>: The </a:t>
+                </a:r>
+                <a:r>
+                  <a:rPr lang="en-US" altLang="zh-TW" dirty="0"/>
+                  <a:t>probability that flow will enter compartment j at time t+</a:t>
+                </a:r>
+                <a:r>
+                  <a:rPr lang="en-US" altLang="zh-TW" dirty="0">
+                    <a:ea typeface="Cambria Math" panose="02040503050406030204" pitchFamily="18" charset="0"/>
+                  </a:rPr>
+                  <a:t> </a:t>
+                </a:r>
+                <a14:m>
+                  <m:oMath xmlns:m="http://schemas.openxmlformats.org/officeDocument/2006/math">
+                    <m:r>
+                      <a:rPr lang="en-US" altLang="zh-TW" i="1">
+                        <a:latin typeface="Cambria Math" panose="02040503050406030204" pitchFamily="18" charset="0"/>
+                        <a:ea typeface="Cambria Math" panose="02040503050406030204" pitchFamily="18" charset="0"/>
+                      </a:rPr>
+                      <m:t>∆</m:t>
+                    </m:r>
+                  </m:oMath>
+                </a14:m>
+                <a:r>
+                  <a:rPr lang="en-US" altLang="zh-TW" dirty="0" err="1"/>
+                  <a:t>t</a:t>
+                </a:r>
+                <a:endParaRPr lang="zh-TW" altLang="en-US" dirty="0"/>
+              </a:p>
+            </p:txBody>
+          </p:sp>
+        </mc:Choice>
+        <mc:Fallback>
+          <p:sp>
+            <p:nvSpPr>
+              <p:cNvPr id="18" name="矩形 17"/>
+              <p:cNvSpPr>
+                <a:spLocks noRot="1" noChangeAspect="1" noMove="1" noResize="1" noEditPoints="1" noAdjustHandles="1" noChangeArrowheads="1" noChangeShapeType="1" noTextEdit="1"/>
+              </p:cNvSpPr>
+              <p:nvPr/>
+            </p:nvSpPr>
+            <p:spPr>
+              <a:xfrm>
+                <a:off x="1296155" y="5633209"/>
+                <a:ext cx="6284221" cy="369332"/>
+              </a:xfrm>
+              <a:prstGeom prst="rect">
+                <a:avLst/>
+              </a:prstGeom>
+              <a:blipFill>
+                <a:blip r:embed="rId7"/>
+                <a:stretch>
+                  <a:fillRect l="-873" t="-8197" b="-24590"/>
+                </a:stretch>
+              </a:blipFill>
+            </p:spPr>
+            <p:txBody>
+              <a:bodyPr/>
+              <a:lstStyle/>
+              <a:p>
+                <a:r>
+                  <a:rPr lang="zh-TW" altLang="en-US">
+                    <a:noFill/>
+                  </a:rPr>
+                  <a:t> </a:t>
+                </a:r>
+              </a:p>
+            </p:txBody>
+          </p:sp>
+        </mc:Fallback>
+      </mc:AlternateContent>
+    </p:spTree>
+    <p:extLst>
+      <p:ext uri="{BB962C8B-B14F-4D97-AF65-F5344CB8AC3E}">
+        <p14:creationId xmlns:p14="http://schemas.microsoft.com/office/powerpoint/2010/main" val="1888682392"/>
+      </p:ext>
+    </p:extLst>
+  </p:cSld>
+  <p:clrMapOvr>
+    <a:masterClrMapping/>
+  </p:clrMapOvr>
+</p:sld>
+</file>
+
+<file path=ppt/slides/slide16.xml><?xml version="1.0" encoding="utf-8"?>
+<p:sld xmlns:a="http://schemas.openxmlformats.org/drawingml/2006/main" xmlns:r="http://schemas.openxmlformats.org/officeDocument/2006/relationships" xmlns:p="http://schemas.openxmlformats.org/presentationml/2006/main">
+  <p:cSld>
+    <p:spTree>
+      <p:nvGrpSpPr>
+        <p:cNvPr id="1" name=""/>
+        <p:cNvGrpSpPr/>
+        <p:nvPr/>
+      </p:nvGrpSpPr>
+      <p:grpSpPr>
+        <a:xfrm>
+          <a:off x="0" y="0"/>
+          <a:ext cx="0" cy="0"/>
+          <a:chOff x="0" y="0"/>
+          <a:chExt cx="0" cy="0"/>
+        </a:xfrm>
+      </p:grpSpPr>
+      <p:sp>
+        <p:nvSpPr>
+          <p:cNvPr id="2" name="矩形 1"/>
+          <p:cNvSpPr/>
+          <p:nvPr/>
+        </p:nvSpPr>
+        <p:spPr>
+          <a:xfrm>
+            <a:off x="284693" y="260065"/>
+            <a:ext cx="2274341" cy="369332"/>
+          </a:xfrm>
+          <a:prstGeom prst="rect">
+            <a:avLst/>
+          </a:prstGeom>
+        </p:spPr>
+        <p:txBody>
+          <a:bodyPr wrap="none">
+            <a:spAutoFit/>
+          </a:bodyPr>
+          <a:lstStyle/>
+          <a:p>
+            <a:pPr marL="285750" indent="-285750">
+              <a:buFont typeface="Arial" panose="020B0604020202020204" pitchFamily="34" charset="0"/>
+              <a:buChar char="•"/>
+            </a:pPr>
+            <a:r>
+              <a:rPr lang="en-US" altLang="zh-TW" dirty="0"/>
+              <a:t>Formula Derivation</a:t>
+            </a:r>
+            <a:endParaRPr lang="zh-TW" altLang="en-US" dirty="0"/>
+          </a:p>
+        </p:txBody>
+      </p:sp>
+      <p:pic>
+        <p:nvPicPr>
+          <p:cNvPr id="3" name="圖片 2"/>
+          <p:cNvPicPr>
+            <a:picLocks noChangeAspect="1"/>
+          </p:cNvPicPr>
+          <p:nvPr/>
+        </p:nvPicPr>
+        <p:blipFill>
+          <a:blip r:embed="rId2"/>
+          <a:stretch>
+            <a:fillRect/>
+          </a:stretch>
+        </p:blipFill>
+        <p:spPr>
+          <a:xfrm>
+            <a:off x="348442" y="629397"/>
+            <a:ext cx="1388918" cy="634071"/>
+          </a:xfrm>
+          <a:prstGeom prst="rect">
+            <a:avLst/>
+          </a:prstGeom>
+        </p:spPr>
+      </p:pic>
+      <p:sp>
+        <p:nvSpPr>
+          <p:cNvPr id="5" name="矩形 4"/>
+          <p:cNvSpPr/>
+          <p:nvPr/>
+        </p:nvSpPr>
+        <p:spPr>
+          <a:xfrm>
+            <a:off x="1540047" y="761766"/>
+            <a:ext cx="10480156" cy="369332"/>
+          </a:xfrm>
+          <a:prstGeom prst="rect">
+            <a:avLst/>
+          </a:prstGeom>
+        </p:spPr>
+        <p:txBody>
+          <a:bodyPr wrap="square">
+            <a:spAutoFit/>
+          </a:bodyPr>
+          <a:lstStyle/>
+          <a:p>
+            <a:r>
+              <a:rPr lang="en-US" altLang="zh-TW" dirty="0"/>
+              <a:t> ‘joint probability</a:t>
+            </a:r>
+            <a:r>
+              <a:rPr lang="en-US" altLang="zh-TW" dirty="0" smtClean="0"/>
+              <a:t>’: any </a:t>
+            </a:r>
+            <a:r>
+              <a:rPr lang="en-US" altLang="zh-TW" dirty="0"/>
+              <a:t>given quantum of flow will both leave </a:t>
+            </a:r>
+            <a:r>
+              <a:rPr lang="en-US" altLang="zh-TW" dirty="0" err="1"/>
+              <a:t>i</a:t>
+            </a:r>
+            <a:r>
+              <a:rPr lang="en-US" altLang="zh-TW" dirty="0"/>
+              <a:t> at time t and enter j at time </a:t>
+            </a:r>
+            <a:r>
+              <a:rPr lang="en-US" altLang="zh-TW" dirty="0" err="1" smtClean="0"/>
+              <a:t>t+t</a:t>
+            </a:r>
+            <a:r>
+              <a:rPr lang="en-US" altLang="zh-TW" dirty="0" smtClean="0"/>
+              <a:t>. </a:t>
+            </a:r>
+          </a:p>
+        </p:txBody>
+      </p:sp>
+      <p:pic>
+        <p:nvPicPr>
+          <p:cNvPr id="6" name="圖片 5"/>
+          <p:cNvPicPr>
+            <a:picLocks noChangeAspect="1"/>
+          </p:cNvPicPr>
+          <p:nvPr/>
+        </p:nvPicPr>
+        <p:blipFill>
+          <a:blip r:embed="rId3"/>
+          <a:stretch>
+            <a:fillRect/>
+          </a:stretch>
+        </p:blipFill>
+        <p:spPr>
+          <a:xfrm>
+            <a:off x="348442" y="1263467"/>
+            <a:ext cx="1272540" cy="606676"/>
+          </a:xfrm>
+          <a:prstGeom prst="rect">
+            <a:avLst/>
+          </a:prstGeom>
+        </p:spPr>
+      </p:pic>
+      <mc:AlternateContent xmlns:mc="http://schemas.openxmlformats.org/markup-compatibility/2006">
+        <mc:Choice xmlns:a14="http://schemas.microsoft.com/office/drawing/2010/main" Requires="a14">
+          <p:sp>
+            <p:nvSpPr>
+              <p:cNvPr id="7" name="矩形 6"/>
+              <p:cNvSpPr/>
+              <p:nvPr/>
+            </p:nvSpPr>
+            <p:spPr>
+              <a:xfrm>
+                <a:off x="1620982" y="1382139"/>
+                <a:ext cx="8681258" cy="369332"/>
+              </a:xfrm>
+              <a:prstGeom prst="rect">
+                <a:avLst/>
+              </a:prstGeom>
+            </p:spPr>
+            <p:txBody>
+              <a:bodyPr wrap="square">
+                <a:spAutoFit/>
+              </a:bodyPr>
+              <a:lstStyle/>
+              <a:p>
+                <a:r>
+                  <a:rPr lang="en-US" altLang="zh-TW" dirty="0" smtClean="0"/>
+                  <a:t>‘conditional’ probability: </a:t>
+                </a:r>
+                <a:r>
+                  <a:rPr lang="en-US" altLang="zh-TW" dirty="0"/>
+                  <a:t>flow leaving </a:t>
+                </a:r>
+                <a:r>
+                  <a:rPr lang="en-US" altLang="zh-TW" dirty="0" err="1"/>
+                  <a:t>i</a:t>
+                </a:r>
+                <a:r>
+                  <a:rPr lang="en-US" altLang="zh-TW" dirty="0"/>
+                  <a:t> at time t will arrive at j at time </a:t>
+                </a:r>
+                <a:r>
+                  <a:rPr lang="en-US" altLang="zh-TW" dirty="0" smtClean="0"/>
+                  <a:t>t+</a:t>
+                </a:r>
+                <a:r>
+                  <a:rPr lang="en-US" altLang="zh-TW" dirty="0">
+                    <a:ea typeface="Cambria Math" panose="02040503050406030204" pitchFamily="18" charset="0"/>
+                  </a:rPr>
+                  <a:t> </a:t>
+                </a:r>
+                <a14:m>
+                  <m:oMath xmlns:m="http://schemas.openxmlformats.org/officeDocument/2006/math">
+                    <m:r>
+                      <a:rPr lang="en-US" altLang="zh-TW" i="1">
+                        <a:latin typeface="Cambria Math" panose="02040503050406030204" pitchFamily="18" charset="0"/>
+                        <a:ea typeface="Cambria Math" panose="02040503050406030204" pitchFamily="18" charset="0"/>
+                      </a:rPr>
+                      <m:t>∆</m:t>
+                    </m:r>
+                  </m:oMath>
+                </a14:m>
+                <a:r>
+                  <a:rPr lang="en-US" altLang="zh-TW" dirty="0" smtClean="0"/>
+                  <a:t>t</a:t>
+                </a:r>
+                <a:endParaRPr lang="zh-TW" altLang="en-US" dirty="0"/>
+              </a:p>
+            </p:txBody>
+          </p:sp>
+        </mc:Choice>
+        <mc:Fallback>
+          <p:sp>
+            <p:nvSpPr>
+              <p:cNvPr id="7" name="矩形 6"/>
+              <p:cNvSpPr>
+                <a:spLocks noRot="1" noChangeAspect="1" noMove="1" noResize="1" noEditPoints="1" noAdjustHandles="1" noChangeArrowheads="1" noChangeShapeType="1" noTextEdit="1"/>
+              </p:cNvSpPr>
+              <p:nvPr/>
+            </p:nvSpPr>
+            <p:spPr>
+              <a:xfrm>
+                <a:off x="1620982" y="1382139"/>
+                <a:ext cx="8681258" cy="369332"/>
+              </a:xfrm>
+              <a:prstGeom prst="rect">
+                <a:avLst/>
+              </a:prstGeom>
+              <a:blipFill>
+                <a:blip r:embed="rId4"/>
+                <a:stretch>
+                  <a:fillRect l="-632" t="-10000" b="-26667"/>
+                </a:stretch>
+              </a:blipFill>
+            </p:spPr>
+            <p:txBody>
+              <a:bodyPr/>
+              <a:lstStyle/>
+              <a:p>
+                <a:r>
+                  <a:rPr lang="zh-TW" altLang="en-US">
+                    <a:noFill/>
+                  </a:rPr>
+                  <a:t> </a:t>
+                </a:r>
+              </a:p>
+            </p:txBody>
+          </p:sp>
+        </mc:Fallback>
+      </mc:AlternateContent>
+      <p:pic>
+        <p:nvPicPr>
+          <p:cNvPr id="8" name="圖片 7"/>
+          <p:cNvPicPr>
+            <a:picLocks noChangeAspect="1"/>
+          </p:cNvPicPr>
+          <p:nvPr/>
+        </p:nvPicPr>
+        <p:blipFill>
+          <a:blip r:embed="rId5"/>
+          <a:stretch>
+            <a:fillRect/>
+          </a:stretch>
+        </p:blipFill>
+        <p:spPr>
+          <a:xfrm>
+            <a:off x="348442" y="1988815"/>
+            <a:ext cx="1571798" cy="534940"/>
+          </a:xfrm>
+          <a:prstGeom prst="rect">
+            <a:avLst/>
+          </a:prstGeom>
+        </p:spPr>
+      </p:pic>
+      <p:sp>
+        <p:nvSpPr>
+          <p:cNvPr id="9" name="文字方塊 8"/>
+          <p:cNvSpPr txBox="1"/>
+          <p:nvPr/>
+        </p:nvSpPr>
+        <p:spPr>
+          <a:xfrm>
+            <a:off x="1920240" y="2071619"/>
+            <a:ext cx="2240293" cy="369332"/>
+          </a:xfrm>
+          <a:prstGeom prst="rect">
+            <a:avLst/>
+          </a:prstGeom>
+          <a:noFill/>
+        </p:spPr>
+        <p:txBody>
+          <a:bodyPr wrap="none" rtlCol="0">
+            <a:spAutoFit/>
+          </a:bodyPr>
+          <a:lstStyle/>
+          <a:p>
+            <a:r>
+              <a:rPr lang="en-US" altLang="zh-TW" dirty="0" smtClean="0"/>
+              <a:t>From Bayes</a:t>
+            </a:r>
+            <a:r>
+              <a:rPr lang="en-US" altLang="zh-TW" dirty="0"/>
+              <a:t>’ Theorem</a:t>
+            </a:r>
+            <a:endParaRPr lang="zh-TW" altLang="en-US" dirty="0"/>
+          </a:p>
+        </p:txBody>
+      </p:sp>
+      <p:pic>
+        <p:nvPicPr>
+          <p:cNvPr id="10" name="圖片 9"/>
+          <p:cNvPicPr>
+            <a:picLocks noChangeAspect="1"/>
+          </p:cNvPicPr>
+          <p:nvPr/>
+        </p:nvPicPr>
+        <p:blipFill>
+          <a:blip r:embed="rId6"/>
+          <a:stretch>
+            <a:fillRect/>
+          </a:stretch>
+        </p:blipFill>
+        <p:spPr>
+          <a:xfrm>
+            <a:off x="5029198" y="1924700"/>
+            <a:ext cx="2685025" cy="663169"/>
+          </a:xfrm>
+          <a:prstGeom prst="rect">
+            <a:avLst/>
+          </a:prstGeom>
+        </p:spPr>
+      </p:pic>
+      <p:sp>
+        <p:nvSpPr>
+          <p:cNvPr id="11" name="向右箭號 10"/>
+          <p:cNvSpPr/>
+          <p:nvPr/>
+        </p:nvSpPr>
+        <p:spPr>
+          <a:xfrm>
+            <a:off x="4289367" y="2163952"/>
+            <a:ext cx="532014" cy="184666"/>
+          </a:xfrm>
+          <a:prstGeom prst="rightArrow">
+            <a:avLst/>
+          </a:prstGeom>
+        </p:spPr>
+        <p:style>
+          <a:lnRef idx="2">
+            <a:schemeClr val="dk1">
+              <a:shade val="50000"/>
+            </a:schemeClr>
+          </a:lnRef>
+          <a:fillRef idx="1">
+            <a:schemeClr val="dk1"/>
+          </a:fillRef>
+          <a:effectRef idx="0">
+            <a:schemeClr val="dk1"/>
+          </a:effectRef>
+          <a:fontRef idx="minor">
+            <a:schemeClr val="lt1"/>
+          </a:fontRef>
+        </p:style>
+        <p:txBody>
+          <a:bodyPr rtlCol="0" anchor="ctr"/>
+          <a:lstStyle/>
+          <a:p>
+            <a:pPr algn="ctr"/>
+            <a:endParaRPr lang="zh-TW" altLang="en-US"/>
+          </a:p>
+        </p:txBody>
+      </p:sp>
+      <p:pic>
+        <p:nvPicPr>
+          <p:cNvPr id="12" name="圖片 11"/>
+          <p:cNvPicPr>
+            <a:picLocks noChangeAspect="1"/>
+          </p:cNvPicPr>
+          <p:nvPr/>
+        </p:nvPicPr>
+        <p:blipFill>
+          <a:blip r:embed="rId7"/>
+          <a:stretch>
+            <a:fillRect/>
+          </a:stretch>
+        </p:blipFill>
+        <p:spPr>
+          <a:xfrm>
+            <a:off x="8661871" y="1936548"/>
+            <a:ext cx="2447925" cy="628650"/>
+          </a:xfrm>
+          <a:prstGeom prst="rect">
+            <a:avLst/>
+          </a:prstGeom>
+        </p:spPr>
+      </p:pic>
+      <p:sp>
+        <p:nvSpPr>
+          <p:cNvPr id="14" name="向右箭號 13"/>
+          <p:cNvSpPr/>
+          <p:nvPr/>
+        </p:nvSpPr>
+        <p:spPr>
+          <a:xfrm rot="10800000" flipH="1">
+            <a:off x="4432802" y="6035605"/>
+            <a:ext cx="2416053" cy="308375"/>
+          </a:xfrm>
+          <a:prstGeom prst="rightArrow">
+            <a:avLst/>
+          </a:prstGeom>
+        </p:spPr>
+        <p:style>
+          <a:lnRef idx="2">
+            <a:schemeClr val="dk1">
+              <a:shade val="50000"/>
+            </a:schemeClr>
+          </a:lnRef>
+          <a:fillRef idx="1">
+            <a:schemeClr val="dk1"/>
+          </a:fillRef>
+          <a:effectRef idx="0">
+            <a:schemeClr val="dk1"/>
+          </a:effectRef>
+          <a:fontRef idx="minor">
+            <a:schemeClr val="lt1"/>
+          </a:fontRef>
+        </p:style>
+        <p:txBody>
+          <a:bodyPr rtlCol="0" anchor="ctr"/>
+          <a:lstStyle/>
+          <a:p>
+            <a:pPr algn="ctr"/>
+            <a:endParaRPr lang="zh-TW" altLang="en-US"/>
+          </a:p>
+        </p:txBody>
+      </p:sp>
+      <p:pic>
+        <p:nvPicPr>
+          <p:cNvPr id="15" name="圖片 14"/>
+          <p:cNvPicPr>
+            <a:picLocks noChangeAspect="1"/>
+          </p:cNvPicPr>
+          <p:nvPr/>
+        </p:nvPicPr>
+        <p:blipFill>
+          <a:blip r:embed="rId8"/>
+          <a:stretch>
+            <a:fillRect/>
+          </a:stretch>
+        </p:blipFill>
+        <p:spPr>
+          <a:xfrm>
+            <a:off x="348442" y="2757045"/>
+            <a:ext cx="3433849" cy="603943"/>
+          </a:xfrm>
+          <a:prstGeom prst="rect">
+            <a:avLst/>
+          </a:prstGeom>
+        </p:spPr>
+      </p:pic>
+      <mc:AlternateContent xmlns:mc="http://schemas.openxmlformats.org/markup-compatibility/2006">
+        <mc:Choice xmlns:a14="http://schemas.microsoft.com/office/drawing/2010/main" Requires="a14">
+          <p:sp>
+            <p:nvSpPr>
+              <p:cNvPr id="20" name="矩形 19"/>
+              <p:cNvSpPr/>
+              <p:nvPr/>
+            </p:nvSpPr>
+            <p:spPr>
+              <a:xfrm>
+                <a:off x="3782291" y="2691124"/>
+                <a:ext cx="7881236" cy="1754326"/>
+              </a:xfrm>
+              <a:prstGeom prst="rect">
+                <a:avLst/>
+              </a:prstGeom>
+            </p:spPr>
+            <p:txBody>
+              <a:bodyPr wrap="square">
+                <a:spAutoFit/>
+              </a:bodyPr>
+              <a:lstStyle/>
+              <a:p>
+                <a:r>
+                  <a:rPr lang="en-US" altLang="zh-TW" dirty="0"/>
+                  <a:t>For any compartment j at time t+</a:t>
+                </a:r>
+                <a:r>
+                  <a:rPr lang="en-US" altLang="zh-TW" dirty="0">
+                    <a:ea typeface="Cambria Math" panose="02040503050406030204" pitchFamily="18" charset="0"/>
+                  </a:rPr>
+                  <a:t> </a:t>
+                </a:r>
+                <a14:m>
+                  <m:oMath xmlns:m="http://schemas.openxmlformats.org/officeDocument/2006/math">
+                    <m:r>
+                      <a:rPr lang="en-US" altLang="zh-TW" i="1">
+                        <a:latin typeface="Cambria Math" panose="02040503050406030204" pitchFamily="18" charset="0"/>
+                        <a:ea typeface="Cambria Math" panose="02040503050406030204" pitchFamily="18" charset="0"/>
+                      </a:rPr>
+                      <m:t>∆</m:t>
+                    </m:r>
+                  </m:oMath>
+                </a14:m>
+                <a:r>
+                  <a:rPr lang="en-US" altLang="zh-TW" dirty="0"/>
+                  <a:t>t, there is uncertainty about the source of flow into that </a:t>
+                </a:r>
+                <a:r>
+                  <a:rPr lang="en-US" altLang="zh-TW" dirty="0" smtClean="0"/>
+                  <a:t>compartment; (k is convention of AMI index, set k=1 here)</a:t>
+                </a:r>
+              </a:p>
+              <a:p>
+                <a:pPr marL="285750" indent="-285750">
+                  <a:buFont typeface="Arial" panose="020B0604020202020204" pitchFamily="34" charset="0"/>
+                  <a:buChar char="•"/>
+                </a:pPr>
+                <a:r>
+                  <a:rPr lang="en-US" altLang="zh-TW" dirty="0"/>
+                  <a:t>interpret the results of calculation as ‘bits.’</a:t>
+                </a:r>
+              </a:p>
+              <a:p>
+                <a:pPr marL="742950" lvl="1" indent="-285750">
+                  <a:buFont typeface="Arial" panose="020B0604020202020204" pitchFamily="34" charset="0"/>
+                  <a:buChar char="•"/>
+                </a:pPr>
+                <a:r>
+                  <a:rPr lang="en-US" altLang="zh-TW" dirty="0"/>
+                  <a:t>Bits relate to the concept of binary decisions. One bit will be 1 binary decision and is consistent with using a base of logarithms equal to 2</a:t>
+                </a:r>
+                <a:endParaRPr lang="zh-TW" altLang="en-US" dirty="0"/>
+              </a:p>
+              <a:p>
+                <a:endParaRPr lang="zh-TW" altLang="en-US" dirty="0"/>
+              </a:p>
+            </p:txBody>
+          </p:sp>
+        </mc:Choice>
+        <mc:Fallback>
+          <p:sp>
+            <p:nvSpPr>
+              <p:cNvPr id="20" name="矩形 19"/>
+              <p:cNvSpPr>
+                <a:spLocks noRot="1" noChangeAspect="1" noMove="1" noResize="1" noEditPoints="1" noAdjustHandles="1" noChangeArrowheads="1" noChangeShapeType="1" noTextEdit="1"/>
+              </p:cNvSpPr>
+              <p:nvPr/>
+            </p:nvSpPr>
+            <p:spPr>
+              <a:xfrm>
+                <a:off x="3782291" y="2691124"/>
+                <a:ext cx="7881236" cy="1754326"/>
+              </a:xfrm>
+              <a:prstGeom prst="rect">
+                <a:avLst/>
+              </a:prstGeom>
+              <a:blipFill>
+                <a:blip r:embed="rId9"/>
+                <a:stretch>
+                  <a:fillRect l="-619" t="-1736"/>
+                </a:stretch>
+              </a:blipFill>
+            </p:spPr>
+            <p:txBody>
+              <a:bodyPr/>
+              <a:lstStyle/>
+              <a:p>
+                <a:r>
+                  <a:rPr lang="zh-TW" altLang="en-US">
+                    <a:noFill/>
+                  </a:rPr>
+                  <a:t> </a:t>
+                </a:r>
+              </a:p>
+            </p:txBody>
+          </p:sp>
+        </mc:Fallback>
+      </mc:AlternateContent>
+      <p:pic>
+        <p:nvPicPr>
+          <p:cNvPr id="23" name="圖片 22"/>
+          <p:cNvPicPr>
+            <a:picLocks noChangeAspect="1"/>
+          </p:cNvPicPr>
+          <p:nvPr/>
+        </p:nvPicPr>
+        <p:blipFill>
+          <a:blip r:embed="rId10"/>
+          <a:stretch>
+            <a:fillRect/>
+          </a:stretch>
+        </p:blipFill>
+        <p:spPr>
+          <a:xfrm>
+            <a:off x="284693" y="4004282"/>
+            <a:ext cx="4071331" cy="2497363"/>
+          </a:xfrm>
+          <a:prstGeom prst="rect">
+            <a:avLst/>
+          </a:prstGeom>
+        </p:spPr>
+      </p:pic>
+      <p:sp>
+        <p:nvSpPr>
+          <p:cNvPr id="24" name="矩形 23"/>
+          <p:cNvSpPr/>
+          <p:nvPr/>
+        </p:nvSpPr>
+        <p:spPr>
+          <a:xfrm>
+            <a:off x="773084" y="4064924"/>
+            <a:ext cx="1147156" cy="249381"/>
+          </a:xfrm>
+          <a:prstGeom prst="rect">
+            <a:avLst/>
+          </a:prstGeom>
+          <a:solidFill>
+            <a:schemeClr val="accent1">
+              <a:alpha val="20000"/>
+            </a:schemeClr>
+          </a:solidFill>
+          <a:ln>
+            <a:noFill/>
+          </a:ln>
+        </p:spPr>
+        <p:style>
+          <a:lnRef idx="2">
+            <a:schemeClr val="accent1">
+              <a:shade val="50000"/>
+            </a:schemeClr>
+          </a:lnRef>
+          <a:fillRef idx="1">
+            <a:schemeClr val="accent1"/>
+          </a:fillRef>
+          <a:effectRef idx="0">
+            <a:schemeClr val="accent1"/>
+          </a:effectRef>
+          <a:fontRef idx="minor">
+            <a:schemeClr val="lt1"/>
+          </a:fontRef>
+        </p:style>
+        <p:txBody>
+          <a:bodyPr rtlCol="0" anchor="ctr"/>
+          <a:lstStyle/>
+          <a:p>
+            <a:pPr algn="ctr"/>
+            <a:endParaRPr lang="zh-TW" altLang="en-US"/>
+          </a:p>
+        </p:txBody>
+      </p:sp>
+      <p:sp>
+        <p:nvSpPr>
+          <p:cNvPr id="25" name="文字方塊 24"/>
+          <p:cNvSpPr txBox="1"/>
+          <p:nvPr/>
+        </p:nvSpPr>
+        <p:spPr>
+          <a:xfrm>
+            <a:off x="1134341" y="3677082"/>
+            <a:ext cx="383438" cy="369332"/>
+          </a:xfrm>
+          <a:prstGeom prst="rect">
+            <a:avLst/>
+          </a:prstGeom>
+          <a:noFill/>
+        </p:spPr>
+        <p:txBody>
+          <a:bodyPr wrap="none" rtlCol="0">
+            <a:spAutoFit/>
+          </a:bodyPr>
+          <a:lstStyle/>
+          <a:p>
+            <a:r>
+              <a:rPr lang="en-US" altLang="zh-TW" dirty="0" err="1" smtClean="0">
+                <a:solidFill>
+                  <a:schemeClr val="accent1"/>
+                </a:solidFill>
+              </a:rPr>
+              <a:t>Hj</a:t>
+            </a:r>
+            <a:endParaRPr lang="zh-TW" altLang="en-US" dirty="0">
+              <a:solidFill>
+                <a:schemeClr val="accent1"/>
+              </a:solidFill>
+            </a:endParaRPr>
+          </a:p>
+        </p:txBody>
+      </p:sp>
+      <p:sp>
+        <p:nvSpPr>
+          <p:cNvPr id="26" name="矩形 25"/>
+          <p:cNvSpPr/>
+          <p:nvPr/>
+        </p:nvSpPr>
+        <p:spPr>
+          <a:xfrm>
+            <a:off x="2197521" y="3517517"/>
+            <a:ext cx="1307489" cy="646331"/>
+          </a:xfrm>
+          <a:prstGeom prst="rect">
+            <a:avLst/>
+          </a:prstGeom>
+        </p:spPr>
+        <p:txBody>
+          <a:bodyPr wrap="square">
+            <a:spAutoFit/>
+          </a:bodyPr>
+          <a:lstStyle/>
+          <a:p>
+            <a:r>
+              <a:rPr lang="en-US" altLang="zh-TW" dirty="0" smtClean="0">
+                <a:solidFill>
+                  <a:schemeClr val="accent2"/>
+                </a:solidFill>
+              </a:rPr>
+              <a:t>conditional </a:t>
+            </a:r>
+            <a:r>
+              <a:rPr lang="en-US" altLang="zh-TW" dirty="0">
+                <a:solidFill>
+                  <a:schemeClr val="accent2"/>
+                </a:solidFill>
+              </a:rPr>
+              <a:t>probability</a:t>
+            </a:r>
+            <a:endParaRPr lang="zh-TW" altLang="en-US" dirty="0">
+              <a:solidFill>
+                <a:schemeClr val="accent2"/>
+              </a:solidFill>
+            </a:endParaRPr>
+          </a:p>
+        </p:txBody>
+      </p:sp>
+      <p:sp>
+        <p:nvSpPr>
+          <p:cNvPr id="27" name="矩形 26"/>
+          <p:cNvSpPr/>
+          <p:nvPr/>
+        </p:nvSpPr>
+        <p:spPr>
+          <a:xfrm>
+            <a:off x="2065366" y="4079720"/>
+            <a:ext cx="1439644" cy="249381"/>
+          </a:xfrm>
+          <a:prstGeom prst="rect">
+            <a:avLst/>
+          </a:prstGeom>
+          <a:solidFill>
+            <a:schemeClr val="accent2">
+              <a:alpha val="20000"/>
+            </a:schemeClr>
+          </a:solidFill>
+          <a:ln>
+            <a:noFill/>
+          </a:ln>
+        </p:spPr>
+        <p:style>
+          <a:lnRef idx="2">
+            <a:schemeClr val="accent1">
+              <a:shade val="50000"/>
+            </a:schemeClr>
+          </a:lnRef>
+          <a:fillRef idx="1">
+            <a:schemeClr val="accent1"/>
+          </a:fillRef>
+          <a:effectRef idx="0">
+            <a:schemeClr val="accent1"/>
+          </a:effectRef>
+          <a:fontRef idx="minor">
+            <a:schemeClr val="lt1"/>
+          </a:fontRef>
+        </p:style>
+        <p:txBody>
+          <a:bodyPr rtlCol="0" anchor="ctr"/>
+          <a:lstStyle/>
+          <a:p>
+            <a:pPr algn="ctr"/>
+            <a:endParaRPr lang="zh-TW" altLang="en-US"/>
+          </a:p>
+        </p:txBody>
+      </p:sp>
+      <p:sp>
+        <p:nvSpPr>
+          <p:cNvPr id="28" name="矩形 27"/>
+          <p:cNvSpPr/>
+          <p:nvPr/>
+        </p:nvSpPr>
+        <p:spPr>
+          <a:xfrm>
+            <a:off x="4420626" y="4281280"/>
+            <a:ext cx="7520182" cy="1477328"/>
+          </a:xfrm>
+          <a:prstGeom prst="rect">
+            <a:avLst/>
+          </a:prstGeom>
+        </p:spPr>
+        <p:txBody>
+          <a:bodyPr wrap="square">
+            <a:spAutoFit/>
+          </a:bodyPr>
+          <a:lstStyle/>
+          <a:p>
+            <a:r>
+              <a:rPr lang="en-US" altLang="zh-TW" dirty="0" err="1" smtClean="0"/>
+              <a:t>Cij</a:t>
+            </a:r>
+            <a:r>
+              <a:rPr lang="en-US" altLang="zh-TW" dirty="0" smtClean="0"/>
+              <a:t>: a </a:t>
+            </a:r>
+            <a:r>
+              <a:rPr lang="en-US" altLang="zh-TW" dirty="0"/>
+              <a:t>measure of constraint away from completely arbitrary </a:t>
+            </a:r>
+            <a:r>
+              <a:rPr lang="en-US" altLang="zh-TW" dirty="0" smtClean="0"/>
+              <a:t>flow</a:t>
+            </a:r>
+          </a:p>
+          <a:p>
+            <a:pPr marL="285750" indent="-285750">
+              <a:buFont typeface="Arial" panose="020B0604020202020204" pitchFamily="34" charset="0"/>
+              <a:buChar char="•"/>
+            </a:pPr>
+            <a:r>
+              <a:rPr lang="en-US" altLang="zh-TW" dirty="0"/>
+              <a:t>Each </a:t>
+            </a:r>
+            <a:r>
+              <a:rPr lang="en-US" altLang="zh-TW" dirty="0" err="1"/>
+              <a:t>Cij</a:t>
+            </a:r>
+            <a:r>
+              <a:rPr lang="en-US" altLang="zh-TW" dirty="0"/>
+              <a:t> is weighed by the joint probability of that </a:t>
+            </a:r>
+            <a:r>
+              <a:rPr lang="en-US" altLang="zh-TW" dirty="0" smtClean="0"/>
+              <a:t>flow</a:t>
+            </a:r>
+          </a:p>
+          <a:p>
+            <a:pPr marL="285750" indent="-285750">
+              <a:buFont typeface="Arial" panose="020B0604020202020204" pitchFamily="34" charset="0"/>
+              <a:buChar char="•"/>
+            </a:pPr>
+            <a:r>
+              <a:rPr lang="en-US" altLang="zh-TW" dirty="0" smtClean="0"/>
+              <a:t>weighted constraints are summed over all combinations of </a:t>
+            </a:r>
+            <a:r>
+              <a:rPr lang="en-US" altLang="zh-TW" dirty="0" err="1" smtClean="0"/>
+              <a:t>i</a:t>
+            </a:r>
+            <a:r>
+              <a:rPr lang="en-US" altLang="zh-TW" dirty="0" smtClean="0"/>
+              <a:t> and j in the network. </a:t>
+            </a:r>
+          </a:p>
+          <a:p>
+            <a:pPr marL="285750" indent="-285750">
+              <a:buFont typeface="Arial" panose="020B0604020202020204" pitchFamily="34" charset="0"/>
+              <a:buChar char="•"/>
+            </a:pPr>
+            <a:r>
+              <a:rPr lang="en-US" altLang="zh-TW" dirty="0" smtClean="0"/>
+              <a:t>The result is the AMI</a:t>
+            </a:r>
+            <a:endParaRPr lang="zh-TW" altLang="en-US" dirty="0"/>
+          </a:p>
+        </p:txBody>
+      </p:sp>
+      <p:sp>
+        <p:nvSpPr>
+          <p:cNvPr id="29" name="弧形向右箭號 28"/>
+          <p:cNvSpPr/>
+          <p:nvPr/>
+        </p:nvSpPr>
+        <p:spPr>
+          <a:xfrm flipH="1">
+            <a:off x="3648456" y="4406895"/>
+            <a:ext cx="512077" cy="1868203"/>
+          </a:xfrm>
+          <a:prstGeom prst="curvedRightArrow">
+            <a:avLst/>
+          </a:prstGeom>
+          <a:solidFill>
+            <a:schemeClr val="tx1">
+              <a:alpha val="20000"/>
+            </a:schemeClr>
+          </a:solidFill>
+          <a:ln>
+            <a:noFill/>
+          </a:ln>
+        </p:spPr>
+        <p:style>
+          <a:lnRef idx="2">
+            <a:schemeClr val="accent1">
+              <a:shade val="50000"/>
+            </a:schemeClr>
+          </a:lnRef>
+          <a:fillRef idx="1">
+            <a:schemeClr val="accent1"/>
+          </a:fillRef>
+          <a:effectRef idx="0">
+            <a:schemeClr val="accent1"/>
+          </a:effectRef>
+          <a:fontRef idx="minor">
+            <a:schemeClr val="lt1"/>
+          </a:fontRef>
+        </p:style>
+        <p:txBody>
+          <a:bodyPr rtlCol="0" anchor="ctr"/>
+          <a:lstStyle/>
+          <a:p>
+            <a:pPr algn="ctr"/>
+            <a:endParaRPr lang="zh-TW" altLang="en-US">
+              <a:solidFill>
+                <a:schemeClr val="tx1"/>
+              </a:solidFill>
+            </a:endParaRPr>
+          </a:p>
+        </p:txBody>
+      </p:sp>
+      <p:pic>
+        <p:nvPicPr>
+          <p:cNvPr id="30" name="圖片 29"/>
+          <p:cNvPicPr>
+            <a:picLocks noChangeAspect="1"/>
+          </p:cNvPicPr>
+          <p:nvPr/>
+        </p:nvPicPr>
+        <p:blipFill>
+          <a:blip r:embed="rId11"/>
+          <a:stretch>
+            <a:fillRect/>
+          </a:stretch>
+        </p:blipFill>
+        <p:spPr>
+          <a:xfrm>
+            <a:off x="7260336" y="5302308"/>
+            <a:ext cx="3622206" cy="1304943"/>
+          </a:xfrm>
+          <a:prstGeom prst="rect">
+            <a:avLst/>
+          </a:prstGeom>
+        </p:spPr>
+      </p:pic>
+    </p:spTree>
+    <p:extLst>
+      <p:ext uri="{BB962C8B-B14F-4D97-AF65-F5344CB8AC3E}">
+        <p14:creationId xmlns:p14="http://schemas.microsoft.com/office/powerpoint/2010/main" val="1408595581"/>
+      </p:ext>
+    </p:extLst>
+  </p:cSld>
+  <p:clrMapOvr>
+    <a:masterClrMapping/>
+  </p:clrMapOvr>
+</p:sld>
+</file>
+
+<file path=ppt/slides/slide17.xml><?xml version="1.0" encoding="utf-8"?>
+<p:sld xmlns:a="http://schemas.openxmlformats.org/drawingml/2006/main" xmlns:r="http://schemas.openxmlformats.org/officeDocument/2006/relationships" xmlns:p="http://schemas.openxmlformats.org/presentationml/2006/main">
+  <p:cSld>
+    <p:spTree>
+      <p:nvGrpSpPr>
+        <p:cNvPr id="1" name=""/>
+        <p:cNvGrpSpPr/>
+        <p:nvPr/>
+      </p:nvGrpSpPr>
+      <p:grpSpPr>
+        <a:xfrm>
+          <a:off x="0" y="0"/>
+          <a:ext cx="0" cy="0"/>
+          <a:chOff x="0" y="0"/>
+          <a:chExt cx="0" cy="0"/>
+        </a:xfrm>
+      </p:grpSpPr>
+      <p:sp>
+        <p:nvSpPr>
+          <p:cNvPr id="2" name="矩形 1"/>
+          <p:cNvSpPr/>
+          <p:nvPr/>
+        </p:nvSpPr>
+        <p:spPr>
+          <a:xfrm>
+            <a:off x="259755" y="367625"/>
+            <a:ext cx="5770362" cy="523220"/>
+          </a:xfrm>
+          <a:prstGeom prst="rect">
+            <a:avLst/>
+          </a:prstGeom>
+        </p:spPr>
+        <p:txBody>
+          <a:bodyPr wrap="none">
+            <a:spAutoFit/>
+          </a:bodyPr>
+          <a:lstStyle/>
+          <a:p>
+            <a:r>
+              <a:rPr lang="en-US" altLang="zh-TW" sz="2800" dirty="0"/>
+              <a:t>The average mutual </a:t>
+            </a:r>
+            <a:r>
+              <a:rPr lang="en-US" altLang="zh-TW" sz="2800" dirty="0" smtClean="0"/>
+              <a:t>information</a:t>
+            </a:r>
+            <a:r>
+              <a:rPr lang="zh-TW" altLang="en-US" sz="2800" dirty="0" smtClean="0"/>
+              <a:t> </a:t>
+            </a:r>
+            <a:r>
+              <a:rPr lang="en-US" altLang="zh-TW" sz="2800" dirty="0" smtClean="0"/>
+              <a:t>(AMI)</a:t>
+            </a:r>
+            <a:endParaRPr lang="zh-TW" altLang="en-US" sz="2800" dirty="0"/>
+          </a:p>
+        </p:txBody>
+      </p:sp>
+      <p:sp>
+        <p:nvSpPr>
+          <p:cNvPr id="3" name="矩形 2"/>
+          <p:cNvSpPr/>
+          <p:nvPr/>
+        </p:nvSpPr>
+        <p:spPr>
+          <a:xfrm>
+            <a:off x="259755" y="1048942"/>
+            <a:ext cx="1789914" cy="369332"/>
+          </a:xfrm>
+          <a:prstGeom prst="rect">
+            <a:avLst/>
+          </a:prstGeom>
+        </p:spPr>
+        <p:txBody>
+          <a:bodyPr wrap="none">
+            <a:spAutoFit/>
+          </a:bodyPr>
+          <a:lstStyle/>
+          <a:p>
+            <a:pPr marL="285750" indent="-285750">
+              <a:buFont typeface="Arial" panose="020B0604020202020204" pitchFamily="34" charset="0"/>
+              <a:buChar char="•"/>
+            </a:pPr>
+            <a:r>
+              <a:rPr lang="en-US" altLang="zh-TW" dirty="0" smtClean="0"/>
+              <a:t>Interpretation</a:t>
+            </a:r>
+            <a:endParaRPr lang="zh-TW" altLang="en-US" dirty="0"/>
+          </a:p>
+        </p:txBody>
+      </p:sp>
+      <p:sp>
+        <p:nvSpPr>
+          <p:cNvPr id="5" name="矩形 4"/>
+          <p:cNvSpPr/>
+          <p:nvPr/>
+        </p:nvSpPr>
+        <p:spPr>
+          <a:xfrm>
+            <a:off x="2706024" y="1576371"/>
+            <a:ext cx="7610158" cy="1754326"/>
+          </a:xfrm>
+          <a:prstGeom prst="rect">
+            <a:avLst/>
+          </a:prstGeom>
+        </p:spPr>
+        <p:txBody>
+          <a:bodyPr wrap="square">
+            <a:spAutoFit/>
+          </a:bodyPr>
+          <a:lstStyle/>
+          <a:p>
+            <a:r>
+              <a:rPr lang="en-US" altLang="zh-TW" dirty="0"/>
+              <a:t>Rutledge et al. (1976) </a:t>
+            </a:r>
+            <a:endParaRPr lang="en-US" altLang="zh-TW" dirty="0" smtClean="0"/>
+          </a:p>
+          <a:p>
+            <a:pPr marL="285750" indent="-285750">
+              <a:buFont typeface="Arial" panose="020B0604020202020204" pitchFamily="34" charset="0"/>
+              <a:buChar char="•"/>
+            </a:pPr>
+            <a:r>
+              <a:rPr lang="en-US" altLang="zh-TW" dirty="0" smtClean="0"/>
+              <a:t>defined </a:t>
+            </a:r>
+            <a:r>
+              <a:rPr lang="en-US" altLang="zh-TW" dirty="0"/>
+              <a:t>the statistical </a:t>
+            </a:r>
+            <a:r>
+              <a:rPr lang="en-US" altLang="zh-TW" dirty="0" smtClean="0"/>
+              <a:t>uncertainty (HR) </a:t>
+            </a:r>
+            <a:r>
+              <a:rPr lang="en-US" altLang="zh-TW" dirty="0"/>
+              <a:t>as an upper bound on the </a:t>
+            </a:r>
+            <a:r>
+              <a:rPr lang="en-US" altLang="zh-TW" dirty="0" smtClean="0"/>
+              <a:t>AMI. </a:t>
+            </a:r>
+          </a:p>
+          <a:p>
+            <a:pPr marL="285750" indent="-285750">
+              <a:buFont typeface="Arial" panose="020B0604020202020204" pitchFamily="34" charset="0"/>
+              <a:buChar char="•"/>
+            </a:pPr>
+            <a:r>
+              <a:rPr lang="en-US" altLang="zh-TW" dirty="0" smtClean="0"/>
+              <a:t>defined the HR – AMI = DR, the </a:t>
+            </a:r>
+            <a:r>
+              <a:rPr lang="en-US" altLang="zh-TW" dirty="0"/>
+              <a:t>conditional </a:t>
+            </a:r>
+            <a:r>
+              <a:rPr lang="en-US" altLang="zh-TW" dirty="0" smtClean="0"/>
+              <a:t>uncertainty</a:t>
+            </a:r>
+          </a:p>
+          <a:p>
+            <a:pPr marL="285750" indent="-285750">
+              <a:buFont typeface="Arial" panose="020B0604020202020204" pitchFamily="34" charset="0"/>
+              <a:buChar char="•"/>
+            </a:pPr>
+            <a:r>
+              <a:rPr lang="en-US" altLang="zh-TW" dirty="0"/>
+              <a:t>As the AMI </a:t>
+            </a:r>
+            <a:r>
+              <a:rPr lang="en-US" altLang="zh-TW" dirty="0" smtClean="0"/>
+              <a:t>falls(= less constraints)  </a:t>
+            </a:r>
+            <a:r>
+              <a:rPr lang="en-US" altLang="zh-TW" dirty="0"/>
+              <a:t>in a system with increasing ‘choice’ (i.e. web-like </a:t>
+            </a:r>
+            <a:r>
+              <a:rPr lang="en-US" altLang="zh-TW" dirty="0" smtClean="0"/>
+              <a:t>structure; mature; complex structure), the </a:t>
+            </a:r>
+            <a:r>
+              <a:rPr lang="en-US" altLang="zh-TW" dirty="0"/>
+              <a:t>stability </a:t>
+            </a:r>
+            <a:r>
+              <a:rPr lang="en-US" altLang="zh-TW" dirty="0" smtClean="0"/>
+              <a:t>(DR) </a:t>
+            </a:r>
+            <a:r>
+              <a:rPr lang="en-US" altLang="zh-TW" dirty="0"/>
+              <a:t>has </a:t>
+            </a:r>
+            <a:r>
+              <a:rPr lang="en-US" altLang="zh-TW" dirty="0" smtClean="0"/>
+              <a:t>increased</a:t>
+            </a:r>
+            <a:endParaRPr lang="zh-TW" altLang="en-US" dirty="0"/>
+          </a:p>
+        </p:txBody>
+      </p:sp>
+      <p:pic>
+        <p:nvPicPr>
+          <p:cNvPr id="6" name="圖片 5"/>
+          <p:cNvPicPr>
+            <a:picLocks noChangeAspect="1"/>
+          </p:cNvPicPr>
+          <p:nvPr/>
+        </p:nvPicPr>
+        <p:blipFill>
+          <a:blip r:embed="rId2"/>
+          <a:stretch>
+            <a:fillRect/>
+          </a:stretch>
+        </p:blipFill>
+        <p:spPr>
+          <a:xfrm>
+            <a:off x="259755" y="1576371"/>
+            <a:ext cx="2236557" cy="1144285"/>
+          </a:xfrm>
+          <a:prstGeom prst="rect">
+            <a:avLst/>
+          </a:prstGeom>
+        </p:spPr>
+      </p:pic>
+      <p:sp>
+        <p:nvSpPr>
+          <p:cNvPr id="9" name="矩形 8"/>
+          <p:cNvSpPr/>
+          <p:nvPr/>
+        </p:nvSpPr>
+        <p:spPr>
+          <a:xfrm>
+            <a:off x="6247822" y="1913345"/>
+            <a:ext cx="418154" cy="249381"/>
+          </a:xfrm>
+          <a:prstGeom prst="rect">
+            <a:avLst/>
+          </a:prstGeom>
+          <a:solidFill>
+            <a:schemeClr val="accent1">
+              <a:alpha val="20000"/>
+            </a:schemeClr>
+          </a:solidFill>
+          <a:ln>
+            <a:noFill/>
+          </a:ln>
+        </p:spPr>
+        <p:style>
+          <a:lnRef idx="2">
+            <a:schemeClr val="accent1">
+              <a:shade val="50000"/>
+            </a:schemeClr>
+          </a:lnRef>
+          <a:fillRef idx="1">
+            <a:schemeClr val="accent1"/>
+          </a:fillRef>
+          <a:effectRef idx="0">
+            <a:schemeClr val="accent1"/>
+          </a:effectRef>
+          <a:fontRef idx="minor">
+            <a:schemeClr val="lt1"/>
+          </a:fontRef>
+        </p:style>
+        <p:txBody>
+          <a:bodyPr rtlCol="0" anchor="ctr"/>
+          <a:lstStyle/>
+          <a:p>
+            <a:pPr algn="ctr"/>
+            <a:endParaRPr lang="zh-TW" altLang="en-US"/>
+          </a:p>
+        </p:txBody>
+      </p:sp>
+      <p:sp>
+        <p:nvSpPr>
+          <p:cNvPr id="10" name="矩形 9"/>
+          <p:cNvSpPr/>
+          <p:nvPr/>
+        </p:nvSpPr>
+        <p:spPr>
+          <a:xfrm>
+            <a:off x="5371473" y="1506420"/>
+            <a:ext cx="5590954" cy="369332"/>
+          </a:xfrm>
+          <a:prstGeom prst="rect">
+            <a:avLst/>
+          </a:prstGeom>
+        </p:spPr>
+        <p:txBody>
+          <a:bodyPr wrap="none">
+            <a:spAutoFit/>
+          </a:bodyPr>
+          <a:lstStyle/>
+          <a:p>
+            <a:r>
+              <a:rPr lang="en-US" altLang="zh-TW" dirty="0" smtClean="0">
+                <a:solidFill>
+                  <a:schemeClr val="accent1"/>
+                </a:solidFill>
+              </a:rPr>
+              <a:t>Diversity,</a:t>
+            </a:r>
+            <a:r>
+              <a:rPr lang="en-US" altLang="zh-TW" dirty="0">
+                <a:solidFill>
+                  <a:schemeClr val="accent1"/>
+                </a:solidFill>
+              </a:rPr>
+              <a:t> the effective number of choices for energy flow</a:t>
+            </a:r>
+            <a:r>
+              <a:rPr lang="en-US" altLang="zh-TW" dirty="0" smtClean="0">
+                <a:solidFill>
+                  <a:schemeClr val="accent1"/>
+                </a:solidFill>
+              </a:rPr>
+              <a:t> </a:t>
+            </a:r>
+            <a:endParaRPr lang="zh-TW" altLang="en-US" dirty="0">
+              <a:solidFill>
+                <a:schemeClr val="accent1"/>
+              </a:solidFill>
+            </a:endParaRPr>
+          </a:p>
+        </p:txBody>
+      </p:sp>
+      <p:sp>
+        <p:nvSpPr>
+          <p:cNvPr id="12" name="矩形 11"/>
+          <p:cNvSpPr/>
+          <p:nvPr/>
+        </p:nvSpPr>
+        <p:spPr>
+          <a:xfrm>
+            <a:off x="2706024" y="3314518"/>
+            <a:ext cx="9254328" cy="923330"/>
+          </a:xfrm>
+          <a:prstGeom prst="rect">
+            <a:avLst/>
+          </a:prstGeom>
+        </p:spPr>
+        <p:txBody>
+          <a:bodyPr wrap="square">
+            <a:spAutoFit/>
+          </a:bodyPr>
+          <a:lstStyle/>
+          <a:p>
+            <a:r>
+              <a:rPr lang="en-US" altLang="zh-TW" dirty="0" err="1" smtClean="0"/>
+              <a:t>Ulanowicz</a:t>
+            </a:r>
+            <a:r>
+              <a:rPr lang="en-US" altLang="zh-TW" dirty="0" smtClean="0"/>
+              <a:t> </a:t>
+            </a:r>
+            <a:r>
+              <a:rPr lang="en-US" altLang="zh-TW" dirty="0"/>
+              <a:t>(1980, 1986, 1997) </a:t>
+            </a:r>
+            <a:endParaRPr lang="en-US" altLang="zh-TW" dirty="0" smtClean="0"/>
+          </a:p>
+          <a:p>
+            <a:pPr marL="285750" indent="-285750">
+              <a:buFont typeface="Arial" panose="020B0604020202020204" pitchFamily="34" charset="0"/>
+              <a:buChar char="•"/>
+            </a:pPr>
+            <a:r>
+              <a:rPr lang="en-US" altLang="zh-TW" dirty="0" smtClean="0"/>
+              <a:t>held </a:t>
+            </a:r>
+            <a:r>
+              <a:rPr lang="en-US" altLang="zh-TW" dirty="0"/>
+              <a:t>the opposite </a:t>
+            </a:r>
+            <a:r>
+              <a:rPr lang="en-US" altLang="zh-TW" dirty="0" smtClean="0"/>
+              <a:t>view: the </a:t>
+            </a:r>
+            <a:r>
+              <a:rPr lang="en-US" altLang="zh-TW" dirty="0"/>
+              <a:t>AMI should increase with </a:t>
+            </a:r>
+            <a:r>
+              <a:rPr lang="en-US" altLang="zh-TW" dirty="0" smtClean="0"/>
+              <a:t>development</a:t>
+            </a:r>
+          </a:p>
+          <a:p>
+            <a:pPr marL="285750" indent="-285750">
+              <a:buFont typeface="Arial" panose="020B0604020202020204" pitchFamily="34" charset="0"/>
+              <a:buChar char="•"/>
+            </a:pPr>
+            <a:r>
+              <a:rPr lang="en-US" altLang="zh-TW" dirty="0" smtClean="0"/>
+              <a:t>AMI would </a:t>
+            </a:r>
+            <a:r>
+              <a:rPr lang="en-US" altLang="zh-TW" dirty="0"/>
+              <a:t>indicate a refining of the network to distinctly constrained flow patterns.</a:t>
+            </a:r>
+            <a:endParaRPr lang="zh-TW" altLang="en-US" dirty="0"/>
+          </a:p>
+        </p:txBody>
+      </p:sp>
+    </p:spTree>
+    <p:extLst>
+      <p:ext uri="{BB962C8B-B14F-4D97-AF65-F5344CB8AC3E}">
+        <p14:creationId xmlns:p14="http://schemas.microsoft.com/office/powerpoint/2010/main" val="148408410"/>
       </p:ext>
     </p:extLst>
   </p:cSld>
@@ -4315,13 +8779,13 @@
               <p:nvPr>
                 <p:extLst>
                   <p:ext uri="{D42A27DB-BD31-4B8C-83A1-F6EECF244321}">
-                    <p14:modId xmlns:p14="http://schemas.microsoft.com/office/powerpoint/2010/main" val="457045014"/>
+                    <p14:modId xmlns:p14="http://schemas.microsoft.com/office/powerpoint/2010/main" val="320523148"/>
                   </p:ext>
                 </p:extLst>
               </p:nvPr>
             </p:nvGraphicFramePr>
             <p:xfrm>
-              <a:off x="6515312" y="94102"/>
+              <a:off x="3289973" y="202167"/>
               <a:ext cx="5274310" cy="6528567"/>
             </p:xfrm>
             <a:graphic>
@@ -5009,12 +9473,12 @@
                             </m:oMath>
                           </a14:m>
                           <a:r>
-                            <a:rPr lang="en-US" sz="1400" kern="0">
+                            <a:rPr lang="en-US" sz="1400" kern="0" dirty="0">
                               <a:effectLst/>
                             </a:rPr>
                             <a:t> </a:t>
                           </a:r>
-                          <a:endParaRPr lang="zh-TW" sz="2400" kern="100">
+                          <a:endParaRPr lang="zh-TW" sz="2400" kern="100" dirty="0">
                             <a:effectLst/>
                             <a:latin typeface="Times New Roman" panose="02020603050405020304" pitchFamily="18" charset="0"/>
                             <a:ea typeface="新細明體" panose="02020500000000000000" pitchFamily="18" charset="-120"/>
@@ -6271,13 +10735,13 @@
               <p:nvPr>
                 <p:extLst>
                   <p:ext uri="{D42A27DB-BD31-4B8C-83A1-F6EECF244321}">
-                    <p14:modId xmlns:p14="http://schemas.microsoft.com/office/powerpoint/2010/main" val="457045014"/>
+                    <p14:modId xmlns:p14="http://schemas.microsoft.com/office/powerpoint/2010/main" val="320523148"/>
                   </p:ext>
                 </p:extLst>
               </p:nvPr>
             </p:nvGraphicFramePr>
             <p:xfrm>
-              <a:off x="6515312" y="94102"/>
+              <a:off x="3289973" y="202167"/>
               <a:ext cx="5274310" cy="6528567"/>
             </p:xfrm>
             <a:graphic>
@@ -7452,8 +11916,8 @@
             </a:p>
           </p:txBody>
         </p:sp>
-        <mc:AlternateContent xmlns:mc="http://schemas.openxmlformats.org/markup-compatibility/2006">
-          <mc:Choice xmlns:a14="http://schemas.microsoft.com/office/drawing/2010/main" Requires="a14">
+        <mc:AlternateContent xmlns:mc="http://schemas.openxmlformats.org/markup-compatibility/2006" xmlns:a14="http://schemas.microsoft.com/office/drawing/2010/main">
+          <mc:Choice Requires="a14">
             <p:sp>
               <p:nvSpPr>
                 <p:cNvPr id="10" name="矩形 9"/>
@@ -7731,7 +12195,7 @@
               </p:txBody>
             </p:sp>
           </mc:Choice>
-          <mc:Fallback>
+          <mc:Fallback xmlns="">
             <p:sp>
               <p:nvSpPr>
                 <p:cNvPr id="10" name="矩形 9"/>
@@ -7780,9 +12244,9 @@
         <p:grpSpPr>
           <a:xfrm>
             <a:off x="239955" y="5357535"/>
-            <a:ext cx="10961298" cy="1105924"/>
+            <a:ext cx="10961298" cy="828925"/>
             <a:chOff x="345750" y="5931540"/>
-            <a:chExt cx="10961298" cy="1105924"/>
+            <a:chExt cx="10961298" cy="828925"/>
           </a:xfrm>
         </p:grpSpPr>
         <p:sp>
@@ -7837,8 +12301,8 @@
             </a:p>
           </p:txBody>
         </p:sp>
-        <mc:AlternateContent xmlns:mc="http://schemas.openxmlformats.org/markup-compatibility/2006" xmlns:a14="http://schemas.microsoft.com/office/drawing/2010/main">
-          <mc:Choice Requires="a14">
+        <mc:AlternateContent xmlns:mc="http://schemas.openxmlformats.org/markup-compatibility/2006">
+          <mc:Choice xmlns:a14="http://schemas.microsoft.com/office/drawing/2010/main" Requires="a14">
             <p:sp>
               <p:nvSpPr>
                 <p:cNvPr id="11" name="矩形 10"/>
@@ -7848,7 +12312,7 @@
               <p:spPr>
                 <a:xfrm>
                   <a:off x="345750" y="6391133"/>
-                  <a:ext cx="10961298" cy="646331"/>
+                  <a:ext cx="10961298" cy="369332"/>
                 </a:xfrm>
                 <a:prstGeom prst="rect">
                   <a:avLst/>
@@ -7911,21 +12375,10 @@
                   </a14:m>
                   <a:endParaRPr lang="en-US" altLang="zh-TW" dirty="0" smtClean="0"/>
                 </a:p>
-                <a:p>
-                  <a:pPr marL="285750" indent="-285750">
-                    <a:buFont typeface="Arial" panose="020B0604020202020204" pitchFamily="34" charset="0"/>
-                    <a:buChar char="•"/>
-                  </a:pPr>
-                  <a:r>
-                    <a:rPr lang="en-US" altLang="zh-TW" dirty="0" smtClean="0"/>
-                    <a:t>Interpretation:</a:t>
-                  </a:r>
-                  <a:endParaRPr lang="zh-TW" altLang="en-US" dirty="0"/>
-                </a:p>
               </p:txBody>
             </p:sp>
           </mc:Choice>
-          <mc:Fallback xmlns="">
+          <mc:Fallback>
             <p:sp>
               <p:nvSpPr>
                 <p:cNvPr id="11" name="矩形 10"/>
@@ -7937,7 +12390,7 @@
               <p:spPr>
                 <a:xfrm>
                   <a:off x="345750" y="6391133"/>
-                  <a:ext cx="10961298" cy="646331"/>
+                  <a:ext cx="10961298" cy="369332"/>
                 </a:xfrm>
                 <a:prstGeom prst="rect">
                   <a:avLst/>
@@ -7945,7 +12398,7 @@
                 <a:blipFill>
                   <a:blip r:embed="rId4"/>
                   <a:stretch>
-                    <a:fillRect l="-389" t="-4717" b="-14151"/>
+                    <a:fillRect l="-334" t="-8197" b="-24590"/>
                   </a:stretch>
                 </a:blipFill>
               </p:spPr>
@@ -8705,9 +13158,9 @@
         <p:grpSpPr>
           <a:xfrm>
             <a:off x="189372" y="787594"/>
-            <a:ext cx="10961298" cy="1782413"/>
+            <a:ext cx="7898912" cy="2059412"/>
             <a:chOff x="583875" y="5084244"/>
-            <a:chExt cx="10961298" cy="1782413"/>
+            <a:chExt cx="7898912" cy="2059412"/>
           </a:xfrm>
         </p:grpSpPr>
         <p:sp>
@@ -8753,8 +13206,8 @@
             </a:p>
           </p:txBody>
         </p:sp>
-        <mc:AlternateContent xmlns:mc="http://schemas.openxmlformats.org/markup-compatibility/2006" xmlns:a14="http://schemas.microsoft.com/office/drawing/2010/main">
-          <mc:Choice Requires="a14">
+        <mc:AlternateContent xmlns:mc="http://schemas.openxmlformats.org/markup-compatibility/2006">
+          <mc:Choice xmlns:a14="http://schemas.microsoft.com/office/drawing/2010/main" Requires="a14">
             <p:sp>
               <p:nvSpPr>
                 <p:cNvPr id="10" name="矩形 9"/>
@@ -8764,7 +13217,7 @@
               <p:spPr>
                 <a:xfrm>
                   <a:off x="583875" y="5515005"/>
-                  <a:ext cx="10961298" cy="1351652"/>
+                  <a:ext cx="7898912" cy="1628651"/>
                 </a:xfrm>
                 <a:prstGeom prst="rect">
                   <a:avLst/>
@@ -8894,12 +13347,16 @@
                     <a:t>all large complex dynamic systems may be expected to show the property of being stable up to a critical level of </a:t>
                   </a:r>
                   <a:r>
-                    <a:rPr lang="en-US" altLang="zh-TW" dirty="0" err="1"/>
-                    <a:t>conncctancc</a:t>
+                    <a:rPr lang="en-US" altLang="zh-TW" dirty="0" err="1" smtClean="0"/>
+                    <a:t>connectance</a:t>
+                  </a:r>
+                  <a:r>
+                    <a:rPr lang="en-US" altLang="zh-TW" dirty="0" smtClean="0"/>
+                    <a:t>, </a:t>
                   </a:r>
                   <a:r>
                     <a:rPr lang="en-US" altLang="zh-TW" dirty="0"/>
-                    <a:t>, and then, as the </a:t>
+                    <a:t>and then, as the </a:t>
                   </a:r>
                   <a:r>
                     <a:rPr lang="en-US" altLang="zh-TW" dirty="0" err="1"/>
@@ -8934,7 +13391,7 @@
               </p:txBody>
             </p:sp>
           </mc:Choice>
-          <mc:Fallback xmlns="">
+          <mc:Fallback>
             <p:sp>
               <p:nvSpPr>
                 <p:cNvPr id="10" name="矩形 9"/>
@@ -8946,7 +13403,7 @@
               <p:spPr>
                 <a:xfrm>
                   <a:off x="583875" y="5515005"/>
-                  <a:ext cx="10961298" cy="1351652"/>
+                  <a:ext cx="7898912" cy="1628651"/>
                 </a:xfrm>
                 <a:prstGeom prst="rect">
                   <a:avLst/>
@@ -8954,7 +13411,7 @@
                 <a:blipFill>
                   <a:blip r:embed="rId2"/>
                   <a:stretch>
-                    <a:fillRect l="-334" b="-6306"/>
+                    <a:fillRect l="-463" b="-5243"/>
                   </a:stretch>
                 </a:blipFill>
               </p:spPr>
@@ -8982,10 +13439,10 @@
         </p:nvGrpSpPr>
         <p:grpSpPr>
           <a:xfrm>
-            <a:off x="189372" y="2758885"/>
-            <a:ext cx="10961298" cy="1970029"/>
+            <a:off x="189372" y="3050831"/>
+            <a:ext cx="10961298" cy="1946176"/>
             <a:chOff x="583875" y="5084244"/>
-            <a:chExt cx="10961298" cy="1970029"/>
+            <a:chExt cx="10961298" cy="1946176"/>
           </a:xfrm>
         </p:grpSpPr>
         <mc:AlternateContent xmlns:mc="http://schemas.openxmlformats.org/markup-compatibility/2006" xmlns:a14="http://schemas.microsoft.com/office/drawing/2010/main">
@@ -9109,8 +13566,8 @@
             </p:sp>
           </mc:Fallback>
         </mc:AlternateContent>
-        <mc:AlternateContent xmlns:mc="http://schemas.openxmlformats.org/markup-compatibility/2006" xmlns:a14="http://schemas.microsoft.com/office/drawing/2010/main">
-          <mc:Choice Requires="a14">
+        <mc:AlternateContent xmlns:mc="http://schemas.openxmlformats.org/markup-compatibility/2006">
+          <mc:Choice xmlns:a14="http://schemas.microsoft.com/office/drawing/2010/main" Requires="a14">
             <p:sp>
               <p:nvSpPr>
                 <p:cNvPr id="13" name="矩形 12"/>
@@ -9120,7 +13577,7 @@
               <p:spPr>
                 <a:xfrm>
                   <a:off x="583875" y="5515005"/>
-                  <a:ext cx="10961298" cy="1539268"/>
+                  <a:ext cx="10961298" cy="1515415"/>
                 </a:xfrm>
                 <a:prstGeom prst="rect">
                   <a:avLst/>
@@ -9325,14 +13782,25 @@
                   </a:pPr>
                   <a:r>
                     <a:rPr lang="en-US" altLang="zh-TW" dirty="0" smtClean="0"/>
-                    <a:t>Interpretation: ranging between 0 and 1</a:t>
+                    <a:t>Interpretation: ranging between 0 and </a:t>
                   </a:r>
-                  <a:br>
-                    <a:rPr lang="en-US" altLang="zh-TW" dirty="0" smtClean="0"/>
-                  </a:br>
                   <a:r>
                     <a:rPr lang="en-US" altLang="zh-TW" dirty="0" smtClean="0"/>
-                    <a:t>measures the degree of connectedness of subsystems within a network, with higher values of </a:t>
+                    <a:t>1</a:t>
+                  </a:r>
+                </a:p>
+                <a:p>
+                  <a:pPr marL="285750" indent="-285750">
+                    <a:buFont typeface="Arial" panose="020B0604020202020204" pitchFamily="34" charset="0"/>
+                    <a:buChar char="•"/>
+                  </a:pPr>
+                  <a:r>
+                    <a:rPr lang="en-US" altLang="zh-TW" dirty="0" smtClean="0"/>
+                    <a:t>measures </a:t>
+                  </a:r>
+                  <a:r>
+                    <a:rPr lang="en-US" altLang="zh-TW" dirty="0" smtClean="0"/>
+                    <a:t>the degree of connectedness of subsystems within a network, with higher values of </a:t>
                   </a:r>
                   <a14:m>
                     <m:oMath xmlns:m="http://schemas.openxmlformats.org/officeDocument/2006/math">
@@ -9375,14 +13843,18 @@
                   </a:r>
                   <a:r>
                     <a:rPr lang="en-US" altLang="zh-TW" dirty="0" smtClean="0"/>
-                    <a:t> and Lawton, 1980). </a:t>
+                    <a:t> and Lawton, 1980</a:t>
+                  </a:r>
+                  <a:r>
+                    <a:rPr lang="en-US" altLang="zh-TW" dirty="0" smtClean="0"/>
+                    <a:t>)</a:t>
                   </a:r>
                   <a:endParaRPr lang="zh-TW" altLang="en-US" dirty="0"/>
                 </a:p>
               </p:txBody>
             </p:sp>
           </mc:Choice>
-          <mc:Fallback xmlns="">
+          <mc:Fallback>
             <p:sp>
               <p:nvSpPr>
                 <p:cNvPr id="13" name="矩形 12"/>
@@ -9394,7 +13866,7 @@
               <p:spPr>
                 <a:xfrm>
                   <a:off x="583875" y="5515005"/>
-                  <a:ext cx="10961298" cy="1539268"/>
+                  <a:ext cx="10961298" cy="1515415"/>
                 </a:xfrm>
                 <a:prstGeom prst="rect">
                   <a:avLst/>
@@ -9402,7 +13874,7 @@
                 <a:blipFill>
                   <a:blip r:embed="rId4"/>
                   <a:stretch>
-                    <a:fillRect l="-334" t="-24901" b="-3557"/>
+                    <a:fillRect l="-334" t="-25301" b="-5221"/>
                   </a:stretch>
                 </a:blipFill>
               </p:spPr>
@@ -9422,6 +13894,29 @@
           </mc:Fallback>
         </mc:AlternateContent>
       </p:grpSp>
+      <p:pic>
+        <p:nvPicPr>
+          <p:cNvPr id="2" name="圖片 1"/>
+          <p:cNvPicPr>
+            <a:picLocks noChangeAspect="1"/>
+          </p:cNvPicPr>
+          <p:nvPr/>
+        </p:nvPicPr>
+        <p:blipFill rotWithShape="1">
+          <a:blip r:embed="rId5"/>
+          <a:srcRect l="51021" t="27276" r="9463" b="4193"/>
+          <a:stretch/>
+        </p:blipFill>
+        <p:spPr>
+          <a:xfrm>
+            <a:off x="7992197" y="143354"/>
+            <a:ext cx="3873513" cy="3778652"/>
+          </a:xfrm>
+          <a:prstGeom prst="rect">
+            <a:avLst/>
+          </a:prstGeom>
+        </p:spPr>
+      </p:pic>
     </p:spTree>
     <p:extLst>
       <p:ext uri="{BB962C8B-B14F-4D97-AF65-F5344CB8AC3E}">
@@ -9527,8 +14022,8 @@
             </a:p>
           </p:txBody>
         </p:sp>
-        <mc:AlternateContent xmlns:mc="http://schemas.openxmlformats.org/markup-compatibility/2006" xmlns:a14="http://schemas.microsoft.com/office/drawing/2010/main">
-          <mc:Choice Requires="a14">
+        <mc:AlternateContent xmlns:mc="http://schemas.openxmlformats.org/markup-compatibility/2006">
+          <mc:Choice xmlns:a14="http://schemas.microsoft.com/office/drawing/2010/main" Requires="a14">
             <p:sp>
               <p:nvSpPr>
                 <p:cNvPr id="6" name="矩形 5"/>
@@ -9669,15 +14164,7 @@
                         <a:srgbClr val="111111"/>
                       </a:solidFill>
                     </a:rPr>
-                    <a:t>For example: if </a:t>
-                  </a:r>
-                  <a:r>
-                    <a:rPr lang="en-US" altLang="zh-TW" dirty="0">
-                      <a:solidFill>
-                        <a:srgbClr val="111111"/>
-                      </a:solidFill>
-                    </a:rPr>
-                    <a:t>the </a:t>
+                    <a:t>e.g. if </a:t>
                   </a:r>
                   <a:r>
                     <a:rPr lang="en-US" altLang="zh-TW" dirty="0" smtClean="0">
@@ -9758,7 +14245,7 @@
               </p:txBody>
             </p:sp>
           </mc:Choice>
-          <mc:Fallback xmlns="">
+          <mc:Fallback>
             <p:sp>
               <p:nvSpPr>
                 <p:cNvPr id="6" name="矩形 5"/>
@@ -9778,7 +14265,7 @@
                 <a:blipFill>
                   <a:blip r:embed="rId2"/>
                   <a:stretch>
-                    <a:fillRect l="-307" r="-154" b="-2709"/>
+                    <a:fillRect l="-307" r="-768" b="-2709"/>
                   </a:stretch>
                 </a:blipFill>
               </p:spPr>
@@ -10291,10 +14778,10 @@
         </p:nvGrpSpPr>
         <p:grpSpPr>
           <a:xfrm>
-            <a:off x="189372" y="2295642"/>
-            <a:ext cx="11909584" cy="1175957"/>
+            <a:off x="189372" y="2392875"/>
+            <a:ext cx="11909584" cy="898958"/>
             <a:chOff x="391932" y="4719208"/>
-            <a:chExt cx="10961298" cy="1175957"/>
+            <a:chExt cx="10961298" cy="898958"/>
           </a:xfrm>
         </p:grpSpPr>
         <p:sp>
@@ -10369,8 +14856,8 @@
             </a:p>
           </p:txBody>
         </p:sp>
-        <mc:AlternateContent xmlns:mc="http://schemas.openxmlformats.org/markup-compatibility/2006" xmlns:a14="http://schemas.microsoft.com/office/drawing/2010/main">
-          <mc:Choice Requires="a14">
+        <mc:AlternateContent xmlns:mc="http://schemas.openxmlformats.org/markup-compatibility/2006">
+          <mc:Choice xmlns:a14="http://schemas.microsoft.com/office/drawing/2010/main" Requires="a14">
             <p:sp>
               <p:nvSpPr>
                 <p:cNvPr id="13" name="矩形 12"/>
@@ -10380,7 +14867,7 @@
               <p:spPr>
                 <a:xfrm>
                   <a:off x="391932" y="5016463"/>
-                  <a:ext cx="10961298" cy="878702"/>
+                  <a:ext cx="10961298" cy="601703"/>
                 </a:xfrm>
                 <a:prstGeom prst="rect">
                   <a:avLst/>
@@ -10773,25 +15260,10 @@
                   </a14:m>
                   <a:endParaRPr lang="en-US" altLang="zh-TW" dirty="0" smtClean="0"/>
                 </a:p>
-                <a:p>
-                  <a:pPr marL="285750" indent="-285750">
-                    <a:buFont typeface="Arial" panose="020B0604020202020204" pitchFamily="34" charset="0"/>
-                    <a:buChar char="•"/>
-                  </a:pPr>
-                  <a:r>
-                    <a:rPr lang="en-US" altLang="zh-TW" dirty="0"/>
-                    <a:t>Interpretation</a:t>
-                  </a:r>
-                  <a:r>
-                    <a:rPr lang="en-US" altLang="zh-TW" dirty="0" smtClean="0"/>
-                    <a:t>:</a:t>
-                  </a:r>
-                  <a:endParaRPr lang="zh-TW" altLang="en-US" dirty="0"/>
-                </a:p>
               </p:txBody>
             </p:sp>
           </mc:Choice>
-          <mc:Fallback xmlns="">
+          <mc:Fallback>
             <p:sp>
               <p:nvSpPr>
                 <p:cNvPr id="13" name="矩形 12"/>
@@ -10803,7 +15275,7 @@
               <p:spPr>
                 <a:xfrm>
                   <a:off x="391932" y="5016463"/>
-                  <a:ext cx="10961298" cy="878702"/>
+                  <a:ext cx="10961298" cy="601703"/>
                 </a:xfrm>
                 <a:prstGeom prst="rect">
                   <a:avLst/>
@@ -10811,7 +15283,7 @@
                 <a:blipFill>
                   <a:blip r:embed="rId4"/>
                   <a:stretch>
-                    <a:fillRect l="-307" b="-10417"/>
+                    <a:fillRect l="-307"/>
                   </a:stretch>
                 </a:blipFill>
               </p:spPr>
@@ -11328,10 +15800,18 @@
                         <a:srgbClr val="111111"/>
                       </a:solidFill>
                     </a:rPr>
-                    <a:t>. It was found to be correlated to soil stress (Tobor-</a:t>
+                    <a:t>. It was found to be correlated to soil stress (</a:t>
                   </a:r>
                   <a:r>
-                    <a:rPr lang="en-US" altLang="zh-TW" dirty="0" err="1">
+                    <a:rPr lang="en-US" altLang="zh-TW" dirty="0" smtClean="0">
+                      <a:solidFill>
+                        <a:srgbClr val="111111"/>
+                      </a:solidFill>
+                    </a:rPr>
+                    <a:t>Tobor-</a:t>
+                  </a:r>
+                  <a:r>
+                    <a:rPr lang="en-US" altLang="zh-TW" dirty="0" err="1" smtClean="0">
                       <a:solidFill>
                         <a:srgbClr val="111111"/>
                       </a:solidFill>
@@ -11339,12 +15819,20 @@
                     <a:t>Kaplon</a:t>
                   </a:r>
                   <a:r>
+                    <a:rPr lang="en-US" altLang="zh-TW" dirty="0" smtClean="0">
+                      <a:solidFill>
+                        <a:srgbClr val="111111"/>
+                      </a:solidFill>
+                    </a:rPr>
+                    <a:t> </a:t>
+                  </a:r>
+                  <a:r>
                     <a:rPr lang="en-US" altLang="zh-TW" dirty="0">
                       <a:solidFill>
                         <a:srgbClr val="111111"/>
                       </a:solidFill>
                     </a:rPr>
-                    <a:t> et al. 2007), but not necessarily correlated to benthic sediment disturbance (Van </a:t>
+                    <a:t>et al. 2007), but not necessarily correlated to benthic sediment disturbance (Van </a:t>
                   </a:r>
                   <a:r>
                     <a:rPr lang="en-US" altLang="zh-TW" dirty="0" err="1">
@@ -11440,7 +15928,7 @@
         <p:spPr>
           <a:xfrm>
             <a:off x="189372" y="3351096"/>
-            <a:ext cx="2542171" cy="369332"/>
+            <a:ext cx="3220241" cy="369332"/>
           </a:xfrm>
           <a:prstGeom prst="rect">
             <a:avLst/>
@@ -11454,7 +15942,23 @@
           <a:p>
             <a:r>
               <a:rPr lang="nb-NO" altLang="zh-TW" dirty="0" smtClean="0"/>
-              <a:t>Latham and Scully (2002)</a:t>
+              <a:t>Check</a:t>
+            </a:r>
+            <a:r>
+              <a:rPr lang="en-US" altLang="zh-TW" dirty="0" smtClean="0"/>
+              <a:t>:</a:t>
+            </a:r>
+            <a:r>
+              <a:rPr lang="zh-TW" altLang="en-US" dirty="0" smtClean="0"/>
+              <a:t> </a:t>
+            </a:r>
+            <a:r>
+              <a:rPr lang="nb-NO" altLang="zh-TW" dirty="0" smtClean="0"/>
+              <a:t>Latham </a:t>
+            </a:r>
+            <a:r>
+              <a:rPr lang="nb-NO" altLang="zh-TW" dirty="0" smtClean="0"/>
+              <a:t>and Scully (2002)</a:t>
             </a:r>
             <a:endParaRPr lang="zh-TW" altLang="en-US" dirty="0"/>
           </a:p>
@@ -11492,25 +15996,6 @@
       </p:grpSpPr>
       <p:sp>
         <p:nvSpPr>
-          <p:cNvPr id="4" name="標題 3"/>
-          <p:cNvSpPr>
-            <a:spLocks noGrp="1"/>
-          </p:cNvSpPr>
-          <p:nvPr>
-            <p:ph type="title"/>
-          </p:nvPr>
-        </p:nvSpPr>
-        <p:spPr/>
-        <p:txBody>
-          <a:bodyPr/>
-          <a:lstStyle/>
-          <a:p>
-            <a:endParaRPr lang="zh-TW" altLang="en-US" dirty="0"/>
-          </a:p>
-        </p:txBody>
-      </p:sp>
-      <p:sp>
-        <p:nvSpPr>
           <p:cNvPr id="2" name="矩形 1"/>
           <p:cNvSpPr/>
           <p:nvPr/>
@@ -11536,14 +16021,14 @@
       </p:sp>
       <p:sp>
         <p:nvSpPr>
-          <p:cNvPr id="5" name="矩形 4"/>
+          <p:cNvPr id="6" name="矩形 5"/>
           <p:cNvSpPr/>
           <p:nvPr/>
         </p:nvSpPr>
         <p:spPr>
           <a:xfrm>
-            <a:off x="251602" y="1783895"/>
-            <a:ext cx="11688795" cy="4801314"/>
+            <a:off x="189372" y="281947"/>
+            <a:ext cx="4709887" cy="523220"/>
           </a:xfrm>
           <a:prstGeom prst="rect">
             <a:avLst/>
@@ -11556,529 +16041,163 @@
           <a:lstStyle/>
           <a:p>
             <a:r>
-              <a:rPr lang="en-US" altLang="zh-TW" dirty="0">
-                <a:solidFill>
-                  <a:srgbClr val="2E2E2E"/>
-                </a:solidFill>
-              </a:rPr>
-              <a:t>The topological size and </a:t>
-            </a:r>
-            <a:r>
-              <a:rPr lang="en-US" altLang="zh-TW" dirty="0" smtClean="0">
-                <a:solidFill>
-                  <a:srgbClr val="2E2E2E"/>
-                </a:solidFill>
-              </a:rPr>
-              <a:t>complexity:</a:t>
-            </a:r>
-          </a:p>
-          <a:p>
-            <a:r>
-              <a:rPr lang="en-US" altLang="zh-TW" dirty="0" smtClean="0">
-                <a:solidFill>
-                  <a:srgbClr val="2E2E2E"/>
-                </a:solidFill>
-              </a:rPr>
-              <a:t>the </a:t>
-            </a:r>
-            <a:r>
-              <a:rPr lang="en-US" altLang="zh-TW" dirty="0">
-                <a:solidFill>
-                  <a:srgbClr val="2E2E2E"/>
-                </a:solidFill>
-              </a:rPr>
-              <a:t>number of links (</a:t>
-            </a:r>
-            <a:r>
-              <a:rPr lang="en-US" altLang="zh-TW" i="1" dirty="0">
-                <a:solidFill>
-                  <a:srgbClr val="2E2E2E"/>
-                </a:solidFill>
-              </a:rPr>
-              <a:t>L</a:t>
-            </a:r>
-            <a:r>
-              <a:rPr lang="en-US" altLang="zh-TW" dirty="0">
-                <a:solidFill>
-                  <a:srgbClr val="2E2E2E"/>
-                </a:solidFill>
-              </a:rPr>
-              <a:t>), </a:t>
-            </a:r>
-            <a:endParaRPr lang="en-US" altLang="zh-TW" dirty="0" smtClean="0">
-              <a:solidFill>
-                <a:srgbClr val="2E2E2E"/>
-              </a:solidFill>
-            </a:endParaRPr>
-          </a:p>
-          <a:p>
-            <a:r>
-              <a:rPr lang="en-US" altLang="zh-TW" dirty="0" smtClean="0">
-                <a:solidFill>
-                  <a:srgbClr val="2E2E2E"/>
-                </a:solidFill>
-              </a:rPr>
-              <a:t>linkage </a:t>
-            </a:r>
-            <a:r>
-              <a:rPr lang="en-US" altLang="zh-TW" dirty="0">
-                <a:solidFill>
-                  <a:srgbClr val="2E2E2E"/>
-                </a:solidFill>
-              </a:rPr>
-              <a:t>density (</a:t>
-            </a:r>
-            <a:r>
-              <a:rPr lang="en-US" altLang="zh-TW" i="1" dirty="0">
-                <a:solidFill>
-                  <a:srgbClr val="2E2E2E"/>
-                </a:solidFill>
-              </a:rPr>
-              <a:t>LD</a:t>
-            </a:r>
-            <a:r>
-              <a:rPr lang="en-US" altLang="zh-TW" dirty="0" smtClean="0">
-                <a:solidFill>
-                  <a:srgbClr val="2E2E2E"/>
-                </a:solidFill>
-              </a:rPr>
-              <a:t>): the </a:t>
-            </a:r>
-            <a:r>
-              <a:rPr lang="en-US" altLang="zh-TW" dirty="0">
-                <a:solidFill>
-                  <a:srgbClr val="2E2E2E"/>
-                </a:solidFill>
-              </a:rPr>
-              <a:t>average number of links per </a:t>
-            </a:r>
-            <a:r>
-              <a:rPr lang="en-US" altLang="zh-TW" dirty="0" smtClean="0">
-                <a:solidFill>
-                  <a:srgbClr val="2E2E2E"/>
-                </a:solidFill>
-              </a:rPr>
-              <a:t>compartments</a:t>
-            </a:r>
-          </a:p>
-          <a:p>
-            <a:r>
-              <a:rPr lang="en-US" altLang="zh-TW" dirty="0" err="1" smtClean="0">
-                <a:solidFill>
-                  <a:srgbClr val="2E2E2E"/>
-                </a:solidFill>
-              </a:rPr>
-              <a:t>connectance</a:t>
-            </a:r>
-            <a:r>
-              <a:rPr lang="en-US" altLang="zh-TW" dirty="0" smtClean="0">
-                <a:solidFill>
-                  <a:srgbClr val="2E2E2E"/>
-                </a:solidFill>
-              </a:rPr>
+              <a:rPr lang="en-US" altLang="zh-TW" sz="2800" dirty="0" smtClean="0"/>
+              <a:t>Indices used in LIM studies:</a:t>
+            </a:r>
+            <a:endParaRPr lang="en-US" altLang="zh-TW" sz="2800" dirty="0"/>
+          </a:p>
+        </p:txBody>
+      </p:sp>
+      <p:sp>
+        <p:nvSpPr>
+          <p:cNvPr id="8" name="矩形 7"/>
+          <p:cNvSpPr/>
+          <p:nvPr/>
+        </p:nvSpPr>
+        <p:spPr>
+          <a:xfrm>
+            <a:off x="189372" y="1565440"/>
+            <a:ext cx="11479877" cy="2585323"/>
+          </a:xfrm>
+          <a:prstGeom prst="rect">
+            <a:avLst/>
+          </a:prstGeom>
+        </p:spPr>
+        <p:txBody>
+          <a:bodyPr wrap="square">
+            <a:spAutoFit/>
+          </a:bodyPr>
+          <a:lstStyle/>
+          <a:p>
+            <a:pPr marL="285750" indent="-285750">
+              <a:buFont typeface="Arial" panose="020B0604020202020204" pitchFamily="34" charset="0"/>
+              <a:buChar char="•"/>
+            </a:pPr>
+            <a:r>
+              <a:rPr lang="en-US" altLang="zh-TW" dirty="0" smtClean="0"/>
+              <a:t>T..</a:t>
+            </a:r>
+          </a:p>
+          <a:p>
+            <a:pPr marL="285750" indent="-285750">
+              <a:buFont typeface="Arial" panose="020B0604020202020204" pitchFamily="34" charset="0"/>
+              <a:buChar char="•"/>
+            </a:pPr>
+            <a:r>
+              <a:rPr lang="en-US" altLang="zh-TW" dirty="0" smtClean="0"/>
+              <a:t>FCI</a:t>
+            </a:r>
+          </a:p>
+          <a:p>
+            <a:pPr marL="285750" indent="-285750">
+              <a:buFont typeface="Arial" panose="020B0604020202020204" pitchFamily="34" charset="0"/>
+              <a:buChar char="•"/>
+            </a:pPr>
+            <a:r>
+              <a:rPr lang="en-US" altLang="zh-TW" dirty="0" smtClean="0"/>
+              <a:t>AMI</a:t>
+            </a:r>
+          </a:p>
+          <a:p>
+            <a:endParaRPr lang="en-US" altLang="zh-TW" dirty="0" smtClean="0"/>
+          </a:p>
+          <a:p>
+            <a:r>
+              <a:rPr lang="en-US" altLang="zh-TW" dirty="0" smtClean="0"/>
+              <a:t>The </a:t>
+            </a:r>
+            <a:r>
+              <a:rPr lang="en-US" altLang="zh-TW" dirty="0"/>
+              <a:t>network indices were compared between canyon sections by calculating the fraction of which the randomized set of indices of one canyon section is larger than that of another section</a:t>
+            </a:r>
+            <a:r>
+              <a:rPr lang="en-US" altLang="zh-TW" dirty="0" smtClean="0"/>
+              <a:t>.</a:t>
+            </a:r>
+          </a:p>
+          <a:p>
+            <a:r>
+              <a:rPr lang="en-US" altLang="zh-TW" dirty="0" smtClean="0"/>
+              <a:t>For </a:t>
+            </a:r>
+            <a:r>
+              <a:rPr lang="en-US" altLang="zh-TW" dirty="0"/>
+              <a:t>example, when this fraction is 0.90, this implies that 90% of the values of section 1 are larger than the ones of section 2 (and consequently 10% of the values are lower). We define differences of </a:t>
+            </a:r>
+            <a:r>
+              <a:rPr lang="en-US" altLang="zh-TW" dirty="0" smtClean="0"/>
+              <a:t>&gt; 90</a:t>
+            </a:r>
+            <a:r>
+              <a:rPr lang="en-US" altLang="zh-TW" dirty="0"/>
+              <a:t>% and </a:t>
+            </a:r>
+            <a:r>
+              <a:rPr lang="en-US" altLang="zh-TW" dirty="0" smtClean="0"/>
+              <a:t>&lt; 10</a:t>
+            </a:r>
+            <a:r>
+              <a:rPr lang="en-US" altLang="zh-TW" dirty="0"/>
+              <a:t>% as significant difference and </a:t>
+            </a:r>
+            <a:r>
+              <a:rPr lang="en-US" altLang="zh-TW" dirty="0" smtClean="0"/>
+              <a:t>&gt; 95</a:t>
+            </a:r>
+            <a:r>
+              <a:rPr lang="en-US" altLang="zh-TW" dirty="0"/>
+              <a:t>% and </a:t>
+            </a:r>
+            <a:r>
+              <a:rPr lang="en-US" altLang="zh-TW" dirty="0" smtClean="0"/>
+              <a:t>&lt; 5</a:t>
+            </a:r>
+            <a:r>
+              <a:rPr lang="en-US" altLang="zh-TW" dirty="0"/>
+              <a:t>% as highly significant difference</a:t>
+            </a:r>
+            <a:endParaRPr lang="zh-TW" altLang="en-US" dirty="0"/>
+          </a:p>
+        </p:txBody>
+      </p:sp>
+      <p:sp>
+        <p:nvSpPr>
+          <p:cNvPr id="9" name="矩形 8"/>
+          <p:cNvSpPr/>
+          <p:nvPr/>
+        </p:nvSpPr>
+        <p:spPr>
+          <a:xfrm>
+            <a:off x="189372" y="1067920"/>
+            <a:ext cx="2478307" cy="369332"/>
+          </a:xfrm>
+          <a:prstGeom prst="rect">
+            <a:avLst/>
+          </a:prstGeom>
+        </p:spPr>
+        <p:txBody>
+          <a:bodyPr wrap="none">
+            <a:spAutoFit/>
+          </a:bodyPr>
+          <a:lstStyle/>
+          <a:p>
+            <a:r>
+              <a:rPr lang="en-US" altLang="zh-TW" b="1" dirty="0"/>
+              <a:t>van </a:t>
+            </a:r>
+            <a:r>
+              <a:rPr lang="en-US" altLang="zh-TW" b="1" dirty="0" err="1" smtClean="0"/>
+              <a:t>Oevelen</a:t>
+            </a:r>
+            <a:r>
+              <a:rPr lang="zh-TW" altLang="en-US" b="1" dirty="0" smtClean="0"/>
               <a:t> </a:t>
             </a:r>
             <a:r>
-              <a:rPr lang="en-US" altLang="zh-TW" dirty="0">
-                <a:solidFill>
-                  <a:srgbClr val="2E2E2E"/>
-                </a:solidFill>
-              </a:rPr>
-              <a:t>(</a:t>
-            </a:r>
-            <a:r>
-              <a:rPr lang="en-US" altLang="zh-TW" i="1" dirty="0">
-                <a:solidFill>
-                  <a:srgbClr val="2E2E2E"/>
-                </a:solidFill>
-              </a:rPr>
-              <a:t>C</a:t>
-            </a:r>
-            <a:r>
-              <a:rPr lang="en-US" altLang="zh-TW" dirty="0" smtClean="0">
-                <a:solidFill>
-                  <a:srgbClr val="2E2E2E"/>
-                </a:solidFill>
-              </a:rPr>
-              <a:t>): the </a:t>
-            </a:r>
-            <a:r>
-              <a:rPr lang="en-US" altLang="zh-TW" dirty="0">
-                <a:solidFill>
-                  <a:srgbClr val="2E2E2E"/>
-                </a:solidFill>
-              </a:rPr>
-              <a:t>proportion of </a:t>
-            </a:r>
-            <a:r>
-              <a:rPr lang="en-US" altLang="zh-TW" dirty="0" err="1">
-                <a:solidFill>
-                  <a:srgbClr val="2E2E2E"/>
-                </a:solidFill>
-              </a:rPr>
-              <a:t>realised</a:t>
-            </a:r>
-            <a:r>
-              <a:rPr lang="en-US" altLang="zh-TW" dirty="0">
-                <a:solidFill>
-                  <a:srgbClr val="2E2E2E"/>
-                </a:solidFill>
-              </a:rPr>
-              <a:t> links (</a:t>
-            </a:r>
-            <a:r>
-              <a:rPr lang="en-US" altLang="zh-TW" dirty="0">
-                <a:solidFill>
-                  <a:srgbClr val="0C7DBB"/>
-                </a:solidFill>
-                <a:hlinkClick r:id="rId2"/>
-              </a:rPr>
-              <a:t>Gardner and Ashby, 1970</a:t>
-            </a:r>
-            <a:r>
-              <a:rPr lang="en-US" altLang="zh-TW" dirty="0">
-                <a:solidFill>
-                  <a:srgbClr val="2E2E2E"/>
-                </a:solidFill>
-              </a:rPr>
-              <a:t>). </a:t>
-            </a:r>
-            <a:endParaRPr lang="en-US" altLang="zh-TW" dirty="0" smtClean="0">
-              <a:solidFill>
-                <a:srgbClr val="2E2E2E"/>
-              </a:solidFill>
-            </a:endParaRPr>
-          </a:p>
-          <a:p>
-            <a:endParaRPr lang="en-US" altLang="zh-TW" dirty="0">
-              <a:solidFill>
-                <a:srgbClr val="2E2E2E"/>
-              </a:solidFill>
-            </a:endParaRPr>
-          </a:p>
-          <a:p>
-            <a:r>
-              <a:rPr lang="en-US" altLang="zh-TW" dirty="0" smtClean="0">
-                <a:solidFill>
-                  <a:srgbClr val="2E2E2E"/>
-                </a:solidFill>
-              </a:rPr>
-              <a:t>Trophic </a:t>
-            </a:r>
-            <a:r>
-              <a:rPr lang="en-US" altLang="zh-TW" dirty="0">
-                <a:solidFill>
-                  <a:srgbClr val="2E2E2E"/>
-                </a:solidFill>
-              </a:rPr>
-              <a:t>level (</a:t>
-            </a:r>
-            <a:r>
-              <a:rPr lang="en-US" altLang="zh-TW" i="1" dirty="0">
-                <a:solidFill>
-                  <a:srgbClr val="2E2E2E"/>
-                </a:solidFill>
-              </a:rPr>
-              <a:t>TL</a:t>
-            </a:r>
-            <a:r>
-              <a:rPr lang="en-US" altLang="zh-TW" dirty="0" smtClean="0">
-                <a:solidFill>
-                  <a:srgbClr val="2E2E2E"/>
-                </a:solidFill>
-              </a:rPr>
-              <a:t>): </a:t>
-            </a:r>
-            <a:r>
-              <a:rPr lang="en-US" altLang="zh-TW" dirty="0">
-                <a:solidFill>
-                  <a:srgbClr val="2E2E2E"/>
-                </a:solidFill>
-              </a:rPr>
-              <a:t>signifies the position of a trophic compartment in the food chain and is related to resource availability and transfer efficiency (</a:t>
-            </a:r>
-            <a:r>
-              <a:rPr lang="en-US" altLang="zh-TW" dirty="0">
-                <a:solidFill>
-                  <a:srgbClr val="0C7DBB"/>
-                </a:solidFill>
-                <a:hlinkClick r:id="rId3"/>
-              </a:rPr>
-              <a:t>Post, 2002</a:t>
-            </a:r>
-            <a:r>
-              <a:rPr lang="en-US" altLang="zh-TW" dirty="0" smtClean="0">
-                <a:solidFill>
-                  <a:srgbClr val="2E2E2E"/>
-                </a:solidFill>
-              </a:rPr>
-              <a:t>).</a:t>
-            </a:r>
-          </a:p>
-          <a:p>
-            <a:endParaRPr lang="en-US" altLang="zh-TW" dirty="0">
-              <a:solidFill>
-                <a:srgbClr val="2E2E2E"/>
-              </a:solidFill>
-            </a:endParaRPr>
-          </a:p>
-          <a:p>
-            <a:r>
-              <a:rPr lang="en-US" altLang="zh-TW" dirty="0" smtClean="0">
-                <a:solidFill>
-                  <a:srgbClr val="2E2E2E"/>
-                </a:solidFill>
-              </a:rPr>
-              <a:t>C cycling:</a:t>
-            </a:r>
-          </a:p>
-          <a:p>
-            <a:r>
-              <a:rPr lang="en-US" altLang="zh-TW" dirty="0" smtClean="0">
-                <a:solidFill>
-                  <a:srgbClr val="2E2E2E"/>
-                </a:solidFill>
-              </a:rPr>
-              <a:t>total </a:t>
-            </a:r>
-            <a:r>
-              <a:rPr lang="en-US" altLang="zh-TW" dirty="0">
-                <a:solidFill>
-                  <a:srgbClr val="2E2E2E"/>
-                </a:solidFill>
-              </a:rPr>
-              <a:t>system throughput (</a:t>
-            </a:r>
-            <a:r>
-              <a:rPr lang="en-US" altLang="zh-TW" i="1" dirty="0">
-                <a:solidFill>
-                  <a:srgbClr val="2E2E2E"/>
-                </a:solidFill>
-              </a:rPr>
-              <a:t>T</a:t>
-            </a:r>
-            <a:r>
-              <a:rPr lang="en-US" altLang="zh-TW" i="1" dirty="0" smtClean="0">
-                <a:solidFill>
-                  <a:srgbClr val="2E2E2E"/>
-                </a:solidFill>
-              </a:rPr>
-              <a:t>..</a:t>
-            </a:r>
-            <a:r>
-              <a:rPr lang="en-US" altLang="zh-TW" dirty="0" smtClean="0">
-                <a:solidFill>
-                  <a:srgbClr val="2E2E2E"/>
-                </a:solidFill>
-              </a:rPr>
-              <a:t>):</a:t>
-            </a:r>
-            <a:r>
-              <a:rPr lang="zh-TW" altLang="en-US" dirty="0" smtClean="0">
-                <a:solidFill>
-                  <a:srgbClr val="2E2E2E"/>
-                </a:solidFill>
-              </a:rPr>
-              <a:t> </a:t>
-            </a:r>
-            <a:r>
-              <a:rPr lang="en-US" altLang="zh-TW" dirty="0" smtClean="0">
-                <a:solidFill>
-                  <a:srgbClr val="2E2E2E"/>
-                </a:solidFill>
-              </a:rPr>
-              <a:t>the </a:t>
-            </a:r>
-            <a:r>
-              <a:rPr lang="en-US" altLang="zh-TW" dirty="0">
-                <a:solidFill>
-                  <a:srgbClr val="2E2E2E"/>
-                </a:solidFill>
-              </a:rPr>
-              <a:t>sum of all C flows in the food web, reflecting the ‘ecological’ size of the system (</a:t>
-            </a:r>
-            <a:r>
-              <a:rPr lang="en-US" altLang="zh-TW" dirty="0">
-                <a:solidFill>
-                  <a:srgbClr val="0C7DBB"/>
-                </a:solidFill>
-                <a:hlinkClick r:id="rId4"/>
-              </a:rPr>
-              <a:t>Latham, 2006</a:t>
-            </a:r>
-            <a:r>
-              <a:rPr lang="en-US" altLang="zh-TW" dirty="0" smtClean="0">
-                <a:solidFill>
-                  <a:srgbClr val="2E2E2E"/>
-                </a:solidFill>
-              </a:rPr>
-              <a:t>) </a:t>
-            </a:r>
-          </a:p>
-          <a:p>
-            <a:r>
-              <a:rPr lang="en-US" altLang="zh-TW" dirty="0" smtClean="0">
-                <a:solidFill>
-                  <a:srgbClr val="2E2E2E"/>
-                </a:solidFill>
-              </a:rPr>
-              <a:t>Finn’s </a:t>
-            </a:r>
-            <a:r>
-              <a:rPr lang="en-US" altLang="zh-TW" dirty="0">
-                <a:solidFill>
-                  <a:srgbClr val="2E2E2E"/>
-                </a:solidFill>
-              </a:rPr>
-              <a:t>Cycling Index (</a:t>
-            </a:r>
-            <a:r>
-              <a:rPr lang="en-US" altLang="zh-TW" i="1" dirty="0">
-                <a:solidFill>
-                  <a:srgbClr val="2E2E2E"/>
-                </a:solidFill>
-              </a:rPr>
-              <a:t>FCI</a:t>
-            </a:r>
-            <a:r>
-              <a:rPr lang="en-US" altLang="zh-TW" dirty="0" smtClean="0">
-                <a:solidFill>
-                  <a:srgbClr val="2E2E2E"/>
-                </a:solidFill>
-              </a:rPr>
-              <a:t>):</a:t>
-            </a:r>
-            <a:r>
-              <a:rPr lang="zh-TW" altLang="en-US" dirty="0" smtClean="0">
-                <a:solidFill>
-                  <a:srgbClr val="2E2E2E"/>
-                </a:solidFill>
-              </a:rPr>
-              <a:t> </a:t>
-            </a:r>
-            <a:r>
-              <a:rPr lang="en-US" altLang="zh-TW" dirty="0" smtClean="0">
-                <a:solidFill>
-                  <a:srgbClr val="2E2E2E"/>
-                </a:solidFill>
-              </a:rPr>
-              <a:t>the </a:t>
-            </a:r>
-            <a:r>
-              <a:rPr lang="en-US" altLang="zh-TW" dirty="0">
-                <a:solidFill>
-                  <a:srgbClr val="2E2E2E"/>
-                </a:solidFill>
-              </a:rPr>
-              <a:t>proportion of C cycling due to recycling processes, reflecting structural differences and the efficiency of C usage in a system (</a:t>
-            </a:r>
-            <a:r>
-              <a:rPr lang="en-US" altLang="zh-TW" dirty="0">
-                <a:solidFill>
-                  <a:srgbClr val="0C7DBB"/>
-                </a:solidFill>
-                <a:hlinkClick r:id="rId5"/>
-              </a:rPr>
-              <a:t>Finn, 1976</a:t>
-            </a:r>
-            <a:r>
-              <a:rPr lang="en-US" altLang="zh-TW" dirty="0">
-                <a:solidFill>
-                  <a:srgbClr val="2E2E2E"/>
-                </a:solidFill>
-              </a:rPr>
-              <a:t>). </a:t>
-            </a:r>
-            <a:endParaRPr lang="en-US" altLang="zh-TW" dirty="0" smtClean="0">
-              <a:solidFill>
-                <a:srgbClr val="2E2E2E"/>
-              </a:solidFill>
-            </a:endParaRPr>
-          </a:p>
-          <a:p>
-            <a:endParaRPr lang="en-US" altLang="zh-TW" dirty="0">
-              <a:solidFill>
-                <a:srgbClr val="2E2E2E"/>
-              </a:solidFill>
-            </a:endParaRPr>
-          </a:p>
-          <a:p>
-            <a:r>
-              <a:rPr lang="en-US" altLang="zh-TW" dirty="0" smtClean="0">
-                <a:solidFill>
-                  <a:srgbClr val="2E2E2E"/>
-                </a:solidFill>
-              </a:rPr>
-              <a:t>Network </a:t>
-            </a:r>
-            <a:r>
-              <a:rPr lang="en-US" altLang="zh-TW" dirty="0">
-                <a:solidFill>
-                  <a:srgbClr val="2E2E2E"/>
-                </a:solidFill>
-              </a:rPr>
-              <a:t>indices are robust to a fair extent of variation in input data and network structure (</a:t>
-            </a:r>
-            <a:r>
-              <a:rPr lang="en-US" altLang="zh-TW" dirty="0" err="1">
-                <a:solidFill>
-                  <a:srgbClr val="0C7DBB"/>
-                </a:solidFill>
-                <a:hlinkClick r:id="rId6"/>
-              </a:rPr>
-              <a:t>Kones</a:t>
-            </a:r>
-            <a:r>
-              <a:rPr lang="en-US" altLang="zh-TW" dirty="0">
-                <a:solidFill>
-                  <a:srgbClr val="0C7DBB"/>
-                </a:solidFill>
-                <a:hlinkClick r:id="rId6"/>
-              </a:rPr>
-              <a:t> et al., 2009</a:t>
-            </a:r>
-            <a:r>
-              <a:rPr lang="en-US" altLang="zh-TW" dirty="0">
-                <a:solidFill>
-                  <a:srgbClr val="2E2E2E"/>
-                </a:solidFill>
-              </a:rPr>
-              <a:t>, </a:t>
-            </a:r>
-            <a:r>
-              <a:rPr lang="en-US" altLang="zh-TW" dirty="0">
-                <a:solidFill>
-                  <a:srgbClr val="0C7DBB"/>
-                </a:solidFill>
-                <a:hlinkClick r:id="rId7"/>
-              </a:rPr>
-              <a:t>Heymans et al., 2014</a:t>
-            </a:r>
-            <a:r>
-              <a:rPr lang="en-US" altLang="zh-TW" dirty="0">
-                <a:solidFill>
-                  <a:srgbClr val="2E2E2E"/>
-                </a:solidFill>
-              </a:rPr>
-              <a:t>). This underlines their suitability for </a:t>
-            </a:r>
-            <a:r>
-              <a:rPr lang="en-US" altLang="zh-TW" dirty="0" err="1">
-                <a:solidFill>
-                  <a:srgbClr val="2E2E2E"/>
-                </a:solidFill>
-              </a:rPr>
-              <a:t>analysing</a:t>
-            </a:r>
-            <a:r>
-              <a:rPr lang="en-US" altLang="zh-TW" dirty="0">
-                <a:solidFill>
-                  <a:srgbClr val="2E2E2E"/>
-                </a:solidFill>
-              </a:rPr>
-              <a:t> models that cannot be fully parameterized with empirical data, like the food-web model from the remote DISCOL experimental area where direct measurements are limited.</a:t>
-            </a:r>
-            <a:endParaRPr lang="zh-TW" altLang="en-US" dirty="0"/>
+              <a:rPr lang="en-US" altLang="zh-TW" b="1" dirty="0" smtClean="0"/>
+              <a:t>et al., 2016</a:t>
+            </a:r>
+            <a:endParaRPr lang="zh-TW" altLang="en-US" b="1" dirty="0"/>
           </a:p>
         </p:txBody>
       </p:sp>

--- a/context/GCfoodweb_p3.pptx
+++ b/context/GCfoodweb_p3.pptx
@@ -22,6 +22,7 @@
     <p:sldId id="271" r:id="rId16"/>
     <p:sldId id="272" r:id="rId17"/>
     <p:sldId id="273" r:id="rId18"/>
+    <p:sldId id="274" r:id="rId19"/>
   </p:sldIdLst>
   <p:sldSz cx="12192000" cy="6858000"/>
   <p:notesSz cx="6858000" cy="9144000"/>
@@ -146,6 +147,7 @@
             <p14:sldId id="271"/>
             <p14:sldId id="272"/>
             <p14:sldId id="273"/>
+            <p14:sldId id="274"/>
           </p14:sldIdLst>
         </p14:section>
       </p14:sectionLst>
@@ -288,7 +290,7 @@
           <a:p>
             <a:fld id="{CE134960-004D-483C-9939-42819B08A455}" type="datetimeFigureOut">
               <a:rPr lang="zh-TW" altLang="en-US" smtClean="0"/>
-              <a:t>2022/3/10</a:t>
+              <a:t>2022/3/12</a:t>
             </a:fld>
             <a:endParaRPr lang="zh-TW" altLang="en-US"/>
           </a:p>
@@ -458,7 +460,7 @@
           <a:p>
             <a:fld id="{CE134960-004D-483C-9939-42819B08A455}" type="datetimeFigureOut">
               <a:rPr lang="zh-TW" altLang="en-US" smtClean="0"/>
-              <a:t>2022/3/10</a:t>
+              <a:t>2022/3/12</a:t>
             </a:fld>
             <a:endParaRPr lang="zh-TW" altLang="en-US"/>
           </a:p>
@@ -638,7 +640,7 @@
           <a:p>
             <a:fld id="{CE134960-004D-483C-9939-42819B08A455}" type="datetimeFigureOut">
               <a:rPr lang="zh-TW" altLang="en-US" smtClean="0"/>
-              <a:t>2022/3/10</a:t>
+              <a:t>2022/3/12</a:t>
             </a:fld>
             <a:endParaRPr lang="zh-TW" altLang="en-US"/>
           </a:p>
@@ -808,7 +810,7 @@
           <a:p>
             <a:fld id="{CE134960-004D-483C-9939-42819B08A455}" type="datetimeFigureOut">
               <a:rPr lang="zh-TW" altLang="en-US" smtClean="0"/>
-              <a:t>2022/3/10</a:t>
+              <a:t>2022/3/12</a:t>
             </a:fld>
             <a:endParaRPr lang="zh-TW" altLang="en-US"/>
           </a:p>
@@ -1054,7 +1056,7 @@
           <a:p>
             <a:fld id="{CE134960-004D-483C-9939-42819B08A455}" type="datetimeFigureOut">
               <a:rPr lang="zh-TW" altLang="en-US" smtClean="0"/>
-              <a:t>2022/3/10</a:t>
+              <a:t>2022/3/12</a:t>
             </a:fld>
             <a:endParaRPr lang="zh-TW" altLang="en-US"/>
           </a:p>
@@ -1286,7 +1288,7 @@
           <a:p>
             <a:fld id="{CE134960-004D-483C-9939-42819B08A455}" type="datetimeFigureOut">
               <a:rPr lang="zh-TW" altLang="en-US" smtClean="0"/>
-              <a:t>2022/3/10</a:t>
+              <a:t>2022/3/12</a:t>
             </a:fld>
             <a:endParaRPr lang="zh-TW" altLang="en-US"/>
           </a:p>
@@ -1653,7 +1655,7 @@
           <a:p>
             <a:fld id="{CE134960-004D-483C-9939-42819B08A455}" type="datetimeFigureOut">
               <a:rPr lang="zh-TW" altLang="en-US" smtClean="0"/>
-              <a:t>2022/3/10</a:t>
+              <a:t>2022/3/12</a:t>
             </a:fld>
             <a:endParaRPr lang="zh-TW" altLang="en-US"/>
           </a:p>
@@ -1771,7 +1773,7 @@
           <a:p>
             <a:fld id="{CE134960-004D-483C-9939-42819B08A455}" type="datetimeFigureOut">
               <a:rPr lang="zh-TW" altLang="en-US" smtClean="0"/>
-              <a:t>2022/3/10</a:t>
+              <a:t>2022/3/12</a:t>
             </a:fld>
             <a:endParaRPr lang="zh-TW" altLang="en-US"/>
           </a:p>
@@ -1866,7 +1868,7 @@
           <a:p>
             <a:fld id="{CE134960-004D-483C-9939-42819B08A455}" type="datetimeFigureOut">
               <a:rPr lang="zh-TW" altLang="en-US" smtClean="0"/>
-              <a:t>2022/3/10</a:t>
+              <a:t>2022/3/12</a:t>
             </a:fld>
             <a:endParaRPr lang="zh-TW" altLang="en-US"/>
           </a:p>
@@ -2143,7 +2145,7 @@
           <a:p>
             <a:fld id="{CE134960-004D-483C-9939-42819B08A455}" type="datetimeFigureOut">
               <a:rPr lang="zh-TW" altLang="en-US" smtClean="0"/>
-              <a:t>2022/3/10</a:t>
+              <a:t>2022/3/12</a:t>
             </a:fld>
             <a:endParaRPr lang="zh-TW" altLang="en-US"/>
           </a:p>
@@ -2396,7 +2398,7 @@
           <a:p>
             <a:fld id="{CE134960-004D-483C-9939-42819B08A455}" type="datetimeFigureOut">
               <a:rPr lang="zh-TW" altLang="en-US" smtClean="0"/>
-              <a:t>2022/3/10</a:t>
+              <a:t>2022/3/12</a:t>
             </a:fld>
             <a:endParaRPr lang="zh-TW" altLang="en-US"/>
           </a:p>
@@ -2609,7 +2611,7 @@
           <a:p>
             <a:fld id="{CE134960-004D-483C-9939-42819B08A455}" type="datetimeFigureOut">
               <a:rPr lang="zh-TW" altLang="en-US" smtClean="0"/>
-              <a:t>2022/3/10</a:t>
+              <a:t>2022/3/12</a:t>
             </a:fld>
             <a:endParaRPr lang="zh-TW" altLang="en-US"/>
           </a:p>
@@ -3351,11 +3353,6 @@
               </a:rPr>
               <a:t>have not recovered from the experimental disturbance.</a:t>
             </a:r>
-            <a:endParaRPr lang="en-US" altLang="zh-TW" dirty="0">
-              <a:solidFill>
-                <a:srgbClr val="2E2E2E"/>
-              </a:solidFill>
-            </a:endParaRPr>
           </a:p>
         </p:txBody>
       </p:sp>
@@ -3576,6 +3573,13 @@
   <p:clrMapOvr>
     <a:masterClrMapping/>
   </p:clrMapOvr>
+  <p:timing>
+    <p:tnLst>
+      <p:par>
+        <p:cTn id="1" dur="indefinite" restart="never" nodeType="tmRoot"/>
+      </p:par>
+    </p:tnLst>
+  </p:timing>
 </p:sld>
 </file>
 
@@ -4273,6 +4277,13 @@
   <p:clrMapOvr>
     <a:masterClrMapping/>
   </p:clrMapOvr>
+  <p:timing>
+    <p:tnLst>
+      <p:par>
+        <p:cTn id="1" dur="indefinite" restart="never" nodeType="tmRoot"/>
+      </p:par>
+    </p:tnLst>
+  </p:timing>
 </p:sld>
 </file>
 
@@ -4392,7 +4403,6 @@
               <a:rPr lang="en-US" altLang="zh-TW" sz="2800" dirty="0"/>
               <a:t>After calculating the network indices</a:t>
             </a:r>
-            <a:endParaRPr lang="en-US" altLang="zh-TW" sz="2800" dirty="0"/>
           </a:p>
         </p:txBody>
       </p:sp>
@@ -5093,6 +5103,13 @@
   <p:clrMapOvr>
     <a:masterClrMapping/>
   </p:clrMapOvr>
+  <p:timing>
+    <p:tnLst>
+      <p:par>
+        <p:cTn id="1" dur="indefinite" restart="never" nodeType="tmRoot"/>
+      </p:par>
+    </p:tnLst>
+  </p:timing>
 </p:sld>
 </file>
 
@@ -5357,6 +5374,13 @@
   <p:clrMapOvr>
     <a:masterClrMapping/>
   </p:clrMapOvr>
+  <p:timing>
+    <p:tnLst>
+      <p:par>
+        <p:cTn id="1" dur="indefinite" restart="never" nodeType="tmRoot"/>
+      </p:par>
+    </p:tnLst>
+  </p:timing>
 </p:sld>
 </file>
 
@@ -5563,6 +5587,13 @@
   <p:clrMapOvr>
     <a:masterClrMapping/>
   </p:clrMapOvr>
+  <p:timing>
+    <p:tnLst>
+      <p:par>
+        <p:cTn id="1" dur="indefinite" restart="never" nodeType="tmRoot"/>
+      </p:par>
+    </p:tnLst>
+  </p:timing>
 </p:sld>
 </file>
 
@@ -5607,8 +5638,8 @@
           </a:prstGeom>
         </p:spPr>
       </p:pic>
-      <mc:AlternateContent xmlns:mc="http://schemas.openxmlformats.org/markup-compatibility/2006">
-        <mc:Choice xmlns:a14="http://schemas.microsoft.com/office/drawing/2010/main" Requires="a14">
+      <mc:AlternateContent xmlns:mc="http://schemas.openxmlformats.org/markup-compatibility/2006" xmlns:a14="http://schemas.microsoft.com/office/drawing/2010/main">
+        <mc:Choice Requires="a14">
           <p:sp>
             <p:nvSpPr>
               <p:cNvPr id="4" name="矩形 3"/>
@@ -5689,7 +5720,7 @@
             </p:txBody>
           </p:sp>
         </mc:Choice>
-        <mc:Fallback>
+        <mc:Fallback xmlns="">
           <p:sp>
             <p:nvSpPr>
               <p:cNvPr id="4" name="矩形 3"/>
@@ -5980,8 +6011,8 @@
           </a:p>
         </p:txBody>
       </p:sp>
-      <mc:AlternateContent xmlns:mc="http://schemas.openxmlformats.org/markup-compatibility/2006">
-        <mc:Choice xmlns:a14="http://schemas.microsoft.com/office/drawing/2010/main" Requires="a14">
+      <mc:AlternateContent xmlns:mc="http://schemas.openxmlformats.org/markup-compatibility/2006" xmlns:a14="http://schemas.microsoft.com/office/drawing/2010/main">
+        <mc:Choice Requires="a14">
           <p:sp>
             <p:nvSpPr>
               <p:cNvPr id="14" name="矩形 13"/>
@@ -6035,7 +6066,7 @@
             </p:txBody>
           </p:sp>
         </mc:Choice>
-        <mc:Fallback>
+        <mc:Fallback xmlns="">
           <p:sp>
             <p:nvSpPr>
               <p:cNvPr id="14" name="矩形 13"/>
@@ -6139,8 +6170,8 @@
           </a:p>
         </p:txBody>
       </p:sp>
-      <mc:AlternateContent xmlns:mc="http://schemas.openxmlformats.org/markup-compatibility/2006">
-        <mc:Choice xmlns:a14="http://schemas.microsoft.com/office/drawing/2010/main" Requires="a14">
+      <mc:AlternateContent xmlns:mc="http://schemas.openxmlformats.org/markup-compatibility/2006" xmlns:a14="http://schemas.microsoft.com/office/drawing/2010/main">
+        <mc:Choice Requires="a14">
           <p:sp>
             <p:nvSpPr>
               <p:cNvPr id="18" name="矩形 17"/>
@@ -6196,7 +6227,7 @@
             </p:txBody>
           </p:sp>
         </mc:Choice>
-        <mc:Fallback>
+        <mc:Fallback xmlns="">
           <p:sp>
             <p:nvSpPr>
               <p:cNvPr id="18" name="矩形 17"/>
@@ -6245,6 +6276,13 @@
   <p:clrMapOvr>
     <a:masterClrMapping/>
   </p:clrMapOvr>
+  <p:timing>
+    <p:tnLst>
+      <p:par>
+        <p:cTn id="1" dur="indefinite" restart="never" nodeType="tmRoot"/>
+      </p:par>
+    </p:tnLst>
+  </p:timing>
 </p:sld>
 </file>
 
@@ -6398,8 +6436,8 @@
           </a:prstGeom>
         </p:spPr>
       </p:pic>
-      <mc:AlternateContent xmlns:mc="http://schemas.openxmlformats.org/markup-compatibility/2006">
-        <mc:Choice xmlns:a14="http://schemas.microsoft.com/office/drawing/2010/main" Requires="a14">
+      <mc:AlternateContent xmlns:mc="http://schemas.openxmlformats.org/markup-compatibility/2006" xmlns:a14="http://schemas.microsoft.com/office/drawing/2010/main">
+        <mc:Choice Requires="a14">
           <p:sp>
             <p:nvSpPr>
               <p:cNvPr id="7" name="矩形 6"/>
@@ -6467,7 +6505,7 @@
             </p:txBody>
           </p:sp>
         </mc:Choice>
-        <mc:Fallback>
+        <mc:Fallback xmlns="">
           <p:sp>
             <p:nvSpPr>
               <p:cNvPr id="7" name="矩形 6"/>
@@ -6716,8 +6754,8 @@
           </a:prstGeom>
         </p:spPr>
       </p:pic>
-      <mc:AlternateContent xmlns:mc="http://schemas.openxmlformats.org/markup-compatibility/2006">
-        <mc:Choice xmlns:a14="http://schemas.microsoft.com/office/drawing/2010/main" Requires="a14">
+      <mc:AlternateContent xmlns:mc="http://schemas.openxmlformats.org/markup-compatibility/2006" xmlns:a14="http://schemas.microsoft.com/office/drawing/2010/main">
+        <mc:Choice Requires="a14">
           <p:sp>
             <p:nvSpPr>
               <p:cNvPr id="20" name="矩形 19"/>
@@ -6796,7 +6834,7 @@
             </p:txBody>
           </p:sp>
         </mc:Choice>
-        <mc:Fallback>
+        <mc:Fallback xmlns="">
           <p:sp>
             <p:nvSpPr>
               <p:cNvPr id="20" name="矩形 19"/>
@@ -7215,6 +7253,13 @@
   <p:clrMapOvr>
     <a:masterClrMapping/>
   </p:clrMapOvr>
+  <p:timing>
+    <p:tnLst>
+      <p:par>
+        <p:cTn id="1" dur="indefinite" restart="never" nodeType="tmRoot"/>
+      </p:par>
+    </p:tnLst>
+  </p:timing>
 </p:sld>
 </file>
 
@@ -7634,6 +7679,323 @@
   <p:clrMapOvr>
     <a:masterClrMapping/>
   </p:clrMapOvr>
+  <p:timing>
+    <p:tnLst>
+      <p:par>
+        <p:cTn id="1" dur="indefinite" restart="never" nodeType="tmRoot"/>
+      </p:par>
+    </p:tnLst>
+  </p:timing>
+</p:sld>
+</file>
+
+<file path=ppt/slides/slide18.xml><?xml version="1.0" encoding="utf-8"?>
+<p:sld xmlns:a="http://schemas.openxmlformats.org/drawingml/2006/main" xmlns:r="http://schemas.openxmlformats.org/officeDocument/2006/relationships" xmlns:p="http://schemas.openxmlformats.org/presentationml/2006/main">
+  <p:cSld>
+    <p:spTree>
+      <p:nvGrpSpPr>
+        <p:cNvPr id="1" name=""/>
+        <p:cNvGrpSpPr/>
+        <p:nvPr/>
+      </p:nvGrpSpPr>
+      <p:grpSpPr>
+        <a:xfrm>
+          <a:off x="0" y="0"/>
+          <a:ext cx="0" cy="0"/>
+          <a:chOff x="0" y="0"/>
+          <a:chExt cx="0" cy="0"/>
+        </a:xfrm>
+      </p:grpSpPr>
+      <p:sp>
+        <p:nvSpPr>
+          <p:cNvPr id="2" name="文字方塊 1"/>
+          <p:cNvSpPr txBox="1"/>
+          <p:nvPr/>
+        </p:nvSpPr>
+        <p:spPr>
+          <a:xfrm>
+            <a:off x="552090" y="586596"/>
+            <a:ext cx="9868619" cy="2862322"/>
+          </a:xfrm>
+          <a:prstGeom prst="rect">
+            <a:avLst/>
+          </a:prstGeom>
+          <a:noFill/>
+        </p:spPr>
+        <p:txBody>
+          <a:bodyPr wrap="square" rtlCol="0">
+            <a:spAutoFit/>
+          </a:bodyPr>
+          <a:lstStyle/>
+          <a:p>
+            <a:pPr marL="285750" indent="-285750">
+              <a:buFont typeface="Arial" panose="020B0604020202020204" pitchFamily="34" charset="0"/>
+              <a:buChar char="•"/>
+            </a:pPr>
+            <a:r>
+              <a:rPr lang="en-US" altLang="zh-TW" dirty="0" smtClean="0"/>
+              <a:t>BAC = 30% TOU</a:t>
+            </a:r>
+            <a:r>
+              <a:rPr lang="zh-TW" altLang="en-US" dirty="0" smtClean="0"/>
+              <a:t> </a:t>
+            </a:r>
+            <a:r>
+              <a:rPr lang="en-US" altLang="zh-TW" dirty="0" smtClean="0"/>
+              <a:t>(ref)</a:t>
+            </a:r>
+          </a:p>
+          <a:p>
+            <a:pPr marL="742950" lvl="1" indent="-285750">
+              <a:buFont typeface="Arial" panose="020B0604020202020204" pitchFamily="34" charset="0"/>
+              <a:buChar char="•"/>
+            </a:pPr>
+            <a:r>
+              <a:rPr lang="zh-TW" altLang="en-US" dirty="0" smtClean="0"/>
+              <a:t>以</a:t>
+            </a:r>
+            <a:r>
+              <a:rPr lang="en-US" altLang="zh-TW" dirty="0" smtClean="0"/>
+              <a:t>30%TOU</a:t>
+            </a:r>
+            <a:r>
+              <a:rPr lang="zh-TW" altLang="en-US" dirty="0" smtClean="0"/>
+              <a:t>的結果跟</a:t>
+            </a:r>
+            <a:r>
+              <a:rPr lang="en-US" altLang="zh-TW" dirty="0" smtClean="0"/>
+              <a:t>DOU</a:t>
+            </a:r>
+            <a:r>
+              <a:rPr lang="zh-TW" altLang="en-US" dirty="0" smtClean="0"/>
+              <a:t>比較</a:t>
+            </a:r>
+            <a:r>
+              <a:rPr lang="en-US" altLang="zh-TW" dirty="0" smtClean="0"/>
+              <a:t>(</a:t>
+            </a:r>
+            <a:r>
+              <a:rPr lang="zh-TW" altLang="en-US" dirty="0" smtClean="0"/>
+              <a:t>大約</a:t>
+            </a:r>
+            <a:r>
+              <a:rPr lang="en-US" altLang="zh-TW" dirty="0" smtClean="0"/>
+              <a:t>=20-25%)</a:t>
+            </a:r>
+          </a:p>
+          <a:p>
+            <a:pPr marL="742950" lvl="1" indent="-285750">
+              <a:buFont typeface="Arial" panose="020B0604020202020204" pitchFamily="34" charset="0"/>
+              <a:buChar char="•"/>
+            </a:pPr>
+            <a:r>
+              <a:rPr lang="en-US" altLang="zh-TW" dirty="0" smtClean="0"/>
+              <a:t>if BAC=DOU?</a:t>
+            </a:r>
+          </a:p>
+          <a:p>
+            <a:pPr marL="285750" indent="-285750">
+              <a:buFont typeface="Arial" panose="020B0604020202020204" pitchFamily="34" charset="0"/>
+              <a:buChar char="•"/>
+            </a:pPr>
+            <a:r>
+              <a:rPr lang="zh-TW" altLang="en-US" dirty="0" smtClean="0"/>
+              <a:t>把我們的</a:t>
+            </a:r>
+            <a:r>
+              <a:rPr lang="en-US" altLang="zh-TW" dirty="0" smtClean="0"/>
+              <a:t>TOU%</a:t>
+            </a:r>
+            <a:r>
+              <a:rPr lang="zh-TW" altLang="en-US" dirty="0" smtClean="0"/>
+              <a:t> * </a:t>
+            </a:r>
+            <a:r>
+              <a:rPr lang="en-US" altLang="zh-TW" dirty="0" smtClean="0"/>
+              <a:t>huh </a:t>
+            </a:r>
+            <a:r>
+              <a:rPr lang="zh-TW" altLang="en-US" dirty="0" smtClean="0"/>
+              <a:t>的</a:t>
+            </a:r>
+            <a:r>
+              <a:rPr lang="en-US" altLang="zh-TW" dirty="0" smtClean="0"/>
+              <a:t>sedimentation rate</a:t>
+            </a:r>
+            <a:r>
+              <a:rPr lang="zh-TW" altLang="en-US" dirty="0" smtClean="0"/>
+              <a:t> </a:t>
+            </a:r>
+            <a:r>
+              <a:rPr lang="en-US" altLang="zh-TW" dirty="0" smtClean="0"/>
+              <a:t>=</a:t>
+            </a:r>
+            <a:r>
+              <a:rPr lang="zh-TW" altLang="en-US" dirty="0" smtClean="0"/>
+              <a:t> </a:t>
+            </a:r>
+            <a:r>
+              <a:rPr lang="en-US" altLang="zh-TW" dirty="0" smtClean="0"/>
+              <a:t>OC</a:t>
+            </a:r>
+            <a:r>
+              <a:rPr lang="zh-TW" altLang="en-US" dirty="0" smtClean="0"/>
+              <a:t> </a:t>
+            </a:r>
+            <a:r>
+              <a:rPr lang="en-US" altLang="zh-TW" dirty="0" smtClean="0"/>
+              <a:t>content -&gt;</a:t>
+            </a:r>
+            <a:r>
+              <a:rPr lang="zh-TW" altLang="en-US" dirty="0" smtClean="0"/>
+              <a:t> 跟</a:t>
+            </a:r>
+            <a:r>
+              <a:rPr lang="en-US" altLang="zh-TW" dirty="0" smtClean="0"/>
+              <a:t>model </a:t>
+            </a:r>
+            <a:r>
+              <a:rPr lang="zh-TW" altLang="en-US" dirty="0" smtClean="0"/>
+              <a:t>的值比較</a:t>
+            </a:r>
+            <a:endParaRPr lang="en-US" altLang="zh-TW" dirty="0" smtClean="0"/>
+          </a:p>
+          <a:p>
+            <a:pPr marL="742950" lvl="1" indent="-285750">
+              <a:buFont typeface="Arial" panose="020B0604020202020204" pitchFamily="34" charset="0"/>
+              <a:buChar char="•"/>
+            </a:pPr>
+            <a:endParaRPr lang="en-US" altLang="zh-TW" dirty="0" smtClean="0"/>
+          </a:p>
+          <a:p>
+            <a:pPr marL="742950" lvl="1" indent="-285750">
+              <a:buFont typeface="Arial" panose="020B0604020202020204" pitchFamily="34" charset="0"/>
+              <a:buChar char="•"/>
+            </a:pPr>
+            <a:endParaRPr lang="en-US" altLang="zh-TW" dirty="0" smtClean="0"/>
+          </a:p>
+          <a:p>
+            <a:pPr marL="285750" indent="-285750">
+              <a:buFont typeface="Arial" panose="020B0604020202020204" pitchFamily="34" charset="0"/>
+              <a:buChar char="•"/>
+            </a:pPr>
+            <a:r>
+              <a:rPr lang="zh-TW" altLang="en-US" dirty="0"/>
+              <a:t>不設</a:t>
+            </a:r>
+            <a:r>
+              <a:rPr lang="en-US" altLang="zh-TW" dirty="0" smtClean="0"/>
+              <a:t>POC</a:t>
+            </a:r>
+            <a:r>
+              <a:rPr lang="zh-TW" altLang="en-US" dirty="0" smtClean="0"/>
+              <a:t>的上限</a:t>
+            </a:r>
+            <a:r>
+              <a:rPr lang="en-US" altLang="zh-TW" dirty="0" smtClean="0"/>
+              <a:t>(</a:t>
+            </a:r>
+            <a:r>
+              <a:rPr lang="zh-TW" altLang="en-US" dirty="0" smtClean="0"/>
+              <a:t>直接讓</a:t>
+            </a:r>
+            <a:r>
+              <a:rPr lang="en-US" altLang="zh-TW" dirty="0" smtClean="0"/>
+              <a:t>model</a:t>
+            </a:r>
+            <a:r>
+              <a:rPr lang="zh-TW" altLang="en-US" dirty="0" smtClean="0"/>
+              <a:t>決定</a:t>
+            </a:r>
+            <a:r>
+              <a:rPr lang="en-US" altLang="zh-TW" dirty="0" smtClean="0"/>
+              <a:t>)</a:t>
+            </a:r>
+          </a:p>
+          <a:p>
+            <a:pPr marL="742950" lvl="1" indent="-285750">
+              <a:buFont typeface="Arial" panose="020B0604020202020204" pitchFamily="34" charset="0"/>
+              <a:buChar char="•"/>
+            </a:pPr>
+            <a:r>
+              <a:rPr lang="zh-TW" altLang="en-US" dirty="0" smtClean="0"/>
+              <a:t>反證</a:t>
+            </a:r>
+            <a:r>
+              <a:rPr lang="en-US" altLang="zh-TW" dirty="0" smtClean="0"/>
+              <a:t>sediment trap</a:t>
+            </a:r>
+            <a:r>
+              <a:rPr lang="zh-TW" altLang="en-US" dirty="0" smtClean="0"/>
+              <a:t>的</a:t>
+            </a:r>
+            <a:r>
+              <a:rPr lang="en-US" altLang="zh-TW" dirty="0" smtClean="0"/>
+              <a:t>flux</a:t>
+            </a:r>
+            <a:r>
+              <a:rPr lang="zh-TW" altLang="en-US" dirty="0" smtClean="0"/>
+              <a:t>是不是有問題</a:t>
+            </a:r>
+            <a:r>
+              <a:rPr lang="en-US" altLang="zh-TW" dirty="0" smtClean="0"/>
+              <a:t>?</a:t>
+            </a:r>
+          </a:p>
+          <a:p>
+            <a:pPr marL="742950" lvl="1" indent="-285750">
+              <a:buFont typeface="Arial" panose="020B0604020202020204" pitchFamily="34" charset="0"/>
+              <a:buChar char="•"/>
+            </a:pPr>
+            <a:r>
+              <a:rPr lang="en-US" altLang="zh-TW" dirty="0" smtClean="0"/>
+              <a:t>Sedimentation rate</a:t>
+            </a:r>
+            <a:r>
+              <a:rPr lang="zh-TW" altLang="en-US" dirty="0" smtClean="0"/>
+              <a:t> </a:t>
+            </a:r>
+            <a:r>
+              <a:rPr lang="en-US" altLang="zh-TW" dirty="0" smtClean="0"/>
+              <a:t>:</a:t>
+            </a:r>
+            <a:r>
+              <a:rPr lang="zh-TW" altLang="en-US" dirty="0" smtClean="0"/>
+              <a:t> 維持</a:t>
+            </a:r>
+            <a:endParaRPr lang="en-US" altLang="zh-TW" dirty="0" smtClean="0"/>
+          </a:p>
+          <a:p>
+            <a:pPr marL="285750" indent="-285750">
+              <a:buFont typeface="Arial" panose="020B0604020202020204" pitchFamily="34" charset="0"/>
+              <a:buChar char="•"/>
+            </a:pPr>
+            <a:r>
+              <a:rPr lang="en-US" altLang="zh-TW" dirty="0" smtClean="0"/>
+              <a:t>!</a:t>
+            </a:r>
+            <a:r>
+              <a:rPr lang="zh-TW" altLang="en-US" dirty="0" smtClean="0"/>
+              <a:t> </a:t>
+            </a:r>
+            <a:r>
+              <a:rPr lang="en-US" altLang="zh-TW" dirty="0" smtClean="0"/>
+              <a:t>Check the part of POC part! 20220311</a:t>
+            </a:r>
+            <a:endParaRPr lang="zh-TW" altLang="en-US" dirty="0"/>
+          </a:p>
+        </p:txBody>
+      </p:sp>
+    </p:spTree>
+    <p:extLst>
+      <p:ext uri="{BB962C8B-B14F-4D97-AF65-F5344CB8AC3E}">
+        <p14:creationId xmlns:p14="http://schemas.microsoft.com/office/powerpoint/2010/main" val="2827852646"/>
+      </p:ext>
+    </p:extLst>
+  </p:cSld>
+  <p:clrMapOvr>
+    <a:masterClrMapping/>
+  </p:clrMapOvr>
 </p:sld>
 </file>
 
@@ -7813,6 +8175,13 @@
   <p:clrMapOvr>
     <a:masterClrMapping/>
   </p:clrMapOvr>
+  <p:timing>
+    <p:tnLst>
+      <p:par>
+        <p:cTn id="1" dur="indefinite" restart="never" nodeType="tmRoot"/>
+      </p:par>
+    </p:tnLst>
+  </p:timing>
 </p:sld>
 </file>
 
@@ -8748,6 +9117,13 @@
   <p:clrMapOvr>
     <a:masterClrMapping/>
   </p:clrMapOvr>
+  <p:timing>
+    <p:tnLst>
+      <p:par>
+        <p:cTn id="1" dur="indefinite" restart="never" nodeType="tmRoot"/>
+      </p:par>
+    </p:tnLst>
+  </p:timing>
 </p:sld>
 </file>
 
@@ -8768,8 +9144,8 @@
           <a:chExt cx="0" cy="0"/>
         </a:xfrm>
       </p:grpSpPr>
-      <mc:AlternateContent xmlns:mc="http://schemas.openxmlformats.org/markup-compatibility/2006">
-        <mc:Choice xmlns:a14="http://schemas.microsoft.com/office/drawing/2010/main" Requires="a14">
+      <mc:AlternateContent xmlns:mc="http://schemas.openxmlformats.org/markup-compatibility/2006" xmlns:a14="http://schemas.microsoft.com/office/drawing/2010/main">
+        <mc:Choice Requires="a14">
           <p:graphicFrame>
             <p:nvGraphicFramePr>
               <p:cNvPr id="4" name="表格 3"/>
@@ -10725,7 +11101,7 @@
             </a:graphic>
           </p:graphicFrame>
         </mc:Choice>
-        <mc:Fallback>
+        <mc:Fallback xmlns="">
           <p:graphicFrame>
             <p:nvGraphicFramePr>
               <p:cNvPr id="4" name="表格 3"/>
@@ -11578,6 +11954,13 @@
   <p:clrMapOvr>
     <a:masterClrMapping/>
   </p:clrMapOvr>
+  <p:timing>
+    <p:tnLst>
+      <p:par>
+        <p:cTn id="1" dur="indefinite" restart="never" nodeType="tmRoot"/>
+      </p:par>
+    </p:tnLst>
+  </p:timing>
 </p:sld>
 </file>
 
@@ -12301,8 +12684,8 @@
             </a:p>
           </p:txBody>
         </p:sp>
-        <mc:AlternateContent xmlns:mc="http://schemas.openxmlformats.org/markup-compatibility/2006">
-          <mc:Choice xmlns:a14="http://schemas.microsoft.com/office/drawing/2010/main" Requires="a14">
+        <mc:AlternateContent xmlns:mc="http://schemas.openxmlformats.org/markup-compatibility/2006" xmlns:a14="http://schemas.microsoft.com/office/drawing/2010/main">
+          <mc:Choice Requires="a14">
             <p:sp>
               <p:nvSpPr>
                 <p:cNvPr id="11" name="矩形 10"/>
@@ -12378,7 +12761,7 @@
               </p:txBody>
             </p:sp>
           </mc:Choice>
-          <mc:Fallback>
+          <mc:Fallback xmlns="">
             <p:sp>
               <p:nvSpPr>
                 <p:cNvPr id="11" name="矩形 10"/>
@@ -13101,6 +13484,13 @@
   <p:clrMapOvr>
     <a:masterClrMapping/>
   </p:clrMapOvr>
+  <p:timing>
+    <p:tnLst>
+      <p:par>
+        <p:cTn id="1" dur="indefinite" restart="never" nodeType="tmRoot"/>
+      </p:par>
+    </p:tnLst>
+  </p:timing>
 </p:sld>
 </file>
 
@@ -13206,8 +13596,8 @@
             </a:p>
           </p:txBody>
         </p:sp>
-        <mc:AlternateContent xmlns:mc="http://schemas.openxmlformats.org/markup-compatibility/2006">
-          <mc:Choice xmlns:a14="http://schemas.microsoft.com/office/drawing/2010/main" Requires="a14">
+        <mc:AlternateContent xmlns:mc="http://schemas.openxmlformats.org/markup-compatibility/2006" xmlns:a14="http://schemas.microsoft.com/office/drawing/2010/main">
+          <mc:Choice Requires="a14">
             <p:sp>
               <p:nvSpPr>
                 <p:cNvPr id="10" name="矩形 9"/>
@@ -13391,7 +13781,7 @@
               </p:txBody>
             </p:sp>
           </mc:Choice>
-          <mc:Fallback>
+          <mc:Fallback xmlns="">
             <p:sp>
               <p:nvSpPr>
                 <p:cNvPr id="10" name="矩形 9"/>
@@ -13566,8 +13956,8 @@
             </p:sp>
           </mc:Fallback>
         </mc:AlternateContent>
-        <mc:AlternateContent xmlns:mc="http://schemas.openxmlformats.org/markup-compatibility/2006">
-          <mc:Choice xmlns:a14="http://schemas.microsoft.com/office/drawing/2010/main" Requires="a14">
+        <mc:AlternateContent xmlns:mc="http://schemas.openxmlformats.org/markup-compatibility/2006" xmlns:a14="http://schemas.microsoft.com/office/drawing/2010/main">
+          <mc:Choice Requires="a14">
             <p:sp>
               <p:nvSpPr>
                 <p:cNvPr id="13" name="矩形 12"/>
@@ -13782,11 +14172,7 @@
                   </a:pPr>
                   <a:r>
                     <a:rPr lang="en-US" altLang="zh-TW" dirty="0" smtClean="0"/>
-                    <a:t>Interpretation: ranging between 0 and </a:t>
-                  </a:r>
-                  <a:r>
-                    <a:rPr lang="en-US" altLang="zh-TW" dirty="0" smtClean="0"/>
-                    <a:t>1</a:t>
+                    <a:t>Interpretation: ranging between 0 and 1</a:t>
                   </a:r>
                 </a:p>
                 <a:p>
@@ -13796,11 +14182,7 @@
                   </a:pPr>
                   <a:r>
                     <a:rPr lang="en-US" altLang="zh-TW" dirty="0" smtClean="0"/>
-                    <a:t>measures </a:t>
-                  </a:r>
-                  <a:r>
-                    <a:rPr lang="en-US" altLang="zh-TW" dirty="0" smtClean="0"/>
-                    <a:t>the degree of connectedness of subsystems within a network, with higher values of </a:t>
+                    <a:t>measures the degree of connectedness of subsystems within a network, with higher values of </a:t>
                   </a:r>
                   <a14:m>
                     <m:oMath xmlns:m="http://schemas.openxmlformats.org/officeDocument/2006/math">
@@ -13843,18 +14225,14 @@
                   </a:r>
                   <a:r>
                     <a:rPr lang="en-US" altLang="zh-TW" dirty="0" smtClean="0"/>
-                    <a:t> and Lawton, 1980</a:t>
-                  </a:r>
-                  <a:r>
-                    <a:rPr lang="en-US" altLang="zh-TW" dirty="0" smtClean="0"/>
-                    <a:t>)</a:t>
+                    <a:t> and Lawton, 1980)</a:t>
                   </a:r>
                   <a:endParaRPr lang="zh-TW" altLang="en-US" dirty="0"/>
                 </a:p>
               </p:txBody>
             </p:sp>
           </mc:Choice>
-          <mc:Fallback>
+          <mc:Fallback xmlns="">
             <p:sp>
               <p:nvSpPr>
                 <p:cNvPr id="13" name="矩形 12"/>
@@ -13927,6 +14305,13 @@
   <p:clrMapOvr>
     <a:masterClrMapping/>
   </p:clrMapOvr>
+  <p:timing>
+    <p:tnLst>
+      <p:par>
+        <p:cTn id="1" dur="indefinite" restart="never" nodeType="tmRoot"/>
+      </p:par>
+    </p:tnLst>
+  </p:timing>
 </p:sld>
 </file>
 
@@ -14022,8 +14407,8 @@
             </a:p>
           </p:txBody>
         </p:sp>
-        <mc:AlternateContent xmlns:mc="http://schemas.openxmlformats.org/markup-compatibility/2006">
-          <mc:Choice xmlns:a14="http://schemas.microsoft.com/office/drawing/2010/main" Requires="a14">
+        <mc:AlternateContent xmlns:mc="http://schemas.openxmlformats.org/markup-compatibility/2006" xmlns:a14="http://schemas.microsoft.com/office/drawing/2010/main">
+          <mc:Choice Requires="a14">
             <p:sp>
               <p:nvSpPr>
                 <p:cNvPr id="6" name="矩形 5"/>
@@ -14164,15 +14549,7 @@
                         <a:srgbClr val="111111"/>
                       </a:solidFill>
                     </a:rPr>
-                    <a:t>e.g. if </a:t>
-                  </a:r>
-                  <a:r>
-                    <a:rPr lang="en-US" altLang="zh-TW" dirty="0" smtClean="0">
-                      <a:solidFill>
-                        <a:srgbClr val="111111"/>
-                      </a:solidFill>
-                    </a:rPr>
-                    <a:t>FCI=0.5</a:t>
+                    <a:t>e.g. if FCI=0.5</a:t>
                   </a:r>
                   <a:r>
                     <a:rPr lang="en-US" altLang="zh-TW" dirty="0">
@@ -14245,7 +14622,7 @@
               </p:txBody>
             </p:sp>
           </mc:Choice>
-          <mc:Fallback>
+          <mc:Fallback xmlns="">
             <p:sp>
               <p:nvSpPr>
                 <p:cNvPr id="6" name="矩形 5"/>
@@ -14856,8 +15233,8 @@
             </a:p>
           </p:txBody>
         </p:sp>
-        <mc:AlternateContent xmlns:mc="http://schemas.openxmlformats.org/markup-compatibility/2006">
-          <mc:Choice xmlns:a14="http://schemas.microsoft.com/office/drawing/2010/main" Requires="a14">
+        <mc:AlternateContent xmlns:mc="http://schemas.openxmlformats.org/markup-compatibility/2006" xmlns:a14="http://schemas.microsoft.com/office/drawing/2010/main">
+          <mc:Choice Requires="a14">
             <p:sp>
               <p:nvSpPr>
                 <p:cNvPr id="13" name="矩形 12"/>
@@ -15263,7 +15640,7 @@
               </p:txBody>
             </p:sp>
           </mc:Choice>
-          <mc:Fallback>
+          <mc:Fallback xmlns="">
             <p:sp>
               <p:nvSpPr>
                 <p:cNvPr id="13" name="矩形 12"/>
@@ -15313,6 +15690,13 @@
   <p:clrMapOvr>
     <a:masterClrMapping/>
   </p:clrMapOvr>
+  <p:timing>
+    <p:tnLst>
+      <p:par>
+        <p:cTn id="1" dur="indefinite" restart="never" nodeType="tmRoot"/>
+      </p:par>
+    </p:tnLst>
+  </p:timing>
 </p:sld>
 </file>
 
@@ -15954,11 +16338,7 @@
             </a:r>
             <a:r>
               <a:rPr lang="nb-NO" altLang="zh-TW" dirty="0" smtClean="0"/>
-              <a:t>Latham </a:t>
-            </a:r>
-            <a:r>
-              <a:rPr lang="nb-NO" altLang="zh-TW" dirty="0" smtClean="0"/>
-              <a:t>and Scully (2002)</a:t>
+              <a:t>Latham and Scully (2002)</a:t>
             </a:r>
             <a:endParaRPr lang="zh-TW" altLang="en-US" dirty="0"/>
           </a:p>
@@ -15974,6 +16354,13 @@
   <p:clrMapOvr>
     <a:masterClrMapping/>
   </p:clrMapOvr>
+  <p:timing>
+    <p:tnLst>
+      <p:par>
+        <p:cTn id="1" dur="indefinite" restart="never" nodeType="tmRoot"/>
+      </p:par>
+    </p:tnLst>
+  </p:timing>
 </p:sld>
 </file>
 
@@ -16211,6 +16598,13 @@
   <p:clrMapOvr>
     <a:masterClrMapping/>
   </p:clrMapOvr>
+  <p:timing>
+    <p:tnLst>
+      <p:par>
+        <p:cTn id="1" dur="indefinite" restart="never" nodeType="tmRoot"/>
+      </p:par>
+    </p:tnLst>
+  </p:timing>
 </p:sld>
 </file>
 

--- a/context/GCfoodweb_p3.pptx
+++ b/context/GCfoodweb_p3.pptx
@@ -290,7 +290,7 @@
           <a:p>
             <a:fld id="{CE134960-004D-483C-9939-42819B08A455}" type="datetimeFigureOut">
               <a:rPr lang="zh-TW" altLang="en-US" smtClean="0"/>
-              <a:t>2022/3/12</a:t>
+              <a:t>2022/4/7</a:t>
             </a:fld>
             <a:endParaRPr lang="zh-TW" altLang="en-US"/>
           </a:p>
@@ -460,7 +460,7 @@
           <a:p>
             <a:fld id="{CE134960-004D-483C-9939-42819B08A455}" type="datetimeFigureOut">
               <a:rPr lang="zh-TW" altLang="en-US" smtClean="0"/>
-              <a:t>2022/3/12</a:t>
+              <a:t>2022/4/7</a:t>
             </a:fld>
             <a:endParaRPr lang="zh-TW" altLang="en-US"/>
           </a:p>
@@ -640,7 +640,7 @@
           <a:p>
             <a:fld id="{CE134960-004D-483C-9939-42819B08A455}" type="datetimeFigureOut">
               <a:rPr lang="zh-TW" altLang="en-US" smtClean="0"/>
-              <a:t>2022/3/12</a:t>
+              <a:t>2022/4/7</a:t>
             </a:fld>
             <a:endParaRPr lang="zh-TW" altLang="en-US"/>
           </a:p>
@@ -810,7 +810,7 @@
           <a:p>
             <a:fld id="{CE134960-004D-483C-9939-42819B08A455}" type="datetimeFigureOut">
               <a:rPr lang="zh-TW" altLang="en-US" smtClean="0"/>
-              <a:t>2022/3/12</a:t>
+              <a:t>2022/4/7</a:t>
             </a:fld>
             <a:endParaRPr lang="zh-TW" altLang="en-US"/>
           </a:p>
@@ -1056,7 +1056,7 @@
           <a:p>
             <a:fld id="{CE134960-004D-483C-9939-42819B08A455}" type="datetimeFigureOut">
               <a:rPr lang="zh-TW" altLang="en-US" smtClean="0"/>
-              <a:t>2022/3/12</a:t>
+              <a:t>2022/4/7</a:t>
             </a:fld>
             <a:endParaRPr lang="zh-TW" altLang="en-US"/>
           </a:p>
@@ -1288,7 +1288,7 @@
           <a:p>
             <a:fld id="{CE134960-004D-483C-9939-42819B08A455}" type="datetimeFigureOut">
               <a:rPr lang="zh-TW" altLang="en-US" smtClean="0"/>
-              <a:t>2022/3/12</a:t>
+              <a:t>2022/4/7</a:t>
             </a:fld>
             <a:endParaRPr lang="zh-TW" altLang="en-US"/>
           </a:p>
@@ -1655,7 +1655,7 @@
           <a:p>
             <a:fld id="{CE134960-004D-483C-9939-42819B08A455}" type="datetimeFigureOut">
               <a:rPr lang="zh-TW" altLang="en-US" smtClean="0"/>
-              <a:t>2022/3/12</a:t>
+              <a:t>2022/4/7</a:t>
             </a:fld>
             <a:endParaRPr lang="zh-TW" altLang="en-US"/>
           </a:p>
@@ -1773,7 +1773,7 @@
           <a:p>
             <a:fld id="{CE134960-004D-483C-9939-42819B08A455}" type="datetimeFigureOut">
               <a:rPr lang="zh-TW" altLang="en-US" smtClean="0"/>
-              <a:t>2022/3/12</a:t>
+              <a:t>2022/4/7</a:t>
             </a:fld>
             <a:endParaRPr lang="zh-TW" altLang="en-US"/>
           </a:p>
@@ -1868,7 +1868,7 @@
           <a:p>
             <a:fld id="{CE134960-004D-483C-9939-42819B08A455}" type="datetimeFigureOut">
               <a:rPr lang="zh-TW" altLang="en-US" smtClean="0"/>
-              <a:t>2022/3/12</a:t>
+              <a:t>2022/4/7</a:t>
             </a:fld>
             <a:endParaRPr lang="zh-TW" altLang="en-US"/>
           </a:p>
@@ -2145,7 +2145,7 @@
           <a:p>
             <a:fld id="{CE134960-004D-483C-9939-42819B08A455}" type="datetimeFigureOut">
               <a:rPr lang="zh-TW" altLang="en-US" smtClean="0"/>
-              <a:t>2022/3/12</a:t>
+              <a:t>2022/4/7</a:t>
             </a:fld>
             <a:endParaRPr lang="zh-TW" altLang="en-US"/>
           </a:p>
@@ -2398,7 +2398,7 @@
           <a:p>
             <a:fld id="{CE134960-004D-483C-9939-42819B08A455}" type="datetimeFigureOut">
               <a:rPr lang="zh-TW" altLang="en-US" smtClean="0"/>
-              <a:t>2022/3/12</a:t>
+              <a:t>2022/4/7</a:t>
             </a:fld>
             <a:endParaRPr lang="zh-TW" altLang="en-US"/>
           </a:p>
@@ -2611,7 +2611,7 @@
           <a:p>
             <a:fld id="{CE134960-004D-483C-9939-42819B08A455}" type="datetimeFigureOut">
               <a:rPr lang="zh-TW" altLang="en-US" smtClean="0"/>
-              <a:t>2022/3/12</a:t>
+              <a:t>2022/4/7</a:t>
             </a:fld>
             <a:endParaRPr lang="zh-TW" altLang="en-US"/>
           </a:p>
